--- a/Posters/2.0/Rolando Carralero.pptx
+++ b/Posters/2.0/Rolando Carralero.pptx
@@ -214,11 +214,6 @@
       </a:defRPr>
     </a:lvl9pPr>
   </p:defaultTextStyle>
-  <p:extLst>
-    <p:ext uri="{EFAFB233-063F-42B5-8137-9DF3F51BA10A}">
-      <p15:sldGuideLst xmlns:p15="http://schemas.microsoft.com/office/powerpoint/2012/main"/>
-    </p:ext>
-  </p:extLst>
 </p:presentation>
 </file>
 
@@ -842,73 +837,172 @@
               <a:spcBef>
                 <a:spcPts val="0"/>
               </a:spcBef>
-              <a:buFont typeface="Arial"/>
-              <a:buNone/>
-              <a:defRPr sz="1800" b="0" i="0" u="none" strike="noStrike" cap="none"/>
+              <a:buClr>
+                <a:schemeClr val="dk1"/>
+              </a:buClr>
+              <a:buFont typeface="Arial"/>
+              <a:buNone/>
+              <a:defRPr sz="1800" b="0" i="0" u="none" strike="noStrike" cap="none">
+                <a:solidFill>
+                  <a:schemeClr val="dk1"/>
+                </a:solidFill>
+                <a:latin typeface="Arial"/>
+                <a:ea typeface="Arial"/>
+                <a:cs typeface="Arial"/>
+                <a:sym typeface="Arial"/>
+              </a:defRPr>
             </a:lvl1pPr>
             <a:lvl2pPr marL="457200" marR="0" lvl="1" indent="0" algn="l" rtl="0">
               <a:spcBef>
                 <a:spcPts val="0"/>
               </a:spcBef>
-              <a:buFont typeface="Arial"/>
-              <a:buNone/>
-              <a:defRPr sz="1800" b="0" i="0" u="none" strike="noStrike" cap="none"/>
+              <a:buClr>
+                <a:schemeClr val="dk1"/>
+              </a:buClr>
+              <a:buFont typeface="Arial"/>
+              <a:buNone/>
+              <a:defRPr sz="1800" b="0" i="0" u="none" strike="noStrike" cap="none">
+                <a:solidFill>
+                  <a:schemeClr val="dk1"/>
+                </a:solidFill>
+                <a:latin typeface="Arial"/>
+                <a:ea typeface="Arial"/>
+                <a:cs typeface="Arial"/>
+                <a:sym typeface="Arial"/>
+              </a:defRPr>
             </a:lvl2pPr>
             <a:lvl3pPr marL="914400" marR="0" lvl="2" indent="0" algn="l" rtl="0">
               <a:spcBef>
                 <a:spcPts val="0"/>
               </a:spcBef>
-              <a:buFont typeface="Arial"/>
-              <a:buNone/>
-              <a:defRPr sz="1800" b="0" i="0" u="none" strike="noStrike" cap="none"/>
+              <a:buClr>
+                <a:schemeClr val="dk1"/>
+              </a:buClr>
+              <a:buFont typeface="Arial"/>
+              <a:buNone/>
+              <a:defRPr sz="1800" b="0" i="0" u="none" strike="noStrike" cap="none">
+                <a:solidFill>
+                  <a:schemeClr val="dk1"/>
+                </a:solidFill>
+                <a:latin typeface="Arial"/>
+                <a:ea typeface="Arial"/>
+                <a:cs typeface="Arial"/>
+                <a:sym typeface="Arial"/>
+              </a:defRPr>
             </a:lvl3pPr>
             <a:lvl4pPr marL="1371600" marR="0" lvl="3" indent="0" algn="l" rtl="0">
               <a:spcBef>
                 <a:spcPts val="0"/>
               </a:spcBef>
-              <a:buFont typeface="Arial"/>
-              <a:buNone/>
-              <a:defRPr sz="1800" b="0" i="0" u="none" strike="noStrike" cap="none"/>
+              <a:buClr>
+                <a:schemeClr val="dk1"/>
+              </a:buClr>
+              <a:buFont typeface="Arial"/>
+              <a:buNone/>
+              <a:defRPr sz="1800" b="0" i="0" u="none" strike="noStrike" cap="none">
+                <a:solidFill>
+                  <a:schemeClr val="dk1"/>
+                </a:solidFill>
+                <a:latin typeface="Arial"/>
+                <a:ea typeface="Arial"/>
+                <a:cs typeface="Arial"/>
+                <a:sym typeface="Arial"/>
+              </a:defRPr>
             </a:lvl4pPr>
             <a:lvl5pPr marL="1828800" marR="0" lvl="4" indent="0" algn="l" rtl="0">
               <a:spcBef>
                 <a:spcPts val="0"/>
               </a:spcBef>
-              <a:buFont typeface="Arial"/>
-              <a:buNone/>
-              <a:defRPr sz="1800" b="0" i="0" u="none" strike="noStrike" cap="none"/>
+              <a:buClr>
+                <a:schemeClr val="dk1"/>
+              </a:buClr>
+              <a:buFont typeface="Arial"/>
+              <a:buNone/>
+              <a:defRPr sz="1800" b="0" i="0" u="none" strike="noStrike" cap="none">
+                <a:solidFill>
+                  <a:schemeClr val="dk1"/>
+                </a:solidFill>
+                <a:latin typeface="Arial"/>
+                <a:ea typeface="Arial"/>
+                <a:cs typeface="Arial"/>
+                <a:sym typeface="Arial"/>
+              </a:defRPr>
             </a:lvl5pPr>
             <a:lvl6pPr marL="2286000" marR="0" lvl="5" indent="0" algn="l" rtl="0">
               <a:spcBef>
                 <a:spcPts val="0"/>
               </a:spcBef>
-              <a:buFont typeface="Arial"/>
-              <a:buNone/>
-              <a:defRPr sz="1800" b="0" i="0" u="none" strike="noStrike" cap="none"/>
+              <a:buClr>
+                <a:schemeClr val="dk1"/>
+              </a:buClr>
+              <a:buFont typeface="Arial"/>
+              <a:buNone/>
+              <a:defRPr sz="1800" b="0" i="0" u="none" strike="noStrike" cap="none">
+                <a:solidFill>
+                  <a:schemeClr val="dk1"/>
+                </a:solidFill>
+                <a:latin typeface="Arial"/>
+                <a:ea typeface="Arial"/>
+                <a:cs typeface="Arial"/>
+                <a:sym typeface="Arial"/>
+              </a:defRPr>
             </a:lvl6pPr>
             <a:lvl7pPr marL="2743200" marR="0" lvl="6" indent="0" algn="l" rtl="0">
               <a:spcBef>
                 <a:spcPts val="0"/>
               </a:spcBef>
-              <a:buFont typeface="Arial"/>
-              <a:buNone/>
-              <a:defRPr sz="1800" b="0" i="0" u="none" strike="noStrike" cap="none"/>
+              <a:buClr>
+                <a:schemeClr val="dk1"/>
+              </a:buClr>
+              <a:buFont typeface="Arial"/>
+              <a:buNone/>
+              <a:defRPr sz="1800" b="0" i="0" u="none" strike="noStrike" cap="none">
+                <a:solidFill>
+                  <a:schemeClr val="dk1"/>
+                </a:solidFill>
+                <a:latin typeface="Arial"/>
+                <a:ea typeface="Arial"/>
+                <a:cs typeface="Arial"/>
+                <a:sym typeface="Arial"/>
+              </a:defRPr>
             </a:lvl7pPr>
             <a:lvl8pPr marL="3200400" marR="0" lvl="7" indent="0" algn="l" rtl="0">
               <a:spcBef>
                 <a:spcPts val="0"/>
               </a:spcBef>
-              <a:buFont typeface="Arial"/>
-              <a:buNone/>
-              <a:defRPr sz="1800" b="0" i="0" u="none" strike="noStrike" cap="none"/>
+              <a:buClr>
+                <a:schemeClr val="dk1"/>
+              </a:buClr>
+              <a:buFont typeface="Arial"/>
+              <a:buNone/>
+              <a:defRPr sz="1800" b="0" i="0" u="none" strike="noStrike" cap="none">
+                <a:solidFill>
+                  <a:schemeClr val="dk1"/>
+                </a:solidFill>
+                <a:latin typeface="Arial"/>
+                <a:ea typeface="Arial"/>
+                <a:cs typeface="Arial"/>
+                <a:sym typeface="Arial"/>
+              </a:defRPr>
             </a:lvl8pPr>
             <a:lvl9pPr marL="3657600" marR="0" lvl="8" indent="0" algn="l" rtl="0">
               <a:spcBef>
                 <a:spcPts val="0"/>
               </a:spcBef>
-              <a:buFont typeface="Arial"/>
-              <a:buNone/>
-              <a:defRPr sz="1800" b="0" i="0" u="none" strike="noStrike" cap="none"/>
+              <a:buClr>
+                <a:schemeClr val="dk1"/>
+              </a:buClr>
+              <a:buFont typeface="Arial"/>
+              <a:buNone/>
+              <a:defRPr sz="1800" b="0" i="0" u="none" strike="noStrike" cap="none">
+                <a:solidFill>
+                  <a:schemeClr val="dk1"/>
+                </a:solidFill>
+                <a:latin typeface="Arial"/>
+                <a:ea typeface="Arial"/>
+                <a:cs typeface="Arial"/>
+                <a:sym typeface="Arial"/>
+              </a:defRPr>
             </a:lvl9pPr>
           </a:lstStyle>
           <a:p>
@@ -1442,11 +1536,22 @@
               <a:spcBef>
                 <a:spcPts val="0"/>
               </a:spcBef>
+              <a:buClr>
+                <a:schemeClr val="dk1"/>
+              </a:buClr>
               <a:buSzPct val="25000"/>
               <a:buFont typeface="Arial"/>
               <a:buNone/>
             </a:pPr>
-            <a:endParaRPr sz="1800" b="0" i="0" u="none" strike="noStrike" cap="none"/>
+            <a:endParaRPr sz="1800" b="0" i="0" u="none" strike="noStrike" cap="none">
+              <a:solidFill>
+                <a:schemeClr val="dk1"/>
+              </a:solidFill>
+              <a:latin typeface="Arial"/>
+              <a:ea typeface="Arial"/>
+              <a:cs typeface="Arial"/>
+              <a:sym typeface="Arial"/>
+            </a:endParaRPr>
           </a:p>
         </p:txBody>
       </p:sp>
@@ -2162,7 +2267,7 @@
         </p:nvSpPr>
         <p:spPr>
           <a:xfrm>
-            <a:off x="1646235" y="1757360"/>
+            <a:off x="1646234" y="1757359"/>
             <a:ext cx="29627511" cy="7315200"/>
           </a:xfrm>
           <a:prstGeom prst="rect">
@@ -2395,7 +2500,7 @@
         </p:nvSpPr>
         <p:spPr>
           <a:xfrm>
-            <a:off x="1646235" y="10242550"/>
+            <a:off x="1646234" y="10242550"/>
             <a:ext cx="29627511" cy="28963937"/>
           </a:xfrm>
           <a:prstGeom prst="rect">
@@ -2409,7 +2514,7 @@
         <p:txBody>
           <a:bodyPr lIns="91425" tIns="91425" rIns="91425" bIns="91425" anchor="t" anchorCtr="0"/>
           <a:lstStyle>
-            <a:lvl1pPr marL="1606550" marR="0" lvl="0" indent="298450" algn="l" rtl="0">
+            <a:lvl1pPr marL="1905000" marR="0" lvl="0" indent="647700" algn="l" rtl="0">
               <a:lnSpc>
                 <a:spcPct val="100000"/>
               </a:lnSpc>
@@ -2435,7 +2540,7 @@
                 <a:sym typeface="Arial"/>
               </a:defRPr>
             </a:lvl1pPr>
-            <a:lvl2pPr marL="3481388" marR="0" lvl="1" indent="309562" algn="l" rtl="0">
+            <a:lvl2pPr marL="3790950" marR="0" lvl="1" indent="520700" algn="l" rtl="0">
               <a:lnSpc>
                 <a:spcPct val="100000"/>
               </a:lnSpc>
@@ -2461,7 +2566,7 @@
                 <a:sym typeface="Arial"/>
               </a:defRPr>
             </a:lvl2pPr>
-            <a:lvl3pPr marL="5356225" marR="0" lvl="2" indent="346075" algn="l" rtl="0">
+            <a:lvl3pPr marL="5702300" marR="0" lvl="2" indent="355600" algn="l" rtl="0">
               <a:lnSpc>
                 <a:spcPct val="100000"/>
               </a:lnSpc>
@@ -2487,7 +2592,7 @@
                 <a:sym typeface="Arial"/>
               </a:defRPr>
             </a:lvl3pPr>
-            <a:lvl4pPr marL="7497763" marR="0" lvl="3" indent="122236" algn="l" rtl="0">
+            <a:lvl4pPr marL="7619999" marR="0" lvl="3" indent="469900" algn="l" rtl="0">
               <a:lnSpc>
                 <a:spcPct val="100000"/>
               </a:lnSpc>
@@ -2513,7 +2618,7 @@
                 <a:sym typeface="Arial"/>
               </a:defRPr>
             </a:lvl4pPr>
-            <a:lvl5pPr marL="9640888" marR="0" lvl="4" indent="112711" algn="l" rtl="0">
+            <a:lvl5pPr marL="9753599" marR="0" lvl="4" indent="482600" algn="l" rtl="0">
               <a:lnSpc>
                 <a:spcPct val="100000"/>
               </a:lnSpc>
@@ -2539,7 +2644,7 @@
                 <a:sym typeface="Arial"/>
               </a:defRPr>
             </a:lvl5pPr>
-            <a:lvl6pPr marL="10098088" marR="0" lvl="5" indent="112711" algn="l" rtl="0">
+            <a:lvl6pPr marL="10210799" marR="0" lvl="5" indent="482600" algn="l" rtl="0">
               <a:lnSpc>
                 <a:spcPct val="100000"/>
               </a:lnSpc>
@@ -2565,7 +2670,7 @@
                 <a:sym typeface="Arial"/>
               </a:defRPr>
             </a:lvl6pPr>
-            <a:lvl7pPr marL="10555288" marR="0" lvl="6" indent="112711" algn="l" rtl="0">
+            <a:lvl7pPr marL="10667999" marR="0" lvl="6" indent="482600" algn="l" rtl="0">
               <a:lnSpc>
                 <a:spcPct val="100000"/>
               </a:lnSpc>
@@ -2591,7 +2696,7 @@
                 <a:sym typeface="Arial"/>
               </a:defRPr>
             </a:lvl7pPr>
-            <a:lvl8pPr marL="11012488" marR="0" lvl="7" indent="112711" algn="l" rtl="0">
+            <a:lvl8pPr marL="11125199" marR="0" lvl="7" indent="482600" algn="l" rtl="0">
               <a:lnSpc>
                 <a:spcPct val="100000"/>
               </a:lnSpc>
@@ -2617,7 +2722,7 @@
                 <a:sym typeface="Arial"/>
               </a:defRPr>
             </a:lvl8pPr>
-            <a:lvl9pPr marL="11469688" marR="0" lvl="8" indent="112711" algn="l" rtl="0">
+            <a:lvl9pPr marL="11582399" marR="0" lvl="8" indent="482600" algn="l" rtl="0">
               <a:lnSpc>
                 <a:spcPct val="100000"/>
               </a:lnSpc>
@@ -4616,7 +4721,7 @@
         <p:txBody>
           <a:bodyPr lIns="91425" tIns="91425" rIns="91425" bIns="91425" anchor="t" anchorCtr="0"/>
           <a:lstStyle>
-            <a:lvl1pPr marL="1606550" marR="0" lvl="0" indent="298450" algn="l" rtl="0">
+            <a:lvl1pPr marL="1905000" marR="0" lvl="0" indent="647700" algn="l" rtl="0">
               <a:lnSpc>
                 <a:spcPct val="100000"/>
               </a:lnSpc>
@@ -4642,7 +4747,7 @@
                 <a:sym typeface="Arial"/>
               </a:defRPr>
             </a:lvl1pPr>
-            <a:lvl2pPr marL="3481388" marR="0" lvl="1" indent="309562" algn="l" rtl="0">
+            <a:lvl2pPr marL="3790950" marR="0" lvl="1" indent="520700" algn="l" rtl="0">
               <a:lnSpc>
                 <a:spcPct val="100000"/>
               </a:lnSpc>
@@ -4668,7 +4773,7 @@
                 <a:sym typeface="Arial"/>
               </a:defRPr>
             </a:lvl2pPr>
-            <a:lvl3pPr marL="5356225" marR="0" lvl="2" indent="346075" algn="l" rtl="0">
+            <a:lvl3pPr marL="5702300" marR="0" lvl="2" indent="355600" algn="l" rtl="0">
               <a:lnSpc>
                 <a:spcPct val="100000"/>
               </a:lnSpc>
@@ -4694,7 +4799,7 @@
                 <a:sym typeface="Arial"/>
               </a:defRPr>
             </a:lvl3pPr>
-            <a:lvl4pPr marL="7497763" marR="0" lvl="3" indent="122236" algn="l" rtl="0">
+            <a:lvl4pPr marL="7619999" marR="0" lvl="3" indent="469900" algn="l" rtl="0">
               <a:lnSpc>
                 <a:spcPct val="100000"/>
               </a:lnSpc>
@@ -4720,7 +4825,7 @@
                 <a:sym typeface="Arial"/>
               </a:defRPr>
             </a:lvl4pPr>
-            <a:lvl5pPr marL="9640888" marR="0" lvl="4" indent="112711" algn="l" rtl="0">
+            <a:lvl5pPr marL="9753599" marR="0" lvl="4" indent="482600" algn="l" rtl="0">
               <a:lnSpc>
                 <a:spcPct val="100000"/>
               </a:lnSpc>
@@ -4746,7 +4851,7 @@
                 <a:sym typeface="Arial"/>
               </a:defRPr>
             </a:lvl5pPr>
-            <a:lvl6pPr marL="10098088" marR="0" lvl="5" indent="112711" algn="l" rtl="0">
+            <a:lvl6pPr marL="10210799" marR="0" lvl="5" indent="482600" algn="l" rtl="0">
               <a:lnSpc>
                 <a:spcPct val="100000"/>
               </a:lnSpc>
@@ -4772,7 +4877,7 @@
                 <a:sym typeface="Arial"/>
               </a:defRPr>
             </a:lvl6pPr>
-            <a:lvl7pPr marL="10555288" marR="0" lvl="6" indent="112711" algn="l" rtl="0">
+            <a:lvl7pPr marL="10667999" marR="0" lvl="6" indent="482600" algn="l" rtl="0">
               <a:lnSpc>
                 <a:spcPct val="100000"/>
               </a:lnSpc>
@@ -4798,7 +4903,7 @@
                 <a:sym typeface="Arial"/>
               </a:defRPr>
             </a:lvl7pPr>
-            <a:lvl8pPr marL="11012488" marR="0" lvl="7" indent="112711" algn="l" rtl="0">
+            <a:lvl8pPr marL="11125199" marR="0" lvl="7" indent="482600" algn="l" rtl="0">
               <a:lnSpc>
                 <a:spcPct val="100000"/>
               </a:lnSpc>
@@ -4824,7 +4929,7 @@
                 <a:sym typeface="Arial"/>
               </a:defRPr>
             </a:lvl8pPr>
-            <a:lvl9pPr marL="11469688" marR="0" lvl="8" indent="112711" algn="l" rtl="0">
+            <a:lvl9pPr marL="11582399" marR="0" lvl="8" indent="482600" algn="l" rtl="0">
               <a:lnSpc>
                 <a:spcPct val="100000"/>
               </a:lnSpc>
@@ -5477,7 +5582,7 @@
         </p:nvSpPr>
         <p:spPr>
           <a:xfrm>
-            <a:off x="1646235" y="1757360"/>
+            <a:off x="1646234" y="1757359"/>
             <a:ext cx="29627511" cy="7315200"/>
           </a:xfrm>
           <a:prstGeom prst="rect">
@@ -5724,7 +5829,7 @@
         <p:txBody>
           <a:bodyPr lIns="91425" tIns="91425" rIns="91425" bIns="91425" anchor="t" anchorCtr="0"/>
           <a:lstStyle>
-            <a:lvl1pPr marL="1606550" marR="0" lvl="0" indent="298450" algn="l" rtl="0">
+            <a:lvl1pPr marL="1905000" marR="0" lvl="0" indent="647700" algn="l" rtl="0">
               <a:lnSpc>
                 <a:spcPct val="100000"/>
               </a:lnSpc>
@@ -5750,7 +5855,7 @@
                 <a:sym typeface="Arial"/>
               </a:defRPr>
             </a:lvl1pPr>
-            <a:lvl2pPr marL="3481388" marR="0" lvl="1" indent="309562" algn="l" rtl="0">
+            <a:lvl2pPr marL="3790950" marR="0" lvl="1" indent="520700" algn="l" rtl="0">
               <a:lnSpc>
                 <a:spcPct val="100000"/>
               </a:lnSpc>
@@ -5776,7 +5881,7 @@
                 <a:sym typeface="Arial"/>
               </a:defRPr>
             </a:lvl2pPr>
-            <a:lvl3pPr marL="5356225" marR="0" lvl="2" indent="346075" algn="l" rtl="0">
+            <a:lvl3pPr marL="5702300" marR="0" lvl="2" indent="355600" algn="l" rtl="0">
               <a:lnSpc>
                 <a:spcPct val="100000"/>
               </a:lnSpc>
@@ -5802,7 +5907,7 @@
                 <a:sym typeface="Arial"/>
               </a:defRPr>
             </a:lvl3pPr>
-            <a:lvl4pPr marL="7497763" marR="0" lvl="3" indent="122236" algn="l" rtl="0">
+            <a:lvl4pPr marL="7619999" marR="0" lvl="3" indent="469900" algn="l" rtl="0">
               <a:lnSpc>
                 <a:spcPct val="100000"/>
               </a:lnSpc>
@@ -5828,7 +5933,7 @@
                 <a:sym typeface="Arial"/>
               </a:defRPr>
             </a:lvl4pPr>
-            <a:lvl5pPr marL="9640888" marR="0" lvl="4" indent="112711" algn="l" rtl="0">
+            <a:lvl5pPr marL="9753599" marR="0" lvl="4" indent="482600" algn="l" rtl="0">
               <a:lnSpc>
                 <a:spcPct val="100000"/>
               </a:lnSpc>
@@ -5854,7 +5959,7 @@
                 <a:sym typeface="Arial"/>
               </a:defRPr>
             </a:lvl5pPr>
-            <a:lvl6pPr marL="10098088" marR="0" lvl="5" indent="112711" algn="l" rtl="0">
+            <a:lvl6pPr marL="10210799" marR="0" lvl="5" indent="482600" algn="l" rtl="0">
               <a:lnSpc>
                 <a:spcPct val="100000"/>
               </a:lnSpc>
@@ -5880,7 +5985,7 @@
                 <a:sym typeface="Arial"/>
               </a:defRPr>
             </a:lvl6pPr>
-            <a:lvl7pPr marL="10555288" marR="0" lvl="6" indent="112711" algn="l" rtl="0">
+            <a:lvl7pPr marL="10667999" marR="0" lvl="6" indent="482600" algn="l" rtl="0">
               <a:lnSpc>
                 <a:spcPct val="100000"/>
               </a:lnSpc>
@@ -5906,7 +6011,7 @@
                 <a:sym typeface="Arial"/>
               </a:defRPr>
             </a:lvl7pPr>
-            <a:lvl8pPr marL="11012488" marR="0" lvl="7" indent="112711" algn="l" rtl="0">
+            <a:lvl8pPr marL="11125199" marR="0" lvl="7" indent="482600" algn="l" rtl="0">
               <a:lnSpc>
                 <a:spcPct val="100000"/>
               </a:lnSpc>
@@ -5932,7 +6037,7 @@
                 <a:sym typeface="Arial"/>
               </a:defRPr>
             </a:lvl8pPr>
-            <a:lvl9pPr marL="11469688" marR="0" lvl="8" indent="112711" algn="l" rtl="0">
+            <a:lvl9pPr marL="11582399" marR="0" lvl="8" indent="482600" algn="l" rtl="0">
               <a:lnSpc>
                 <a:spcPct val="100000"/>
               </a:lnSpc>
@@ -7941,7 +8046,7 @@
         </p:nvSpPr>
         <p:spPr>
           <a:xfrm>
-            <a:off x="1645443" y="1748116"/>
+            <a:off x="1645442" y="1748116"/>
             <a:ext cx="10829926" cy="7436224"/>
           </a:xfrm>
           <a:prstGeom prst="rect">
@@ -8188,7 +8293,7 @@
         <p:txBody>
           <a:bodyPr lIns="91425" tIns="91425" rIns="91425" bIns="91425" anchor="t" anchorCtr="0"/>
           <a:lstStyle>
-            <a:lvl1pPr marL="1606550" marR="0" lvl="0" indent="-1200150" algn="l" rtl="0">
+            <a:lvl1pPr marL="1606550" marR="0" lvl="0" indent="-996950" algn="l" rtl="0">
               <a:lnSpc>
                 <a:spcPct val="100000"/>
               </a:lnSpc>
@@ -8214,7 +8319,7 @@
                 <a:sym typeface="Arial"/>
               </a:defRPr>
             </a:lvl1pPr>
-            <a:lvl2pPr marL="3481388" marR="0" lvl="1" indent="-992187" algn="l" rtl="0">
+            <a:lvl2pPr marL="3481388" marR="0" lvl="1" indent="-814387" algn="l" rtl="0">
               <a:lnSpc>
                 <a:spcPct val="100000"/>
               </a:lnSpc>
@@ -8240,7 +8345,7 @@
                 <a:sym typeface="Arial"/>
               </a:defRPr>
             </a:lvl2pPr>
-            <a:lvl3pPr marL="5356225" marR="0" lvl="2" indent="-771525" algn="l" rtl="0">
+            <a:lvl3pPr marL="5356225" marR="0" lvl="2" indent="-619125" algn="l" rtl="0">
               <a:lnSpc>
                 <a:spcPct val="100000"/>
               </a:lnSpc>
@@ -8266,7 +8371,7 @@
                 <a:sym typeface="Arial"/>
               </a:defRPr>
             </a:lvl3pPr>
-            <a:lvl4pPr marL="7497763" marR="0" lvl="3" indent="-817563" algn="l" rtl="0">
+            <a:lvl4pPr marL="7497763" marR="0" lvl="3" indent="-690563" algn="l" rtl="0">
               <a:lnSpc>
                 <a:spcPct val="100000"/>
               </a:lnSpc>
@@ -8292,7 +8397,7 @@
                 <a:sym typeface="Arial"/>
               </a:defRPr>
             </a:lvl4pPr>
-            <a:lvl5pPr marL="9640888" marR="0" lvl="4" indent="-827088" algn="l" rtl="0">
+            <a:lvl5pPr marL="9640888" marR="0" lvl="4" indent="-700088" algn="l" rtl="0">
               <a:lnSpc>
                 <a:spcPct val="100000"/>
               </a:lnSpc>
@@ -8318,7 +8423,7 @@
                 <a:sym typeface="Arial"/>
               </a:defRPr>
             </a:lvl5pPr>
-            <a:lvl6pPr marL="10098088" marR="0" lvl="5" indent="-827088" algn="l" rtl="0">
+            <a:lvl6pPr marL="10098088" marR="0" lvl="5" indent="-700088" algn="l" rtl="0">
               <a:lnSpc>
                 <a:spcPct val="100000"/>
               </a:lnSpc>
@@ -8344,7 +8449,7 @@
                 <a:sym typeface="Arial"/>
               </a:defRPr>
             </a:lvl6pPr>
-            <a:lvl7pPr marL="10555288" marR="0" lvl="6" indent="-827088" algn="l" rtl="0">
+            <a:lvl7pPr marL="10555288" marR="0" lvl="6" indent="-700088" algn="l" rtl="0">
               <a:lnSpc>
                 <a:spcPct val="100000"/>
               </a:lnSpc>
@@ -8370,7 +8475,7 @@
                 <a:sym typeface="Arial"/>
               </a:defRPr>
             </a:lvl7pPr>
-            <a:lvl8pPr marL="11012488" marR="0" lvl="7" indent="-827088" algn="l" rtl="0">
+            <a:lvl8pPr marL="11012488" marR="0" lvl="7" indent="-700088" algn="l" rtl="0">
               <a:lnSpc>
                 <a:spcPct val="100000"/>
               </a:lnSpc>
@@ -8396,7 +8501,7 @@
                 <a:sym typeface="Arial"/>
               </a:defRPr>
             </a:lvl8pPr>
-            <a:lvl9pPr marL="11469688" marR="0" lvl="8" indent="-827088" algn="l" rtl="0">
+            <a:lvl9pPr marL="11469688" marR="0" lvl="8" indent="-700088" algn="l" rtl="0">
               <a:lnSpc>
                 <a:spcPct val="100000"/>
               </a:lnSpc>
@@ -8440,7 +8545,7 @@
         </p:nvSpPr>
         <p:spPr>
           <a:xfrm>
-            <a:off x="1645443" y="9184339"/>
+            <a:off x="1645442" y="9184339"/>
             <a:ext cx="10829926" cy="30022799"/>
           </a:xfrm>
           <a:prstGeom prst="rect">
@@ -9306,7 +9411,7 @@
         </p:nvSpPr>
         <p:spPr>
           <a:xfrm>
-            <a:off x="1646235" y="1757360"/>
+            <a:off x="1646234" y="1757359"/>
             <a:ext cx="29627511" cy="7315200"/>
           </a:xfrm>
           <a:prstGeom prst="rect">
@@ -10148,7 +10253,7 @@
         </p:nvSpPr>
         <p:spPr>
           <a:xfrm>
-            <a:off x="1646235" y="1757360"/>
+            <a:off x="1646234" y="1757359"/>
             <a:ext cx="29627511" cy="7315200"/>
           </a:xfrm>
           <a:prstGeom prst="rect">
@@ -10381,7 +10486,7 @@
         </p:nvSpPr>
         <p:spPr>
           <a:xfrm>
-            <a:off x="1645442" y="9825317"/>
+            <a:off x="1645441" y="9825317"/>
             <a:ext cx="14544675" cy="4094629"/>
           </a:xfrm>
           <a:prstGeom prst="rect">
@@ -10638,7 +10743,7 @@
         </p:nvSpPr>
         <p:spPr>
           <a:xfrm>
-            <a:off x="1645442" y="13919948"/>
+            <a:off x="1645441" y="13919948"/>
             <a:ext cx="14544675" cy="25287194"/>
           </a:xfrm>
           <a:prstGeom prst="rect">
@@ -10652,7 +10757,7 @@
         <p:txBody>
           <a:bodyPr lIns="91425" tIns="91425" rIns="91425" bIns="91425" anchor="t" anchorCtr="0"/>
           <a:lstStyle>
-            <a:lvl1pPr marL="1606550" marR="0" lvl="0" indent="-1301750" algn="l" rtl="0">
+            <a:lvl1pPr marL="1606550" marR="0" lvl="0" indent="-1149350" algn="l" rtl="0">
               <a:lnSpc>
                 <a:spcPct val="100000"/>
               </a:lnSpc>
@@ -10678,7 +10783,7 @@
                 <a:sym typeface="Arial"/>
               </a:defRPr>
             </a:lvl1pPr>
-            <a:lvl2pPr marL="3481388" marR="0" lvl="1" indent="-1093787" algn="l" rtl="0">
+            <a:lvl2pPr marL="3481388" marR="0" lvl="1" indent="-966787" algn="l" rtl="0">
               <a:lnSpc>
                 <a:spcPct val="100000"/>
               </a:lnSpc>
@@ -10704,7 +10809,7 @@
                 <a:sym typeface="Arial"/>
               </a:defRPr>
             </a:lvl2pPr>
-            <a:lvl3pPr marL="5356225" marR="0" lvl="2" indent="-847725" algn="l" rtl="0">
+            <a:lvl3pPr marL="5356225" marR="0" lvl="2" indent="-733425" algn="l" rtl="0">
               <a:lnSpc>
                 <a:spcPct val="100000"/>
               </a:lnSpc>
@@ -10730,7 +10835,7 @@
                 <a:sym typeface="Arial"/>
               </a:defRPr>
             </a:lvl3pPr>
-            <a:lvl4pPr marL="7497763" marR="0" lvl="3" indent="-868363" algn="l" rtl="0">
+            <a:lvl4pPr marL="7497763" marR="0" lvl="3" indent="-766763" algn="l" rtl="0">
               <a:lnSpc>
                 <a:spcPct val="100000"/>
               </a:lnSpc>
@@ -10756,7 +10861,7 @@
                 <a:sym typeface="Arial"/>
               </a:defRPr>
             </a:lvl4pPr>
-            <a:lvl5pPr marL="9640888" marR="0" lvl="4" indent="-877888" algn="l" rtl="0">
+            <a:lvl5pPr marL="9640888" marR="0" lvl="4" indent="-776288" algn="l" rtl="0">
               <a:lnSpc>
                 <a:spcPct val="100000"/>
               </a:lnSpc>
@@ -10782,7 +10887,7 @@
                 <a:sym typeface="Arial"/>
               </a:defRPr>
             </a:lvl5pPr>
-            <a:lvl6pPr marL="10098088" marR="0" lvl="5" indent="-877888" algn="l" rtl="0">
+            <a:lvl6pPr marL="10098088" marR="0" lvl="5" indent="-776288" algn="l" rtl="0">
               <a:lnSpc>
                 <a:spcPct val="100000"/>
               </a:lnSpc>
@@ -10808,7 +10913,7 @@
                 <a:sym typeface="Arial"/>
               </a:defRPr>
             </a:lvl6pPr>
-            <a:lvl7pPr marL="10555288" marR="0" lvl="6" indent="-877888" algn="l" rtl="0">
+            <a:lvl7pPr marL="10555288" marR="0" lvl="6" indent="-776288" algn="l" rtl="0">
               <a:lnSpc>
                 <a:spcPct val="100000"/>
               </a:lnSpc>
@@ -10834,7 +10939,7 @@
                 <a:sym typeface="Arial"/>
               </a:defRPr>
             </a:lvl7pPr>
-            <a:lvl8pPr marL="11012488" marR="0" lvl="7" indent="-877888" algn="l" rtl="0">
+            <a:lvl8pPr marL="11012488" marR="0" lvl="7" indent="-776288" algn="l" rtl="0">
               <a:lnSpc>
                 <a:spcPct val="100000"/>
               </a:lnSpc>
@@ -10860,7 +10965,7 @@
                 <a:sym typeface="Arial"/>
               </a:defRPr>
             </a:lvl8pPr>
-            <a:lvl9pPr marL="11469688" marR="0" lvl="8" indent="-877888" algn="l" rtl="0">
+            <a:lvl9pPr marL="11469688" marR="0" lvl="8" indent="-776288" algn="l" rtl="0">
               <a:lnSpc>
                 <a:spcPct val="100000"/>
               </a:lnSpc>
@@ -11175,7 +11280,7 @@
         <p:txBody>
           <a:bodyPr lIns="91425" tIns="91425" rIns="91425" bIns="91425" anchor="t" anchorCtr="0"/>
           <a:lstStyle>
-            <a:lvl1pPr marL="1606550" marR="0" lvl="0" indent="-1301750" algn="l" rtl="0">
+            <a:lvl1pPr marL="1606550" marR="0" lvl="0" indent="-1149350" algn="l" rtl="0">
               <a:lnSpc>
                 <a:spcPct val="100000"/>
               </a:lnSpc>
@@ -11201,7 +11306,7 @@
                 <a:sym typeface="Arial"/>
               </a:defRPr>
             </a:lvl1pPr>
-            <a:lvl2pPr marL="3481388" marR="0" lvl="1" indent="-1093787" algn="l" rtl="0">
+            <a:lvl2pPr marL="3481388" marR="0" lvl="1" indent="-966787" algn="l" rtl="0">
               <a:lnSpc>
                 <a:spcPct val="100000"/>
               </a:lnSpc>
@@ -11227,7 +11332,7 @@
                 <a:sym typeface="Arial"/>
               </a:defRPr>
             </a:lvl2pPr>
-            <a:lvl3pPr marL="5356225" marR="0" lvl="2" indent="-847725" algn="l" rtl="0">
+            <a:lvl3pPr marL="5356225" marR="0" lvl="2" indent="-733425" algn="l" rtl="0">
               <a:lnSpc>
                 <a:spcPct val="100000"/>
               </a:lnSpc>
@@ -11253,7 +11358,7 @@
                 <a:sym typeface="Arial"/>
               </a:defRPr>
             </a:lvl3pPr>
-            <a:lvl4pPr marL="7497763" marR="0" lvl="3" indent="-868363" algn="l" rtl="0">
+            <a:lvl4pPr marL="7497763" marR="0" lvl="3" indent="-766763" algn="l" rtl="0">
               <a:lnSpc>
                 <a:spcPct val="100000"/>
               </a:lnSpc>
@@ -11279,7 +11384,7 @@
                 <a:sym typeface="Arial"/>
               </a:defRPr>
             </a:lvl4pPr>
-            <a:lvl5pPr marL="9640888" marR="0" lvl="4" indent="-877888" algn="l" rtl="0">
+            <a:lvl5pPr marL="9640888" marR="0" lvl="4" indent="-776288" algn="l" rtl="0">
               <a:lnSpc>
                 <a:spcPct val="100000"/>
               </a:lnSpc>
@@ -11305,7 +11410,7 @@
                 <a:sym typeface="Arial"/>
               </a:defRPr>
             </a:lvl5pPr>
-            <a:lvl6pPr marL="10098088" marR="0" lvl="5" indent="-877888" algn="l" rtl="0">
+            <a:lvl6pPr marL="10098088" marR="0" lvl="5" indent="-776288" algn="l" rtl="0">
               <a:lnSpc>
                 <a:spcPct val="100000"/>
               </a:lnSpc>
@@ -11331,7 +11436,7 @@
                 <a:sym typeface="Arial"/>
               </a:defRPr>
             </a:lvl6pPr>
-            <a:lvl7pPr marL="10555288" marR="0" lvl="6" indent="-877888" algn="l" rtl="0">
+            <a:lvl7pPr marL="10555288" marR="0" lvl="6" indent="-776288" algn="l" rtl="0">
               <a:lnSpc>
                 <a:spcPct val="100000"/>
               </a:lnSpc>
@@ -11357,7 +11462,7 @@
                 <a:sym typeface="Arial"/>
               </a:defRPr>
             </a:lvl7pPr>
-            <a:lvl8pPr marL="11012488" marR="0" lvl="7" indent="-877888" algn="l" rtl="0">
+            <a:lvl8pPr marL="11012488" marR="0" lvl="7" indent="-776288" algn="l" rtl="0">
               <a:lnSpc>
                 <a:spcPct val="100000"/>
               </a:lnSpc>
@@ -11383,7 +11488,7 @@
                 <a:sym typeface="Arial"/>
               </a:defRPr>
             </a:lvl8pPr>
-            <a:lvl9pPr marL="11469688" marR="0" lvl="8" indent="-877888" algn="l" rtl="0">
+            <a:lvl9pPr marL="11469688" marR="0" lvl="8" indent="-776288" algn="l" rtl="0">
               <a:lnSpc>
                 <a:spcPct val="100000"/>
               </a:lnSpc>
@@ -12036,7 +12141,7 @@
         </p:nvSpPr>
         <p:spPr>
           <a:xfrm>
-            <a:off x="1646235" y="1757360"/>
+            <a:off x="1646234" y="1757359"/>
             <a:ext cx="29627511" cy="7315200"/>
           </a:xfrm>
           <a:prstGeom prst="rect">
@@ -12269,7 +12374,7 @@
         </p:nvSpPr>
         <p:spPr>
           <a:xfrm>
-            <a:off x="1645443" y="10242177"/>
+            <a:off x="1645442" y="10242177"/>
             <a:ext cx="14756605" cy="28964964"/>
           </a:xfrm>
           <a:prstGeom prst="rect">
@@ -12283,7 +12388,7 @@
         <p:txBody>
           <a:bodyPr lIns="91425" tIns="91425" rIns="91425" bIns="91425" anchor="t" anchorCtr="0"/>
           <a:lstStyle>
-            <a:lvl1pPr marL="1606550" marR="0" lvl="0" indent="-1250950" algn="l" rtl="0">
+            <a:lvl1pPr marL="1606550" marR="0" lvl="0" indent="-1073150" algn="l" rtl="0">
               <a:lnSpc>
                 <a:spcPct val="100000"/>
               </a:lnSpc>
@@ -12309,7 +12414,7 @@
                 <a:sym typeface="Arial"/>
               </a:defRPr>
             </a:lvl1pPr>
-            <a:lvl2pPr marL="3481388" marR="0" lvl="1" indent="-1042987" algn="l" rtl="0">
+            <a:lvl2pPr marL="3481388" marR="0" lvl="1" indent="-890587" algn="l" rtl="0">
               <a:lnSpc>
                 <a:spcPct val="100000"/>
               </a:lnSpc>
@@ -12335,7 +12440,7 @@
                 <a:sym typeface="Arial"/>
               </a:defRPr>
             </a:lvl2pPr>
-            <a:lvl3pPr marL="5356225" marR="0" lvl="2" indent="-822325" algn="l" rtl="0">
+            <a:lvl3pPr marL="5356225" marR="0" lvl="2" indent="-695325" algn="l" rtl="0">
               <a:lnSpc>
                 <a:spcPct val="100000"/>
               </a:lnSpc>
@@ -12361,7 +12466,7 @@
                 <a:sym typeface="Arial"/>
               </a:defRPr>
             </a:lvl3pPr>
-            <a:lvl4pPr marL="7497763" marR="0" lvl="3" indent="-842963" algn="l" rtl="0">
+            <a:lvl4pPr marL="7497763" marR="0" lvl="3" indent="-728663" algn="l" rtl="0">
               <a:lnSpc>
                 <a:spcPct val="100000"/>
               </a:lnSpc>
@@ -12387,7 +12492,7 @@
                 <a:sym typeface="Arial"/>
               </a:defRPr>
             </a:lvl4pPr>
-            <a:lvl5pPr marL="9640888" marR="0" lvl="4" indent="-852488" algn="l" rtl="0">
+            <a:lvl5pPr marL="9640888" marR="0" lvl="4" indent="-738188" algn="l" rtl="0">
               <a:lnSpc>
                 <a:spcPct val="100000"/>
               </a:lnSpc>
@@ -12413,7 +12518,7 @@
                 <a:sym typeface="Arial"/>
               </a:defRPr>
             </a:lvl5pPr>
-            <a:lvl6pPr marL="10098088" marR="0" lvl="5" indent="-852488" algn="l" rtl="0">
+            <a:lvl6pPr marL="10098088" marR="0" lvl="5" indent="-738188" algn="l" rtl="0">
               <a:lnSpc>
                 <a:spcPct val="100000"/>
               </a:lnSpc>
@@ -12439,7 +12544,7 @@
                 <a:sym typeface="Arial"/>
               </a:defRPr>
             </a:lvl6pPr>
-            <a:lvl7pPr marL="10555288" marR="0" lvl="6" indent="-852488" algn="l" rtl="0">
+            <a:lvl7pPr marL="10555288" marR="0" lvl="6" indent="-738188" algn="l" rtl="0">
               <a:lnSpc>
                 <a:spcPct val="100000"/>
               </a:lnSpc>
@@ -12465,7 +12570,7 @@
                 <a:sym typeface="Arial"/>
               </a:defRPr>
             </a:lvl7pPr>
-            <a:lvl8pPr marL="11012488" marR="0" lvl="7" indent="-852488" algn="l" rtl="0">
+            <a:lvl8pPr marL="11012488" marR="0" lvl="7" indent="-738188" algn="l" rtl="0">
               <a:lnSpc>
                 <a:spcPct val="100000"/>
               </a:lnSpc>
@@ -12491,7 +12596,7 @@
                 <a:sym typeface="Arial"/>
               </a:defRPr>
             </a:lvl8pPr>
-            <a:lvl9pPr marL="11469688" marR="0" lvl="8" indent="-852488" algn="l" rtl="0">
+            <a:lvl9pPr marL="11469688" marR="0" lvl="8" indent="-738188" algn="l" rtl="0">
               <a:lnSpc>
                 <a:spcPct val="100000"/>
               </a:lnSpc>
@@ -12549,7 +12654,7 @@
         <p:txBody>
           <a:bodyPr lIns="91425" tIns="91425" rIns="91425" bIns="91425" anchor="t" anchorCtr="0"/>
           <a:lstStyle>
-            <a:lvl1pPr marL="1606550" marR="0" lvl="0" indent="-1250950" algn="l" rtl="0">
+            <a:lvl1pPr marL="1606550" marR="0" lvl="0" indent="-1073150" algn="l" rtl="0">
               <a:lnSpc>
                 <a:spcPct val="100000"/>
               </a:lnSpc>
@@ -12575,7 +12680,7 @@
                 <a:sym typeface="Arial"/>
               </a:defRPr>
             </a:lvl1pPr>
-            <a:lvl2pPr marL="3481388" marR="0" lvl="1" indent="-1042987" algn="l" rtl="0">
+            <a:lvl2pPr marL="3481388" marR="0" lvl="1" indent="-890587" algn="l" rtl="0">
               <a:lnSpc>
                 <a:spcPct val="100000"/>
               </a:lnSpc>
@@ -12601,7 +12706,7 @@
                 <a:sym typeface="Arial"/>
               </a:defRPr>
             </a:lvl2pPr>
-            <a:lvl3pPr marL="5356225" marR="0" lvl="2" indent="-822325" algn="l" rtl="0">
+            <a:lvl3pPr marL="5356225" marR="0" lvl="2" indent="-695325" algn="l" rtl="0">
               <a:lnSpc>
                 <a:spcPct val="100000"/>
               </a:lnSpc>
@@ -12627,7 +12732,7 @@
                 <a:sym typeface="Arial"/>
               </a:defRPr>
             </a:lvl3pPr>
-            <a:lvl4pPr marL="7497763" marR="0" lvl="3" indent="-842963" algn="l" rtl="0">
+            <a:lvl4pPr marL="7497763" marR="0" lvl="3" indent="-728663" algn="l" rtl="0">
               <a:lnSpc>
                 <a:spcPct val="100000"/>
               </a:lnSpc>
@@ -12653,7 +12758,7 @@
                 <a:sym typeface="Arial"/>
               </a:defRPr>
             </a:lvl4pPr>
-            <a:lvl5pPr marL="9640888" marR="0" lvl="4" indent="-852488" algn="l" rtl="0">
+            <a:lvl5pPr marL="9640888" marR="0" lvl="4" indent="-738188" algn="l" rtl="0">
               <a:lnSpc>
                 <a:spcPct val="100000"/>
               </a:lnSpc>
@@ -12679,7 +12784,7 @@
                 <a:sym typeface="Arial"/>
               </a:defRPr>
             </a:lvl5pPr>
-            <a:lvl6pPr marL="10098088" marR="0" lvl="5" indent="-852488" algn="l" rtl="0">
+            <a:lvl6pPr marL="10098088" marR="0" lvl="5" indent="-738188" algn="l" rtl="0">
               <a:lnSpc>
                 <a:spcPct val="100000"/>
               </a:lnSpc>
@@ -12705,7 +12810,7 @@
                 <a:sym typeface="Arial"/>
               </a:defRPr>
             </a:lvl6pPr>
-            <a:lvl7pPr marL="10555288" marR="0" lvl="6" indent="-852488" algn="l" rtl="0">
+            <a:lvl7pPr marL="10555288" marR="0" lvl="6" indent="-738188" algn="l" rtl="0">
               <a:lnSpc>
                 <a:spcPct val="100000"/>
               </a:lnSpc>
@@ -12731,7 +12836,7 @@
                 <a:sym typeface="Arial"/>
               </a:defRPr>
             </a:lvl7pPr>
-            <a:lvl8pPr marL="11012488" marR="0" lvl="7" indent="-852488" algn="l" rtl="0">
+            <a:lvl8pPr marL="11012488" marR="0" lvl="7" indent="-738188" algn="l" rtl="0">
               <a:lnSpc>
                 <a:spcPct val="100000"/>
               </a:lnSpc>
@@ -12757,7 +12862,7 @@
                 <a:sym typeface="Arial"/>
               </a:defRPr>
             </a:lvl8pPr>
-            <a:lvl9pPr marL="11469688" marR="0" lvl="8" indent="-852488" algn="l" rtl="0">
+            <a:lvl9pPr marL="11469688" marR="0" lvl="8" indent="-738188" algn="l" rtl="0">
               <a:lnSpc>
                 <a:spcPct val="100000"/>
               </a:lnSpc>
@@ -14517,7 +14622,7 @@
         </p:nvSpPr>
         <p:spPr>
           <a:xfrm>
-            <a:off x="1646235" y="1757360"/>
+            <a:off x="1646234" y="1757359"/>
             <a:ext cx="29627511" cy="7315200"/>
           </a:xfrm>
           <a:prstGeom prst="rect">
@@ -14750,7 +14855,7 @@
         </p:nvSpPr>
         <p:spPr>
           <a:xfrm>
-            <a:off x="1646235" y="10242550"/>
+            <a:off x="1646234" y="10242550"/>
             <a:ext cx="29627511" cy="28963937"/>
           </a:xfrm>
           <a:prstGeom prst="rect">
@@ -14764,7 +14869,7 @@
         <p:txBody>
           <a:bodyPr lIns="91425" tIns="91425" rIns="91425" bIns="91425" anchor="t" anchorCtr="0"/>
           <a:lstStyle>
-            <a:lvl1pPr marL="1606550" marR="0" lvl="0" indent="298450" algn="l" rtl="0">
+            <a:lvl1pPr marL="1905000" marR="0" lvl="0" indent="647700" algn="l" rtl="0">
               <a:lnSpc>
                 <a:spcPct val="100000"/>
               </a:lnSpc>
@@ -14790,7 +14895,7 @@
                 <a:sym typeface="Arial"/>
               </a:defRPr>
             </a:lvl1pPr>
-            <a:lvl2pPr marL="3481388" marR="0" lvl="1" indent="309562" algn="l" rtl="0">
+            <a:lvl2pPr marL="3790950" marR="0" lvl="1" indent="520700" algn="l" rtl="0">
               <a:lnSpc>
                 <a:spcPct val="100000"/>
               </a:lnSpc>
@@ -14816,7 +14921,7 @@
                 <a:sym typeface="Arial"/>
               </a:defRPr>
             </a:lvl2pPr>
-            <a:lvl3pPr marL="5356225" marR="0" lvl="2" indent="346075" algn="l" rtl="0">
+            <a:lvl3pPr marL="5702300" marR="0" lvl="2" indent="355600" algn="l" rtl="0">
               <a:lnSpc>
                 <a:spcPct val="100000"/>
               </a:lnSpc>
@@ -14842,7 +14947,7 @@
                 <a:sym typeface="Arial"/>
               </a:defRPr>
             </a:lvl3pPr>
-            <a:lvl4pPr marL="7497763" marR="0" lvl="3" indent="122236" algn="l" rtl="0">
+            <a:lvl4pPr marL="7619999" marR="0" lvl="3" indent="469900" algn="l" rtl="0">
               <a:lnSpc>
                 <a:spcPct val="100000"/>
               </a:lnSpc>
@@ -14868,7 +14973,7 @@
                 <a:sym typeface="Arial"/>
               </a:defRPr>
             </a:lvl4pPr>
-            <a:lvl5pPr marL="9640888" marR="0" lvl="4" indent="112711" algn="l" rtl="0">
+            <a:lvl5pPr marL="9753599" marR="0" lvl="4" indent="482600" algn="l" rtl="0">
               <a:lnSpc>
                 <a:spcPct val="100000"/>
               </a:lnSpc>
@@ -14894,7 +14999,7 @@
                 <a:sym typeface="Arial"/>
               </a:defRPr>
             </a:lvl5pPr>
-            <a:lvl6pPr marL="10098088" marR="0" lvl="5" indent="112711" algn="l" rtl="0">
+            <a:lvl6pPr marL="10210799" marR="0" lvl="5" indent="482600" algn="l" rtl="0">
               <a:lnSpc>
                 <a:spcPct val="100000"/>
               </a:lnSpc>
@@ -14920,7 +15025,7 @@
                 <a:sym typeface="Arial"/>
               </a:defRPr>
             </a:lvl6pPr>
-            <a:lvl7pPr marL="10555288" marR="0" lvl="6" indent="112711" algn="l" rtl="0">
+            <a:lvl7pPr marL="10667999" marR="0" lvl="6" indent="482600" algn="l" rtl="0">
               <a:lnSpc>
                 <a:spcPct val="100000"/>
               </a:lnSpc>
@@ -14946,7 +15051,7 @@
                 <a:sym typeface="Arial"/>
               </a:defRPr>
             </a:lvl7pPr>
-            <a:lvl8pPr marL="11012488" marR="0" lvl="7" indent="112711" algn="l" rtl="0">
+            <a:lvl8pPr marL="11125199" marR="0" lvl="7" indent="482600" algn="l" rtl="0">
               <a:lnSpc>
                 <a:spcPct val="100000"/>
               </a:lnSpc>
@@ -14972,7 +15077,7 @@
                 <a:sym typeface="Arial"/>
               </a:defRPr>
             </a:lvl8pPr>
-            <a:lvl9pPr marL="11469688" marR="0" lvl="8" indent="112711" algn="l" rtl="0">
+            <a:lvl9pPr marL="11582399" marR="0" lvl="8" indent="482600" algn="l" rtl="0">
               <a:lnSpc>
                 <a:spcPct val="100000"/>
               </a:lnSpc>
@@ -16081,8 +16186,8 @@
         </p:nvSpPr>
         <p:spPr>
           <a:xfrm>
-            <a:off x="9269005" y="2126311"/>
-            <a:ext cx="15360802" cy="571263"/>
+            <a:off x="8969354" y="2160444"/>
+            <a:ext cx="15360900" cy="1356599"/>
           </a:xfrm>
           <a:prstGeom prst="rect">
             <a:avLst/>
@@ -16116,7 +16221,7 @@
               <a:buNone/>
             </a:pPr>
             <a:r>
-              <a:rPr lang="en-US" sz="7200" b="1" dirty="0">
+              <a:rPr lang="en-US" sz="7200" b="1" i="0" u="none" strike="noStrike" cap="none" dirty="0">
                 <a:solidFill>
                   <a:schemeClr val="dk1"/>
                 </a:solidFill>
@@ -16125,31 +16230,7 @@
                 <a:cs typeface="Times New Roman"/>
                 <a:sym typeface="Times New Roman"/>
               </a:rPr>
-              <a:t>Senior Project, 2017</a:t>
-            </a:r>
-            <a:r>
-              <a:rPr lang="en-US" sz="7200" b="1" i="0" u="none" strike="noStrike" cap="none" dirty="0">
-                <a:solidFill>
-                  <a:schemeClr val="dk1"/>
-                </a:solidFill>
-                <a:latin typeface="Times New Roman"/>
-                <a:ea typeface="Times New Roman"/>
-                <a:cs typeface="Times New Roman"/>
-                <a:sym typeface="Times New Roman"/>
-              </a:rPr>
-              <a:t>, </a:t>
-            </a:r>
-            <a:r>
-              <a:rPr lang="en-US" sz="7200" b="1" dirty="0">
-                <a:solidFill>
-                  <a:schemeClr val="dk1"/>
-                </a:solidFill>
-                <a:latin typeface="Times New Roman"/>
-                <a:ea typeface="Times New Roman"/>
-                <a:cs typeface="Times New Roman"/>
-                <a:sym typeface="Times New Roman"/>
-              </a:rPr>
-              <a:t>Summer</a:t>
+              <a:t>Senior Project, 2017, Summer</a:t>
             </a:r>
           </a:p>
         </p:txBody>
@@ -16163,7 +16244,7 @@
         <p:spPr>
           <a:xfrm>
             <a:off x="6567485" y="2590800"/>
-            <a:ext cx="19797600" cy="2508650"/>
+            <a:ext cx="19797599" cy="2508650"/>
           </a:xfrm>
           <a:prstGeom prst="rect">
             <a:avLst/>
@@ -16197,38 +16278,17 @@
               <a:buNone/>
             </a:pPr>
             <a:r>
-              <a:rPr lang="en-US" sz="6000" b="1" dirty="0">
+              <a:rPr lang="en-US" sz="6000" b="1" i="0" u="none" strike="noStrike" cap="none">
                 <a:solidFill>
                   <a:srgbClr val="3333CC"/>
                 </a:solidFill>
+                <a:latin typeface="Arial"/>
+                <a:ea typeface="Arial"/>
+                <a:cs typeface="Arial"/>
+                <a:sym typeface="Arial"/>
               </a:rPr>
-              <a:t>Traffic </a:t>
+              <a:t>Traffic Simualtor 2.0</a:t>
             </a:r>
-            <a:r>
-              <a:rPr lang="en-US" sz="6000" b="1" dirty="0" err="1">
-                <a:solidFill>
-                  <a:srgbClr val="3333CC"/>
-                </a:solidFill>
-              </a:rPr>
-              <a:t>Simualtor</a:t>
-            </a:r>
-            <a:r>
-              <a:rPr lang="en-US" sz="6000" b="1" dirty="0">
-                <a:solidFill>
-                  <a:srgbClr val="3333CC"/>
-                </a:solidFill>
-              </a:rPr>
-              <a:t> 2.0</a:t>
-            </a:r>
-            <a:endParaRPr lang="en-US" sz="6000" b="1" i="0" u="none" strike="noStrike" cap="none" dirty="0">
-              <a:solidFill>
-                <a:srgbClr val="3333CC"/>
-              </a:solidFill>
-              <a:latin typeface="Arial"/>
-              <a:ea typeface="Arial"/>
-              <a:cs typeface="Arial"/>
-              <a:sym typeface="Arial"/>
-            </a:endParaRPr>
           </a:p>
           <a:p>
             <a:pPr marL="0" marR="0" lvl="0" indent="0" algn="ctr" rtl="0">
@@ -16249,7 +16309,7 @@
               <a:buNone/>
             </a:pPr>
             <a:r>
-              <a:rPr lang="en-US" sz="3500" b="1" i="0" u="none" strike="noStrike" cap="none" dirty="0">
+              <a:rPr lang="en-US" sz="3500" b="1" i="0" u="none" strike="noStrike" cap="none">
                 <a:solidFill>
                   <a:srgbClr val="3333CC"/>
                 </a:solidFill>
@@ -16261,7 +16321,7 @@
               <a:t>Student: </a:t>
             </a:r>
             <a:r>
-              <a:rPr lang="en-US" sz="3500" b="0" i="0" u="none" strike="noStrike" cap="none" dirty="0">
+              <a:rPr lang="en-US" sz="3500" b="0" i="0" u="none" strike="noStrike" cap="none">
                 <a:solidFill>
                   <a:srgbClr val="3333CC"/>
                 </a:solidFill>
@@ -16270,42 +16330,29 @@
                 <a:cs typeface="Arial"/>
                 <a:sym typeface="Arial"/>
               </a:rPr>
-              <a:t>Rolando </a:t>
-            </a:r>
-            <a:r>
-              <a:rPr lang="en-US" sz="3500" b="0" i="0" u="none" strike="noStrike" cap="none" dirty="0" err="1">
-                <a:solidFill>
-                  <a:srgbClr val="3333CC"/>
-                </a:solidFill>
-                <a:latin typeface="Arial"/>
-                <a:ea typeface="Arial"/>
-                <a:cs typeface="Arial"/>
-                <a:sym typeface="Arial"/>
-              </a:rPr>
-              <a:t>Carralero</a:t>
-            </a:r>
-            <a:r>
-              <a:rPr lang="en-US" sz="3500" b="0" i="0" u="none" strike="noStrike" cap="none" dirty="0">
-                <a:solidFill>
-                  <a:srgbClr val="3333CC"/>
-                </a:solidFill>
-                <a:latin typeface="Arial"/>
-                <a:ea typeface="Arial"/>
-                <a:cs typeface="Arial"/>
-                <a:sym typeface="Arial"/>
-              </a:rPr>
-              <a:t> Pena, Florida International University</a:t>
+              <a:t>Rolando Carralero Pena, Florida International University</a:t>
             </a:r>
           </a:p>
           <a:p>
-            <a:pPr algn="ctr">
+            <a:pPr marL="0" marR="0" lvl="0" indent="0" algn="ctr" rtl="0">
+              <a:lnSpc>
+                <a:spcPct val="100000"/>
+              </a:lnSpc>
+              <a:spcBef>
+                <a:spcPts val="0"/>
+              </a:spcBef>
+              <a:spcAft>
+                <a:spcPts val="0"/>
+              </a:spcAft>
               <a:buClr>
                 <a:srgbClr val="3333CC"/>
               </a:buClr>
               <a:buSzPct val="25000"/>
+              <a:buFont typeface="Arial"/>
+              <a:buNone/>
             </a:pPr>
             <a:r>
-              <a:rPr lang="en-US" sz="3500" b="1" i="0" u="none" strike="noStrike" cap="none" dirty="0">
+              <a:rPr lang="en-US" sz="3500" b="1" i="0" u="none" strike="noStrike" cap="none">
                 <a:solidFill>
                   <a:srgbClr val="3333CC"/>
                 </a:solidFill>
@@ -16317,7 +16364,7 @@
               <a:t>Mentor:</a:t>
             </a:r>
             <a:r>
-              <a:rPr lang="en-US" sz="3500" b="1" i="1" u="none" strike="noStrike" cap="none" dirty="0">
+              <a:rPr lang="en-US" sz="3500" b="1" i="1" u="none" strike="noStrike" cap="none">
                 <a:solidFill>
                   <a:srgbClr val="3333CC"/>
                 </a:solidFill>
@@ -16329,43 +16376,19 @@
               <a:t> </a:t>
             </a:r>
             <a:r>
-              <a:rPr lang="en-US" sz="3500" dirty="0" err="1">
+              <a:rPr lang="en-US" sz="3500" b="0" i="0" u="none" strike="noStrike" cap="none">
                 <a:solidFill>
                   <a:srgbClr val="3333CC"/>
                 </a:solidFill>
+                <a:latin typeface="Arial"/>
+                <a:ea typeface="Arial"/>
+                <a:cs typeface="Arial"/>
+                <a:sym typeface="Arial"/>
               </a:rPr>
-              <a:t>Kianoosh</a:t>
+              <a:t>Kianoosh G. Boroojeni,</a:t>
             </a:r>
             <a:r>
-              <a:rPr lang="en-US" sz="3500" dirty="0">
-                <a:solidFill>
-                  <a:srgbClr val="3333CC"/>
-                </a:solidFill>
-              </a:rPr>
-              <a:t> G. </a:t>
-            </a:r>
-            <a:r>
-              <a:rPr lang="en-US" sz="3500" dirty="0" err="1">
-                <a:solidFill>
-                  <a:srgbClr val="3333CC"/>
-                </a:solidFill>
-              </a:rPr>
-              <a:t>Boroojeni</a:t>
-            </a:r>
-            <a:r>
-              <a:rPr lang="en-US" sz="3500" b="0" i="0" u="none" strike="noStrike" cap="none" dirty="0">
-                <a:solidFill>
-                  <a:srgbClr val="3333CC"/>
-                </a:solidFill>
-                <a:latin typeface="Arial"/>
-                <a:ea typeface="Arial"/>
-                <a:cs typeface="Arial"/>
-                <a:sym typeface="Arial"/>
-              </a:rPr>
-              <a:t>,</a:t>
-            </a:r>
-            <a:r>
-              <a:rPr lang="en-US" sz="3500" b="0" i="1" u="none" strike="noStrike" cap="none" dirty="0">
+              <a:rPr lang="en-US" sz="3500" b="0" i="1" u="none" strike="noStrike" cap="none">
                 <a:solidFill>
                   <a:srgbClr val="3333CC"/>
                 </a:solidFill>
@@ -16377,10 +16400,14 @@
               <a:t> </a:t>
             </a:r>
             <a:r>
-              <a:rPr lang="en-US" sz="3500" dirty="0">
+              <a:rPr lang="en-US" sz="3500" b="0" i="0" u="none" strike="noStrike" cap="none">
                 <a:solidFill>
                   <a:srgbClr val="3333CC"/>
                 </a:solidFill>
+                <a:latin typeface="Arial"/>
+                <a:ea typeface="Arial"/>
+                <a:cs typeface="Arial"/>
+                <a:sym typeface="Arial"/>
               </a:rPr>
               <a:t>Florida International University</a:t>
             </a:r>
@@ -16404,7 +16431,7 @@
               <a:buNone/>
             </a:pPr>
             <a:r>
-              <a:rPr lang="en-US" sz="3500" b="1" i="0" u="none" strike="noStrike" cap="none" dirty="0">
+              <a:rPr lang="en-US" sz="3500" b="1" i="0" u="none" strike="noStrike" cap="none">
                 <a:solidFill>
                   <a:srgbClr val="3333CC"/>
                 </a:solidFill>
@@ -16416,7 +16443,7 @@
               <a:t>Instructor:</a:t>
             </a:r>
             <a:r>
-              <a:rPr lang="en-US" sz="3500" b="1" i="1" u="none" strike="noStrike" cap="none" dirty="0">
+              <a:rPr lang="en-US" sz="3500" b="1" i="1" u="none" strike="noStrike" cap="none">
                 <a:solidFill>
                   <a:srgbClr val="3333CC"/>
                 </a:solidFill>
@@ -16428,7 +16455,7 @@
               <a:t> </a:t>
             </a:r>
             <a:r>
-              <a:rPr lang="en-US" sz="3500" b="0" i="0" u="none" strike="noStrike" cap="none" dirty="0" err="1">
+              <a:rPr lang="en-US" sz="3500" b="0" i="0" u="none" strike="noStrike" cap="none">
                 <a:solidFill>
                   <a:srgbClr val="3333CC"/>
                 </a:solidFill>
@@ -16437,43 +16464,7 @@
                 <a:cs typeface="Arial"/>
                 <a:sym typeface="Arial"/>
               </a:rPr>
-              <a:t>Masoud</a:t>
-            </a:r>
-            <a:r>
-              <a:rPr lang="en-US" sz="3500" b="0" i="0" u="none" strike="noStrike" cap="none" dirty="0">
-                <a:solidFill>
-                  <a:srgbClr val="3333CC"/>
-                </a:solidFill>
-                <a:latin typeface="Arial"/>
-                <a:ea typeface="Arial"/>
-                <a:cs typeface="Arial"/>
-                <a:sym typeface="Arial"/>
-              </a:rPr>
-              <a:t> </a:t>
-            </a:r>
-            <a:r>
-              <a:rPr lang="en-US" sz="3500" b="0" i="0" u="none" strike="noStrike" cap="none" dirty="0" err="1">
-                <a:solidFill>
-                  <a:srgbClr val="3333CC"/>
-                </a:solidFill>
-                <a:latin typeface="Arial"/>
-                <a:ea typeface="Arial"/>
-                <a:cs typeface="Arial"/>
-                <a:sym typeface="Arial"/>
-              </a:rPr>
-              <a:t>Sadjadi</a:t>
-            </a:r>
-            <a:r>
-              <a:rPr lang="en-US" sz="3500" b="0" i="0" u="none" strike="noStrike" cap="none" dirty="0">
-                <a:solidFill>
-                  <a:srgbClr val="3333CC"/>
-                </a:solidFill>
-                <a:latin typeface="Arial"/>
-                <a:ea typeface="Arial"/>
-                <a:cs typeface="Arial"/>
-                <a:sym typeface="Arial"/>
-              </a:rPr>
-              <a:t>, Florida International University</a:t>
+              <a:t>Masoud Sadjadi, Florida International University</a:t>
             </a:r>
           </a:p>
         </p:txBody>
@@ -16487,7 +16478,7 @@
         <p:spPr>
           <a:xfrm>
             <a:off x="990600" y="5493600"/>
-            <a:ext cx="31089600" cy="35661600"/>
+            <a:ext cx="31089600" cy="35661601"/>
           </a:xfrm>
           <a:prstGeom prst="rect">
             <a:avLst/>
@@ -16545,8 +16536,8 @@
         </p:nvSpPr>
         <p:spPr>
           <a:xfrm>
-            <a:off x="1265210" y="5806949"/>
-            <a:ext cx="10038561" cy="6715884"/>
+            <a:off x="1265209" y="5806948"/>
+            <a:ext cx="10038561" cy="6715883"/>
           </a:xfrm>
           <a:prstGeom prst="rect">
             <a:avLst/>
@@ -16588,7 +16579,7 @@
               <a:buNone/>
             </a:pPr>
             <a:r>
-              <a:rPr lang="en-US" sz="4100" b="1" i="0" u="none" strike="noStrike" cap="none" dirty="0">
+              <a:rPr lang="en-US" sz="4100" b="1" i="0" u="none" strike="noStrike" cap="none">
                 <a:solidFill>
                   <a:srgbClr val="336699"/>
                 </a:solidFill>
@@ -16601,43 +16592,94 @@
             </a:r>
           </a:p>
           <a:p>
-            <a:pPr marL="571500" lvl="0" indent="-571500">
-              <a:buFont typeface="Arial" panose="020B0604020202020204" pitchFamily="34" charset="0"/>
+            <a:pPr marL="571500" marR="0" lvl="0" indent="-571500" algn="l" rtl="0">
+              <a:lnSpc>
+                <a:spcPct val="100000"/>
+              </a:lnSpc>
+              <a:spcBef>
+                <a:spcPts val="0"/>
+              </a:spcBef>
+              <a:spcAft>
+                <a:spcPts val="0"/>
+              </a:spcAft>
+              <a:buClr>
+                <a:srgbClr val="336699"/>
+              </a:buClr>
+              <a:buSzPct val="100000"/>
+              <a:buFont typeface="Arial"/>
               <a:buChar char="•"/>
             </a:pPr>
             <a:r>
-              <a:rPr lang="en-US" sz="3800" dirty="0">
+              <a:rPr lang="en-US" sz="3800" b="0" i="0" u="none" strike="noStrike" cap="none">
                 <a:solidFill>
                   <a:srgbClr val="336699"/>
                 </a:solidFill>
+                <a:latin typeface="Arial"/>
+                <a:ea typeface="Arial"/>
+                <a:cs typeface="Arial"/>
+                <a:sym typeface="Arial"/>
               </a:rPr>
               <a:t>More common traffic navigation apps like google maps give all users same route from point A to B. Traffic gest backed up when too many cars take the same route.</a:t>
             </a:r>
           </a:p>
           <a:p>
-            <a:pPr marL="571500" lvl="0" indent="-571500">
-              <a:buFont typeface="Arial" panose="020B0604020202020204" pitchFamily="34" charset="0"/>
+            <a:pPr marL="571500" marR="0" lvl="0" indent="-571500" algn="l" rtl="0">
+              <a:lnSpc>
+                <a:spcPct val="100000"/>
+              </a:lnSpc>
+              <a:spcBef>
+                <a:spcPts val="0"/>
+              </a:spcBef>
+              <a:spcAft>
+                <a:spcPts val="0"/>
+              </a:spcAft>
+              <a:buClr>
+                <a:srgbClr val="336699"/>
+              </a:buClr>
+              <a:buSzPct val="100000"/>
+              <a:buFont typeface="Arial"/>
               <a:buChar char="•"/>
             </a:pPr>
             <a:r>
-              <a:rPr lang="en-US" sz="3800" dirty="0">
+              <a:rPr lang="en-US" sz="3800" b="0" i="0" u="none" strike="noStrike" cap="none">
                 <a:solidFill>
                   <a:srgbClr val="336699"/>
                 </a:solidFill>
+                <a:latin typeface="Arial"/>
+                <a:ea typeface="Arial"/>
+                <a:cs typeface="Arial"/>
+                <a:sym typeface="Arial"/>
               </a:rPr>
               <a:t>Lack of accessible application that uses other routing algorithms to better route cars to avoid traffic</a:t>
             </a:r>
           </a:p>
           <a:p>
-            <a:pPr marL="571500" lvl="0" indent="-571500">
-              <a:buFont typeface="Arial" panose="020B0604020202020204" pitchFamily="34" charset="0"/>
+            <a:pPr marL="571500" marR="0" lvl="0" indent="-571500" algn="l" rtl="0">
+              <a:lnSpc>
+                <a:spcPct val="100000"/>
+              </a:lnSpc>
+              <a:spcBef>
+                <a:spcPts val="0"/>
+              </a:spcBef>
+              <a:spcAft>
+                <a:spcPts val="0"/>
+              </a:spcAft>
+              <a:buClr>
+                <a:srgbClr val="336699"/>
+              </a:buClr>
+              <a:buSzPct val="100000"/>
+              <a:buFont typeface="Arial"/>
               <a:buChar char="•"/>
             </a:pPr>
             <a:r>
-              <a:rPr lang="en-US" sz="3800" dirty="0">
+              <a:rPr lang="en-US" sz="3800" b="0" i="0" u="none" strike="noStrike" cap="none">
                 <a:solidFill>
                   <a:srgbClr val="336699"/>
                 </a:solidFill>
+                <a:latin typeface="Arial"/>
+                <a:ea typeface="Arial"/>
+                <a:cs typeface="Arial"/>
+                <a:sym typeface="Arial"/>
               </a:rPr>
               <a:t>Lack of a tool that allow users to compare these routing algorithms with more common ones like google maps navigation.</a:t>
             </a:r>
@@ -16653,7 +16695,7 @@
         <p:spPr>
           <a:xfrm>
             <a:off x="990612" y="41924400"/>
-            <a:ext cx="4980000" cy="730200"/>
+            <a:ext cx="4979999" cy="730199"/>
           </a:xfrm>
           <a:prstGeom prst="rect">
             <a:avLst/>
@@ -16718,7 +16760,7 @@
         <p:spPr>
           <a:xfrm>
             <a:off x="15925800" y="446087"/>
-            <a:ext cx="4724400" cy="1077900"/>
+            <a:ext cx="4724400" cy="1077899"/>
           </a:xfrm>
           <a:prstGeom prst="rect">
             <a:avLst/>
@@ -16752,7 +16794,7 @@
               <a:buNone/>
             </a:pPr>
             <a:r>
-              <a:rPr lang="en-US" sz="3200" b="1" i="0" u="none" strike="noStrike" cap="none" dirty="0">
+              <a:rPr lang="en-US" sz="3200" b="1" i="0" u="none" strike="noStrike" cap="none">
                 <a:solidFill>
                   <a:schemeClr val="accent2"/>
                 </a:solidFill>
@@ -16782,7 +16824,7 @@
         <p:spPr>
           <a:xfrm>
             <a:off x="13182600" y="381000"/>
-            <a:ext cx="2630400" cy="1219200"/>
+            <a:ext cx="2630400" cy="1219199"/>
           </a:xfrm>
           <a:prstGeom prst="rect">
             <a:avLst/>
@@ -16801,7 +16843,7 @@
         </p:nvSpPr>
         <p:spPr>
           <a:xfrm>
-            <a:off x="22561903" y="5868649"/>
+            <a:off x="22561903" y="5868648"/>
             <a:ext cx="9088135" cy="6746141"/>
           </a:xfrm>
           <a:prstGeom prst="rect">
@@ -16844,7 +16886,7 @@
               <a:buNone/>
             </a:pPr>
             <a:r>
-              <a:rPr lang="en-US" sz="4100" b="1" i="0" u="none" strike="noStrike" cap="none" dirty="0">
+              <a:rPr lang="en-US" sz="4100" b="1" i="0" u="none" strike="noStrike" cap="none">
                 <a:solidFill>
                   <a:srgbClr val="336699"/>
                 </a:solidFill>
@@ -16871,53 +16913,20 @@
                 <a:srgbClr val="336699"/>
               </a:buClr>
               <a:buSzPct val="25000"/>
-              <a:buFont typeface="Arial" panose="020B0604020202020204" pitchFamily="34" charset="0"/>
+              <a:buFont typeface="Arial"/>
               <a:buChar char="•"/>
             </a:pPr>
             <a:r>
-              <a:rPr lang="en-US" sz="3900" b="0" i="0" u="none" strike="noStrike" cap="none" dirty="0">
+              <a:rPr lang="en-US" sz="3900" b="0" i="0" u="none" strike="noStrike" cap="none">
                 <a:solidFill>
                   <a:srgbClr val="336699"/>
                 </a:solidFill>
+                <a:latin typeface="Arial"/>
+                <a:ea typeface="Arial"/>
+                <a:cs typeface="Arial"/>
                 <a:sym typeface="Arial"/>
               </a:rPr>
-              <a:t>The current system provides a Web application unified under </a:t>
-            </a:r>
-            <a:r>
-              <a:rPr lang="en-US" sz="3900" b="0" i="0" u="none" strike="noStrike" cap="none" dirty="0" err="1">
-                <a:solidFill>
-                  <a:srgbClr val="336699"/>
-                </a:solidFill>
-                <a:sym typeface="Arial"/>
-              </a:rPr>
-              <a:t>NodeJs</a:t>
-            </a:r>
-            <a:r>
-              <a:rPr lang="en-US" sz="3900" b="0" i="0" u="none" strike="noStrike" cap="none" dirty="0">
-                <a:solidFill>
-                  <a:srgbClr val="336699"/>
-                </a:solidFill>
-                <a:sym typeface="Arial"/>
-              </a:rPr>
-              <a:t> and </a:t>
-            </a:r>
-            <a:r>
-              <a:rPr lang="en-US" sz="3900" b="0" i="0" u="none" strike="noStrike" cap="none" dirty="0" err="1">
-                <a:solidFill>
-                  <a:srgbClr val="336699"/>
-                </a:solidFill>
-                <a:sym typeface="Arial"/>
-              </a:rPr>
-              <a:t>ExpressJs</a:t>
-            </a:r>
-            <a:r>
-              <a:rPr lang="en-US" sz="3900" b="0" i="0" u="none" strike="noStrike" cap="none" dirty="0">
-                <a:solidFill>
-                  <a:srgbClr val="336699"/>
-                </a:solidFill>
-                <a:sym typeface="Arial"/>
-              </a:rPr>
-              <a:t> web server.</a:t>
+              <a:t>The current system provides a Web application unified under NodeJs and ExpressJs web server.</a:t>
             </a:r>
           </a:p>
           <a:p>
@@ -16935,32 +16944,20 @@
                 <a:srgbClr val="336699"/>
               </a:buClr>
               <a:buSzPct val="25000"/>
-              <a:buFont typeface="Arial" panose="020B0604020202020204" pitchFamily="34" charset="0"/>
+              <a:buFont typeface="Arial"/>
               <a:buChar char="•"/>
             </a:pPr>
             <a:r>
-              <a:rPr lang="en-US" sz="3900" dirty="0">
+              <a:rPr lang="en-US" sz="3900" b="0" i="0" u="none" strike="noStrike" cap="none">
                 <a:solidFill>
                   <a:srgbClr val="336699"/>
                 </a:solidFill>
+                <a:latin typeface="Arial"/>
+                <a:ea typeface="Arial"/>
+                <a:cs typeface="Arial"/>
+                <a:sym typeface="Arial"/>
               </a:rPr>
-              <a:t>The simulation is provided by the web server as an </a:t>
-            </a:r>
-            <a:r>
-              <a:rPr lang="en-US" sz="3900" dirty="0" err="1">
-                <a:solidFill>
-                  <a:srgbClr val="336699"/>
-                </a:solidFill>
-              </a:rPr>
-              <a:t>angularJS</a:t>
-            </a:r>
-            <a:r>
-              <a:rPr lang="en-US" sz="3900" dirty="0">
-                <a:solidFill>
-                  <a:srgbClr val="336699"/>
-                </a:solidFill>
-              </a:rPr>
-              <a:t> application. </a:t>
+              <a:t>The simulation is provided by the web server as an angularJS application. </a:t>
             </a:r>
           </a:p>
           <a:p>
@@ -16978,35 +16975,20 @@
                 <a:srgbClr val="336699"/>
               </a:buClr>
               <a:buSzPct val="25000"/>
-              <a:buFont typeface="Arial" panose="020B0604020202020204" pitchFamily="34" charset="0"/>
+              <a:buFont typeface="Arial"/>
               <a:buChar char="•"/>
             </a:pPr>
             <a:r>
-              <a:rPr lang="en-US" sz="3900" b="0" i="0" u="none" strike="noStrike" cap="none" dirty="0">
+              <a:rPr lang="en-US" sz="3900" b="0" i="0" u="none" strike="noStrike" cap="none">
                 <a:solidFill>
                   <a:srgbClr val="336699"/>
                 </a:solidFill>
+                <a:latin typeface="Arial"/>
+                <a:ea typeface="Arial"/>
+                <a:cs typeface="Arial"/>
                 <a:sym typeface="Arial"/>
               </a:rPr>
-              <a:t>Backend API and algorithms are handled by </a:t>
-            </a:r>
-            <a:r>
-              <a:rPr lang="en-US" sz="3900" b="0" i="0" u="none" strike="noStrike" cap="none" dirty="0" err="1">
-                <a:solidFill>
-                  <a:srgbClr val="336699"/>
-                </a:solidFill>
-                <a:sym typeface="Arial"/>
-              </a:rPr>
-              <a:t>ExpressJs</a:t>
-            </a:r>
-            <a:r>
-              <a:rPr lang="en-US" sz="3900" b="0" i="0" u="none" strike="noStrike" cap="none" dirty="0">
-                <a:solidFill>
-                  <a:srgbClr val="336699"/>
-                </a:solidFill>
-                <a:sym typeface="Arial"/>
-              </a:rPr>
-              <a:t> and a Python wrapper.</a:t>
+              <a:t>Backend API and algorithms are handled by ExpressJs and a Python wrapper.</a:t>
             </a:r>
           </a:p>
           <a:p>
@@ -17026,7 +17008,7 @@
               <a:buFont typeface="Arial"/>
               <a:buNone/>
             </a:pPr>
-            <a:endParaRPr sz="4100" b="1" i="0" u="none" strike="noStrike" cap="none" dirty="0">
+            <a:endParaRPr sz="4100" b="1" i="0" u="none" strike="noStrike" cap="none">
               <a:solidFill>
                 <a:srgbClr val="336699"/>
               </a:solidFill>
@@ -17089,7 +17071,7 @@
               <a:buNone/>
             </a:pPr>
             <a:r>
-              <a:rPr lang="en-US" sz="4100" b="1" i="0" u="none" strike="noStrike" cap="none" dirty="0">
+              <a:rPr lang="en-US" sz="4100" b="1" i="0" u="none" strike="noStrike" cap="none">
                 <a:solidFill>
                   <a:srgbClr val="336699"/>
                 </a:solidFill>
@@ -17102,74 +17084,124 @@
             </a:r>
           </a:p>
           <a:p>
-            <a:pPr marL="571500" lvl="0" indent="-571500">
+            <a:pPr marL="571500" marR="0" lvl="0" indent="-571500" algn="l" rtl="0">
+              <a:lnSpc>
+                <a:spcPct val="100000"/>
+              </a:lnSpc>
+              <a:spcBef>
+                <a:spcPts val="0"/>
+              </a:spcBef>
+              <a:spcAft>
+                <a:spcPts val="0"/>
+              </a:spcAft>
               <a:buClr>
                 <a:srgbClr val="336699"/>
               </a:buClr>
               <a:buSzPct val="25000"/>
-              <a:buFont typeface="Arial" panose="020B0604020202020204" pitchFamily="34" charset="0"/>
+              <a:buFont typeface="Arial"/>
               <a:buChar char="•"/>
             </a:pPr>
             <a:r>
-              <a:rPr lang="en-US" sz="3600" dirty="0">
+              <a:rPr lang="en-US" sz="3600" b="0" i="0" u="none" strike="noStrike" cap="none">
                 <a:solidFill>
                   <a:srgbClr val="336699"/>
                 </a:solidFill>
+                <a:latin typeface="Arial"/>
+                <a:ea typeface="Arial"/>
+                <a:cs typeface="Arial"/>
+                <a:sym typeface="Arial"/>
               </a:rPr>
               <a:t>  Users must provide the following information for each trip entered: starting point, ending point and trip time. </a:t>
             </a:r>
           </a:p>
           <a:p>
-            <a:pPr marL="571500" lvl="0" indent="-571500">
+            <a:pPr marL="571500" marR="0" lvl="0" indent="-571500" algn="l" rtl="0">
+              <a:lnSpc>
+                <a:spcPct val="100000"/>
+              </a:lnSpc>
+              <a:spcBef>
+                <a:spcPts val="0"/>
+              </a:spcBef>
+              <a:spcAft>
+                <a:spcPts val="0"/>
+              </a:spcAft>
               <a:buClr>
                 <a:srgbClr val="336699"/>
               </a:buClr>
               <a:buSzPct val="25000"/>
-              <a:buFont typeface="Arial" panose="020B0604020202020204" pitchFamily="34" charset="0"/>
+              <a:buFont typeface="Arial"/>
               <a:buChar char="•"/>
             </a:pPr>
             <a:r>
-              <a:rPr lang="en-US" sz="3600" b="0" i="0" u="none" strike="noStrike" cap="none" dirty="0">
+              <a:rPr lang="en-US" sz="3600" b="0" i="0" u="none" strike="noStrike" cap="none">
                 <a:solidFill>
                   <a:srgbClr val="336699"/>
                 </a:solidFill>
+                <a:latin typeface="Arial"/>
+                <a:ea typeface="Arial"/>
+                <a:cs typeface="Arial"/>
                 <a:sym typeface="Arial"/>
               </a:rPr>
               <a:t>  Users must be able to select a desired algorithm to display a car path for a trip or some trips.</a:t>
             </a:r>
           </a:p>
           <a:p>
-            <a:pPr marL="571500" lvl="0" indent="-571500">
+            <a:pPr marL="571500" marR="0" lvl="0" indent="-571500" algn="l" rtl="0">
+              <a:lnSpc>
+                <a:spcPct val="100000"/>
+              </a:lnSpc>
+              <a:spcBef>
+                <a:spcPts val="0"/>
+              </a:spcBef>
+              <a:spcAft>
+                <a:spcPts val="0"/>
+              </a:spcAft>
               <a:buClr>
                 <a:srgbClr val="336699"/>
               </a:buClr>
               <a:buSzPct val="25000"/>
-              <a:buFont typeface="Arial" panose="020B0604020202020204" pitchFamily="34" charset="0"/>
+              <a:buFont typeface="Arial"/>
               <a:buChar char="•"/>
             </a:pPr>
             <a:r>
-              <a:rPr lang="en-US" sz="3600" dirty="0">
+              <a:rPr lang="en-US" sz="3600" b="0" i="0" u="none" strike="noStrike" cap="none">
                 <a:solidFill>
                   <a:srgbClr val="336699"/>
                 </a:solidFill>
+                <a:latin typeface="Arial"/>
+                <a:ea typeface="Arial"/>
+                <a:cs typeface="Arial"/>
+                <a:sym typeface="Arial"/>
               </a:rPr>
               <a:t>  Users must be able to use the same trip data to create a path on both maps and compare algorithms.</a:t>
             </a:r>
           </a:p>
           <a:p>
-            <a:pPr marL="571500" lvl="0" indent="-571500">
+            <a:pPr marL="571500" marR="0" lvl="0" indent="-571500" algn="l" rtl="0">
+              <a:lnSpc>
+                <a:spcPct val="100000"/>
+              </a:lnSpc>
+              <a:spcBef>
+                <a:spcPts val="0"/>
+              </a:spcBef>
+              <a:spcAft>
+                <a:spcPts val="0"/>
+              </a:spcAft>
               <a:buClr>
                 <a:srgbClr val="336699"/>
               </a:buClr>
               <a:buSzPct val="25000"/>
-              <a:buFont typeface="Arial" panose="020B0604020202020204" pitchFamily="34" charset="0"/>
+              <a:buFont typeface="Arial"/>
               <a:buChar char="•"/>
             </a:pPr>
             <a:r>
-              <a:rPr lang="en-US" sz="3600" b="0" i="0" u="none" strike="noStrike" cap="none" dirty="0">
+              <a:rPr lang="en-US" sz="3600" b="0" i="0" u="none" strike="noStrike" cap="none">
                 <a:solidFill>
                   <a:srgbClr val="336699"/>
                 </a:solidFill>
+                <a:latin typeface="Arial"/>
+                <a:ea typeface="Arial"/>
+                <a:cs typeface="Arial"/>
                 <a:sym typeface="Arial"/>
               </a:rPr>
               <a:t>  Users must be able to create several trips with different relative times to make traffic simulation more realistic.</a:t>
@@ -17185,8 +17217,8 @@
         </p:nvSpPr>
         <p:spPr>
           <a:xfrm>
-            <a:off x="11621970" y="23099910"/>
-            <a:ext cx="13331259" cy="7050147"/>
+            <a:off x="11621970" y="23099909"/>
+            <a:ext cx="13331258" cy="7050147"/>
           </a:xfrm>
           <a:prstGeom prst="rect">
             <a:avLst/>
@@ -17251,7 +17283,7 @@
         <p:spPr>
           <a:xfrm>
             <a:off x="11706699" y="30687337"/>
-            <a:ext cx="13246930" cy="10047708"/>
+            <a:ext cx="13246929" cy="10047708"/>
           </a:xfrm>
           <a:prstGeom prst="rect">
             <a:avLst/>
@@ -17293,7 +17325,7 @@
               <a:buNone/>
             </a:pPr>
             <a:r>
-              <a:rPr lang="en-US" sz="4100" b="1" i="0" u="none" strike="noStrike" cap="none" dirty="0">
+              <a:rPr lang="en-US" sz="4100" b="1" i="0" u="none" strike="noStrike" cap="none">
                 <a:solidFill>
                   <a:srgbClr val="336699"/>
                 </a:solidFill>
@@ -17315,8 +17347,8 @@
         </p:nvSpPr>
         <p:spPr>
           <a:xfrm>
-            <a:off x="25468122" y="23063125"/>
-            <a:ext cx="6181915" cy="7047247"/>
+            <a:off x="25468121" y="23063125"/>
+            <a:ext cx="6181915" cy="7047246"/>
           </a:xfrm>
           <a:prstGeom prst="rect">
             <a:avLst/>
@@ -17358,7 +17390,7 @@
               <a:buNone/>
             </a:pPr>
             <a:r>
-              <a:rPr lang="en-US" sz="4100" b="1" i="0" u="none" strike="noStrike" cap="none" dirty="0">
+              <a:rPr lang="en-US" sz="4100" b="1" i="0" u="none" strike="noStrike" cap="none">
                 <a:solidFill>
                   <a:srgbClr val="336699"/>
                 </a:solidFill>
@@ -17371,128 +17403,158 @@
             </a:r>
           </a:p>
           <a:p>
-            <a:pPr lvl="0">
+            <a:pPr marL="0" marR="0" lvl="0" indent="0" algn="l" rtl="0">
+              <a:lnSpc>
+                <a:spcPct val="100000"/>
+              </a:lnSpc>
+              <a:spcBef>
+                <a:spcPts val="0"/>
+              </a:spcBef>
+              <a:spcAft>
+                <a:spcPts val="0"/>
+              </a:spcAft>
               <a:buClr>
                 <a:srgbClr val="336699"/>
               </a:buClr>
               <a:buSzPct val="25000"/>
+              <a:buFont typeface="Arial"/>
+              <a:buNone/>
             </a:pPr>
             <a:r>
-              <a:rPr lang="en-US" sz="3600" dirty="0">
+              <a:rPr lang="en-US" sz="3600" b="0" i="0" u="none" strike="noStrike" cap="none">
                 <a:solidFill>
                   <a:srgbClr val="336699"/>
                 </a:solidFill>
+                <a:latin typeface="Arial"/>
+                <a:ea typeface="Arial"/>
+                <a:cs typeface="Arial"/>
+                <a:sym typeface="Arial"/>
               </a:rPr>
               <a:t>Traffic Simulator is developed in:</a:t>
             </a:r>
           </a:p>
           <a:p>
-            <a:pPr lvl="0">
+            <a:pPr marL="0" marR="0" lvl="0" indent="0" algn="l" rtl="0">
+              <a:lnSpc>
+                <a:spcPct val="100000"/>
+              </a:lnSpc>
+              <a:spcBef>
+                <a:spcPts val="0"/>
+              </a:spcBef>
+              <a:spcAft>
+                <a:spcPts val="0"/>
+              </a:spcAft>
               <a:buClr>
                 <a:srgbClr val="336699"/>
               </a:buClr>
               <a:buSzPct val="25000"/>
+              <a:buFont typeface="Arial"/>
+              <a:buNone/>
             </a:pPr>
             <a:r>
-              <a:rPr lang="en-US" sz="3600" dirty="0">
+              <a:rPr lang="en-US" sz="3600" b="0" i="0" u="none" strike="noStrike" cap="none">
                 <a:solidFill>
                   <a:srgbClr val="336699"/>
                 </a:solidFill>
+                <a:latin typeface="Arial"/>
+                <a:ea typeface="Arial"/>
+                <a:cs typeface="Arial"/>
+                <a:sym typeface="Arial"/>
               </a:rPr>
               <a:t>1-Frontend</a:t>
             </a:r>
           </a:p>
           <a:p>
-            <a:pPr lvl="0">
+            <a:pPr marL="0" marR="0" lvl="0" indent="0" algn="l" rtl="0">
+              <a:lnSpc>
+                <a:spcPct val="100000"/>
+              </a:lnSpc>
+              <a:spcBef>
+                <a:spcPts val="0"/>
+              </a:spcBef>
+              <a:spcAft>
+                <a:spcPts val="0"/>
+              </a:spcAft>
               <a:buClr>
                 <a:srgbClr val="336699"/>
               </a:buClr>
               <a:buSzPct val="25000"/>
+              <a:buFont typeface="Arial"/>
+              <a:buNone/>
             </a:pPr>
             <a:r>
-              <a:rPr lang="en-US" sz="3600" dirty="0">
+              <a:rPr lang="en-US" sz="3600" b="0" i="0" u="none" strike="noStrike" cap="none">
                 <a:solidFill>
                   <a:srgbClr val="336699"/>
                 </a:solidFill>
+                <a:latin typeface="Arial"/>
+                <a:ea typeface="Arial"/>
+                <a:cs typeface="Arial"/>
+                <a:sym typeface="Arial"/>
               </a:rPr>
-              <a:t>     -HTML,CSS, </a:t>
+              <a:t>     -HTML,CSS, AngularJs</a:t>
             </a:r>
-            <a:r>
-              <a:rPr lang="en-US" sz="3600" dirty="0" err="1">
-                <a:solidFill>
-                  <a:srgbClr val="336699"/>
-                </a:solidFill>
-              </a:rPr>
-              <a:t>AngularJs</a:t>
-            </a:r>
-            <a:endParaRPr lang="en-US" sz="3600" dirty="0">
-              <a:solidFill>
-                <a:srgbClr val="336699"/>
-              </a:solidFill>
-            </a:endParaRPr>
           </a:p>
           <a:p>
-            <a:pPr lvl="0">
+            <a:pPr marL="0" marR="0" lvl="0" indent="0" algn="l" rtl="0">
+              <a:lnSpc>
+                <a:spcPct val="100000"/>
+              </a:lnSpc>
+              <a:spcBef>
+                <a:spcPts val="0"/>
+              </a:spcBef>
+              <a:spcAft>
+                <a:spcPts val="0"/>
+              </a:spcAft>
               <a:buClr>
                 <a:srgbClr val="336699"/>
               </a:buClr>
               <a:buSzPct val="25000"/>
+              <a:buFont typeface="Arial"/>
+              <a:buNone/>
             </a:pPr>
             <a:r>
-              <a:rPr lang="en-US" sz="3600" dirty="0">
+              <a:rPr lang="en-US" sz="3600" b="0" i="0" u="none" strike="noStrike" cap="none">
                 <a:solidFill>
                   <a:srgbClr val="336699"/>
                 </a:solidFill>
+                <a:latin typeface="Arial"/>
+                <a:ea typeface="Arial"/>
+                <a:cs typeface="Arial"/>
+                <a:sym typeface="Arial"/>
               </a:rPr>
               <a:t>2.Backend</a:t>
             </a:r>
           </a:p>
           <a:p>
-            <a:pPr lvl="0">
+            <a:pPr marL="0" marR="0" lvl="0" indent="0" algn="l" rtl="0">
+              <a:lnSpc>
+                <a:spcPct val="100000"/>
+              </a:lnSpc>
+              <a:spcBef>
+                <a:spcPts val="0"/>
+              </a:spcBef>
+              <a:spcAft>
+                <a:spcPts val="0"/>
+              </a:spcAft>
               <a:buClr>
                 <a:srgbClr val="336699"/>
               </a:buClr>
               <a:buSzPct val="25000"/>
+              <a:buFont typeface="Arial"/>
+              <a:buNone/>
             </a:pPr>
             <a:r>
-              <a:rPr lang="en-US" sz="3600" dirty="0">
+              <a:rPr lang="en-US" sz="3600" b="0" i="0" u="none" strike="noStrike" cap="none">
                 <a:solidFill>
                   <a:srgbClr val="336699"/>
                 </a:solidFill>
+                <a:latin typeface="Arial"/>
+                <a:ea typeface="Arial"/>
+                <a:cs typeface="Arial"/>
+                <a:sym typeface="Arial"/>
               </a:rPr>
-              <a:t>      </a:t>
-            </a:r>
-            <a:r>
-              <a:rPr lang="en-US" sz="3600" dirty="0" err="1">
-                <a:solidFill>
-                  <a:srgbClr val="336699"/>
-                </a:solidFill>
-              </a:rPr>
-              <a:t>ExpressJS</a:t>
-            </a:r>
-            <a:r>
-              <a:rPr lang="en-US" sz="3600" dirty="0">
-                <a:solidFill>
-                  <a:srgbClr val="336699"/>
-                </a:solidFill>
-              </a:rPr>
-              <a:t>, </a:t>
-            </a:r>
-            <a:r>
-              <a:rPr lang="en-US" sz="3600" dirty="0" err="1">
-                <a:solidFill>
-                  <a:srgbClr val="336699"/>
-                </a:solidFill>
-              </a:rPr>
-              <a:t>NodeJs</a:t>
-            </a:r>
-            <a:r>
-              <a:rPr lang="en-US" sz="3600" dirty="0">
-                <a:solidFill>
-                  <a:srgbClr val="336699"/>
-                </a:solidFill>
-              </a:rPr>
-              <a:t>,    Python</a:t>
+              <a:t>      ExpressJS, NodeJs,    Python</a:t>
             </a:r>
           </a:p>
         </p:txBody>
@@ -17505,7 +17567,7 @@
         </p:nvSpPr>
         <p:spPr>
           <a:xfrm>
-            <a:off x="1636400" y="31076122"/>
+            <a:off x="1636400" y="31076121"/>
             <a:ext cx="9424550" cy="9658924"/>
           </a:xfrm>
           <a:prstGeom prst="rect">
@@ -17548,7 +17610,7 @@
               <a:buNone/>
             </a:pPr>
             <a:r>
-              <a:rPr lang="en-US" sz="4100" b="1" i="0" u="none" strike="noStrike" cap="none" dirty="0">
+              <a:rPr lang="en-US" sz="4100" b="1" i="0" u="none" strike="noStrike" cap="none">
                 <a:solidFill>
                   <a:srgbClr val="336699"/>
                 </a:solidFill>
@@ -17579,10 +17641,14 @@
               <a:buNone/>
             </a:pPr>
             <a:r>
-              <a:rPr lang="en-US" sz="2400" b="1" dirty="0">
+              <a:rPr lang="en-US" sz="2400" b="1" i="0" u="none" strike="noStrike" cap="none">
                 <a:solidFill>
                   <a:srgbClr val="336699"/>
                 </a:solidFill>
+                <a:latin typeface="Arial"/>
+                <a:ea typeface="Arial"/>
+                <a:cs typeface="Arial"/>
+                <a:sym typeface="Arial"/>
               </a:rPr>
               <a:t>Unit Test</a:t>
             </a:r>
@@ -17601,11 +17667,10 @@
               <a:buClr>
                 <a:srgbClr val="336699"/>
               </a:buClr>
-              <a:buSzPct val="25000"/>
               <a:buFont typeface="Arial"/>
               <a:buNone/>
             </a:pPr>
-            <a:endParaRPr lang="en-US" sz="4100" b="1" i="0" u="none" strike="noStrike" cap="none" dirty="0">
+            <a:endParaRPr sz="4100" b="1" i="0" u="none" strike="noStrike" cap="none">
               <a:solidFill>
                 <a:srgbClr val="336699"/>
               </a:solidFill>
@@ -17625,7 +17690,7 @@
         </p:nvSpPr>
         <p:spPr>
           <a:xfrm>
-            <a:off x="1636400" y="12977397"/>
+            <a:off x="1636400" y="12977396"/>
             <a:ext cx="30013638" cy="9688678"/>
           </a:xfrm>
           <a:prstGeom prst="rect">
@@ -17668,7 +17733,7 @@
               <a:buNone/>
             </a:pPr>
             <a:r>
-              <a:rPr lang="en-US" sz="4100" b="1" i="0" u="none" strike="noStrike" cap="none" dirty="0">
+              <a:rPr lang="en-US" sz="4100" b="1" i="0" u="none" strike="noStrike" cap="none">
                 <a:solidFill>
                   <a:srgbClr val="336699"/>
                 </a:solidFill>
@@ -17699,7 +17764,7 @@
               <a:buNone/>
             </a:pPr>
             <a:r>
-              <a:rPr lang="en-US" sz="4100" b="0" i="0" u="none" strike="noStrike" cap="none" dirty="0">
+              <a:rPr lang="en-US" sz="4100" b="0" i="0" u="none" strike="noStrike" cap="none">
                 <a:solidFill>
                   <a:srgbClr val="336699"/>
                 </a:solidFill>
@@ -17721,8 +17786,8 @@
         </p:nvSpPr>
         <p:spPr>
           <a:xfrm>
-            <a:off x="25468122" y="30615847"/>
-            <a:ext cx="6181916" cy="10119200"/>
+            <a:off x="25468121" y="30615846"/>
+            <a:ext cx="6181915" cy="10119199"/>
           </a:xfrm>
           <a:prstGeom prst="rect">
             <a:avLst/>
@@ -17764,7 +17829,7 @@
               <a:buNone/>
             </a:pPr>
             <a:r>
-              <a:rPr lang="en-US" sz="4100" b="1" i="0" u="none" strike="noStrike" cap="none" dirty="0">
+              <a:rPr lang="en-US" sz="4100" b="1" i="0" u="none" strike="noStrike" cap="none">
                 <a:solidFill>
                   <a:srgbClr val="336699"/>
                 </a:solidFill>
@@ -17790,11 +17855,10 @@
               <a:buClr>
                 <a:srgbClr val="336699"/>
               </a:buClr>
-              <a:buSzPct val="25000"/>
               <a:buFont typeface="Arial"/>
               <a:buNone/>
             </a:pPr>
-            <a:endParaRPr lang="en-US" sz="4100" b="1" i="0" u="none" strike="noStrike" cap="none" dirty="0">
+            <a:endParaRPr sz="4100" b="1" i="0" u="none" strike="noStrike" cap="none">
               <a:solidFill>
                 <a:srgbClr val="336699"/>
               </a:solidFill>
@@ -17819,14 +17883,18 @@
                 <a:srgbClr val="336699"/>
               </a:buClr>
               <a:buSzPct val="25000"/>
-              <a:buFont typeface="Courier New" panose="02070309020205020404" pitchFamily="49" charset="0"/>
+              <a:buFont typeface="Courier New"/>
               <a:buChar char="o"/>
             </a:pPr>
             <a:r>
-              <a:rPr lang="en-US" sz="3600" dirty="0">
+              <a:rPr lang="en-US" sz="3600" b="0" i="0" u="none" strike="noStrike" cap="none">
                 <a:solidFill>
                   <a:srgbClr val="336699"/>
                 </a:solidFill>
+                <a:latin typeface="Arial"/>
+                <a:ea typeface="Arial"/>
+                <a:cs typeface="Arial"/>
+                <a:sym typeface="Arial"/>
               </a:rPr>
               <a:t>This project is the second version of the system. </a:t>
             </a:r>
@@ -17846,125 +17914,83 @@
                 <a:srgbClr val="336699"/>
               </a:buClr>
               <a:buSzPct val="25000"/>
-              <a:buFont typeface="Courier New" panose="02070309020205020404" pitchFamily="49" charset="0"/>
+              <a:buFont typeface="Courier New"/>
               <a:buChar char="o"/>
             </a:pPr>
             <a:r>
-              <a:rPr lang="en-US" sz="3600" dirty="0">
+              <a:rPr lang="en-US" sz="3600" b="0" i="0" u="none" strike="noStrike" cap="none">
                 <a:solidFill>
                   <a:srgbClr val="336699"/>
                 </a:solidFill>
+                <a:latin typeface="Arial"/>
+                <a:ea typeface="Arial"/>
+                <a:cs typeface="Arial"/>
+                <a:sym typeface="Arial"/>
               </a:rPr>
-              <a:t>The web application runs with </a:t>
-            </a:r>
-            <a:r>
-              <a:rPr lang="en-US" sz="3600" dirty="0" err="1">
-                <a:solidFill>
-                  <a:srgbClr val="336699"/>
-                </a:solidFill>
-              </a:rPr>
-              <a:t>angularjs</a:t>
-            </a:r>
-            <a:r>
-              <a:rPr lang="en-US" sz="3600" dirty="0">
-                <a:solidFill>
-                  <a:srgbClr val="336699"/>
-                </a:solidFill>
-              </a:rPr>
-              <a:t> in the frontend and </a:t>
-            </a:r>
-            <a:r>
-              <a:rPr lang="en-US" sz="3600" dirty="0" err="1">
-                <a:solidFill>
-                  <a:srgbClr val="336699"/>
-                </a:solidFill>
-              </a:rPr>
-              <a:t>Nodejs</a:t>
-            </a:r>
-            <a:r>
-              <a:rPr lang="en-US" sz="3600" dirty="0">
-                <a:solidFill>
-                  <a:srgbClr val="336699"/>
-                </a:solidFill>
-              </a:rPr>
-              <a:t> and </a:t>
-            </a:r>
-            <a:r>
-              <a:rPr lang="en-US" sz="3600" dirty="0" err="1">
-                <a:solidFill>
-                  <a:srgbClr val="336699"/>
-                </a:solidFill>
-              </a:rPr>
-              <a:t>ExpressJs</a:t>
-            </a:r>
-            <a:r>
-              <a:rPr lang="en-US" sz="3600" dirty="0">
-                <a:solidFill>
-                  <a:srgbClr val="336699"/>
-                </a:solidFill>
-              </a:rPr>
-              <a:t> web servers. </a:t>
+              <a:t>The web application runs with angularjs in the frontend and Nodejs and ExpressJs web servers. </a:t>
             </a:r>
           </a:p>
           <a:p>
-            <a:pPr marL="571500" lvl="0" indent="-571500">
+            <a:pPr marL="571500" marR="0" lvl="0" indent="-571500" algn="l" rtl="0">
+              <a:lnSpc>
+                <a:spcPct val="100000"/>
+              </a:lnSpc>
+              <a:spcBef>
+                <a:spcPts val="0"/>
+              </a:spcBef>
+              <a:spcAft>
+                <a:spcPts val="0"/>
+              </a:spcAft>
               <a:buClr>
                 <a:srgbClr val="336699"/>
               </a:buClr>
               <a:buSzPct val="25000"/>
-              <a:buFont typeface="Courier New" panose="02070309020205020404" pitchFamily="49" charset="0"/>
+              <a:buFont typeface="Courier New"/>
               <a:buChar char="o"/>
             </a:pPr>
             <a:r>
-              <a:rPr lang="en-US" sz="3600" b="0" i="0" u="none" strike="noStrike" cap="none" dirty="0">
+              <a:rPr lang="en-US" sz="3600" b="0" i="0" u="none" strike="noStrike" cap="none">
                 <a:solidFill>
                   <a:srgbClr val="336699"/>
                 </a:solidFill>
+                <a:latin typeface="Arial"/>
+                <a:ea typeface="Arial"/>
+                <a:cs typeface="Arial"/>
                 <a:sym typeface="Arial"/>
               </a:rPr>
-              <a:t>It contains </a:t>
-            </a:r>
-            <a:r>
-              <a:rPr lang="en-US" sz="3600" dirty="0">
-                <a:solidFill>
-                  <a:srgbClr val="336699"/>
-                </a:solidFill>
-              </a:rPr>
-              <a:t>two maps(using google mapping) </a:t>
-            </a:r>
-            <a:r>
-              <a:rPr lang="en-US" sz="3600" b="0" i="0" u="none" strike="noStrike" cap="none" dirty="0">
-                <a:solidFill>
-                  <a:srgbClr val="336699"/>
-                </a:solidFill>
-                <a:sym typeface="Arial"/>
-              </a:rPr>
-              <a:t>to show paths from different routing algorithms</a:t>
+              <a:t>It contains two maps(using google mapping) to show paths from different routing algorithms</a:t>
             </a:r>
           </a:p>
           <a:p>
-            <a:pPr marL="571500" lvl="0" indent="-571500">
+            <a:pPr marL="571500" marR="0" lvl="0" indent="-571500" algn="l" rtl="0">
+              <a:lnSpc>
+                <a:spcPct val="100000"/>
+              </a:lnSpc>
+              <a:spcBef>
+                <a:spcPts val="0"/>
+              </a:spcBef>
+              <a:spcAft>
+                <a:spcPts val="0"/>
+              </a:spcAft>
               <a:buClr>
                 <a:srgbClr val="336699"/>
               </a:buClr>
               <a:buSzPct val="25000"/>
-              <a:buFont typeface="Courier New" panose="02070309020205020404" pitchFamily="49" charset="0"/>
+              <a:buFont typeface="Courier New"/>
               <a:buChar char="o"/>
             </a:pPr>
             <a:r>
-              <a:rPr lang="en-US" sz="3600" dirty="0">
+              <a:rPr lang="en-US" sz="3600" b="0" i="0" u="none" strike="noStrike" cap="none">
                 <a:solidFill>
                   <a:srgbClr val="336699"/>
                 </a:solidFill>
+                <a:latin typeface="Arial"/>
+                <a:ea typeface="Arial"/>
+                <a:cs typeface="Arial"/>
+                <a:sym typeface="Arial"/>
               </a:rPr>
               <a:t>Use inputs from users to create trips and routing algorithms to determinate the paths to be displayed on the maps. </a:t>
             </a:r>
-            <a:endParaRPr sz="3600" b="1" i="0" u="none" strike="noStrike" cap="none" dirty="0">
-              <a:solidFill>
-                <a:srgbClr val="336699"/>
-              </a:solidFill>
-              <a:sym typeface="Arial"/>
-            </a:endParaRPr>
           </a:p>
         </p:txBody>
       </p:sp>
@@ -18006,11 +18032,10 @@
               <a:buClr>
                 <a:srgbClr val="333399"/>
               </a:buClr>
-              <a:buSzPct val="25000"/>
               <a:buFont typeface="Arial"/>
               <a:buNone/>
             </a:pPr>
-            <a:endParaRPr lang="en-US" sz="8400" b="0" i="0" u="none" strike="noStrike" cap="none" dirty="0">
+            <a:endParaRPr sz="8400" b="0" i="0" u="none" strike="noStrike" cap="none">
               <a:solidFill>
                 <a:srgbClr val="333399"/>
               </a:solidFill>
@@ -18060,11 +18085,10 @@
               <a:buClr>
                 <a:srgbClr val="333399"/>
               </a:buClr>
-              <a:buSzPct val="25000"/>
               <a:buFont typeface="Arial"/>
               <a:buNone/>
             </a:pPr>
-            <a:endParaRPr lang="en-US" sz="8400" b="0" i="0" u="none" strike="noStrike" cap="none" dirty="0">
+            <a:endParaRPr sz="8400" b="0" i="0" u="none" strike="noStrike" cap="none">
               <a:solidFill>
                 <a:srgbClr val="333399"/>
               </a:solidFill>
@@ -18084,8 +18108,8 @@
         </p:nvSpPr>
         <p:spPr>
           <a:xfrm>
-            <a:off x="11706700" y="5720131"/>
-            <a:ext cx="10452275" cy="7080412"/>
+            <a:off x="11706700" y="5720130"/>
+            <a:ext cx="10452275" cy="7080411"/>
           </a:xfrm>
           <a:prstGeom prst="rect">
             <a:avLst/>
@@ -18127,7 +18151,7 @@
               <a:buNone/>
             </a:pPr>
             <a:r>
-              <a:rPr lang="en-US" sz="4100" b="1" i="0" u="none" strike="noStrike" cap="none" dirty="0">
+              <a:rPr lang="en-US" sz="4100" b="1" i="0" u="none" strike="noStrike" cap="none">
                 <a:solidFill>
                   <a:srgbClr val="336699"/>
                 </a:solidFill>
@@ -18153,14 +18177,19 @@
               <a:buClr>
                 <a:srgbClr val="336699"/>
               </a:buClr>
-              <a:buFont typeface="Arial" panose="020B0604020202020204" pitchFamily="34" charset="0"/>
+              <a:buSzPct val="100000"/>
+              <a:buFont typeface="Arial"/>
               <a:buChar char="•"/>
             </a:pPr>
             <a:r>
-              <a:rPr lang="en-US" sz="3800" dirty="0">
+              <a:rPr lang="en-US" sz="3800" b="0" i="0" u="none" strike="noStrike" cap="none">
                 <a:solidFill>
                   <a:srgbClr val="336699"/>
                 </a:solidFill>
+                <a:latin typeface="Arial"/>
+                <a:ea typeface="Arial"/>
+                <a:cs typeface="Arial"/>
+                <a:sym typeface="Arial"/>
               </a:rPr>
               <a:t>A modern and high tech application to run routing algorithms</a:t>
             </a:r>
@@ -18179,31 +18208,22 @@
               <a:buClr>
                 <a:srgbClr val="336699"/>
               </a:buClr>
-              <a:buFont typeface="Arial" panose="020B0604020202020204" pitchFamily="34" charset="0"/>
+              <a:buSzPct val="100000"/>
+              <a:buFont typeface="Arial"/>
               <a:buChar char="•"/>
             </a:pPr>
             <a:r>
-              <a:rPr lang="en-US" sz="3800" dirty="0">
+              <a:rPr lang="en-US" sz="3800" b="0" i="0" u="none" strike="noStrike" cap="none">
                 <a:solidFill>
                   <a:srgbClr val="336699"/>
                 </a:solidFill>
+                <a:latin typeface="Arial"/>
+                <a:ea typeface="Arial"/>
+                <a:cs typeface="Arial"/>
+                <a:sym typeface="Arial"/>
               </a:rPr>
-              <a:t>An effective and user friendly way to show and demonstrate the effectiveness of those </a:t>
+              <a:t>An effective and user friendly way to show and demonstrate the effectiveness of those routing algorithms.</a:t>
             </a:r>
-            <a:r>
-              <a:rPr lang="en-US" sz="3800">
-                <a:solidFill>
-                  <a:srgbClr val="336699"/>
-                </a:solidFill>
-              </a:rPr>
-              <a:t>routing algorithms.</a:t>
-            </a:r>
-            <a:endParaRPr sz="3800" b="0" i="0" u="none" strike="noStrike" cap="none" dirty="0">
-              <a:solidFill>
-                <a:srgbClr val="336699"/>
-              </a:solidFill>
-              <a:sym typeface="Arial"/>
-            </a:endParaRPr>
           </a:p>
           <a:p>
             <a:pPr marL="571500" marR="0" lvl="0" indent="-571500" algn="l" rtl="0">
@@ -18219,14 +18239,19 @@
               <a:buClr>
                 <a:srgbClr val="336699"/>
               </a:buClr>
-              <a:buFont typeface="Arial" panose="020B0604020202020204" pitchFamily="34" charset="0"/>
+              <a:buSzPct val="100000"/>
+              <a:buFont typeface="Arial"/>
               <a:buChar char="•"/>
             </a:pPr>
             <a:r>
-              <a:rPr lang="en-US" sz="3800" dirty="0">
+              <a:rPr lang="en-US" sz="3800" b="0" i="0" u="none" strike="noStrike" cap="none">
                 <a:solidFill>
                   <a:srgbClr val="336699"/>
                 </a:solidFill>
+                <a:latin typeface="Arial"/>
+                <a:ea typeface="Arial"/>
+                <a:cs typeface="Arial"/>
+                <a:sym typeface="Arial"/>
               </a:rPr>
               <a:t>Display two maps, one to run and show google map routing algorithm and one to show oblivious algorithms. Allowing the user to compare between them.</a:t>
             </a:r>
@@ -18245,24 +18270,22 @@
               <a:buClr>
                 <a:srgbClr val="336699"/>
               </a:buClr>
-              <a:buFont typeface="Arial" panose="020B0604020202020204" pitchFamily="34" charset="0"/>
+              <a:buSzPct val="100000"/>
+              <a:buFont typeface="Arial"/>
               <a:buChar char="•"/>
             </a:pPr>
             <a:r>
-              <a:rPr lang="en-US" sz="3800" b="0" i="0" u="none" strike="noStrike" cap="none" dirty="0">
+              <a:rPr lang="en-US" sz="3800" b="0" i="0" u="none" strike="noStrike" cap="none">
                 <a:solidFill>
                   <a:srgbClr val="336699"/>
                 </a:solidFill>
+                <a:latin typeface="Arial"/>
+                <a:ea typeface="Arial"/>
+                <a:cs typeface="Arial"/>
                 <a:sym typeface="Arial"/>
               </a:rPr>
               <a:t>Use google mapping. More clean and complete mapping service.</a:t>
             </a:r>
-            <a:endParaRPr sz="3800" b="0" i="0" u="none" strike="noStrike" cap="none" dirty="0">
-              <a:solidFill>
-                <a:srgbClr val="336699"/>
-              </a:solidFill>
-              <a:sym typeface="Arial"/>
-            </a:endParaRPr>
           </a:p>
         </p:txBody>
       </p:sp>
@@ -18275,7 +18298,7 @@
         <p:spPr>
           <a:xfrm>
             <a:off x="6343000" y="41615475"/>
-            <a:ext cx="25737000" cy="1356600"/>
+            <a:ext cx="25737001" cy="1356599"/>
           </a:xfrm>
           <a:prstGeom prst="rect">
             <a:avLst/>
@@ -18297,106 +18320,47 @@
           </a:bodyPr>
           <a:lstStyle/>
           <a:p>
-            <a:pPr>
+            <a:pPr marL="0" marR="0" lvl="0" indent="0" algn="l" rtl="0">
+              <a:lnSpc>
+                <a:spcPct val="100000"/>
+              </a:lnSpc>
+              <a:spcBef>
+                <a:spcPts val="0"/>
+              </a:spcBef>
+              <a:spcAft>
+                <a:spcPts val="0"/>
+              </a:spcAft>
               <a:buClr>
                 <a:schemeClr val="dk1"/>
               </a:buClr>
               <a:buSzPct val="25000"/>
+              <a:buFont typeface="Arial"/>
+              <a:buNone/>
             </a:pPr>
             <a:r>
-              <a:rPr lang="en-US" sz="3000" dirty="0">
-                <a:solidFill>
-                  <a:schemeClr val="dk1"/>
-                </a:solidFill>
+              <a:rPr lang="en-US" sz="3000" b="0" i="0" u="none" strike="noStrike" cap="none">
+                <a:solidFill>
+                  <a:schemeClr val="dk1"/>
+                </a:solidFill>
+                <a:latin typeface="Arial"/>
+                <a:ea typeface="Arial"/>
+                <a:cs typeface="Arial"/>
+                <a:sym typeface="Arial"/>
               </a:rPr>
-              <a:t>The material presented in this poster is based upon the work supported by Rolando </a:t>
-            </a:r>
-            <a:r>
-              <a:rPr lang="en-US" sz="3000" dirty="0" err="1">
-                <a:solidFill>
-                  <a:schemeClr val="dk1"/>
-                </a:solidFill>
-              </a:rPr>
-              <a:t>Carralero</a:t>
-            </a:r>
-            <a:r>
-              <a:rPr lang="en-US" sz="3000" dirty="0">
-                <a:solidFill>
-                  <a:schemeClr val="dk1"/>
-                </a:solidFill>
-              </a:rPr>
-              <a:t>. I am thankful to the help that I received from my group member Matthew Thompson, mentors </a:t>
-            </a:r>
-            <a:r>
-              <a:rPr lang="en-US" sz="3000" dirty="0" err="1">
-                <a:solidFill>
-                  <a:schemeClr val="dk1"/>
-                </a:solidFill>
-              </a:rPr>
-              <a:t>Kianoosh</a:t>
-            </a:r>
-            <a:r>
-              <a:rPr lang="en-US" sz="3000" dirty="0">
-                <a:solidFill>
-                  <a:schemeClr val="dk1"/>
-                </a:solidFill>
-              </a:rPr>
-              <a:t> G. </a:t>
-            </a:r>
-            <a:r>
-              <a:rPr lang="en-US" sz="3000" dirty="0" err="1">
-                <a:solidFill>
-                  <a:schemeClr val="dk1"/>
-                </a:solidFill>
-              </a:rPr>
-              <a:t>Boroojeni,and</a:t>
-            </a:r>
-            <a:r>
-              <a:rPr lang="en-US" sz="3000" dirty="0">
-                <a:solidFill>
-                  <a:schemeClr val="dk1"/>
-                </a:solidFill>
-              </a:rPr>
-              <a:t> our instructor </a:t>
-            </a:r>
-            <a:r>
-              <a:rPr lang="en-US" sz="3000" dirty="0" err="1">
-                <a:solidFill>
-                  <a:schemeClr val="dk1"/>
-                </a:solidFill>
-              </a:rPr>
-              <a:t>Masoud</a:t>
-            </a:r>
-            <a:r>
-              <a:rPr lang="en-US" sz="3000" dirty="0">
-                <a:solidFill>
-                  <a:schemeClr val="dk1"/>
-                </a:solidFill>
-              </a:rPr>
-              <a:t> </a:t>
-            </a:r>
-            <a:r>
-              <a:rPr lang="en-US" sz="3000" dirty="0" err="1">
-                <a:solidFill>
-                  <a:schemeClr val="dk1"/>
-                </a:solidFill>
-              </a:rPr>
-              <a:t>Sadjadi</a:t>
-            </a:r>
-            <a:r>
-              <a:rPr lang="en-US" sz="3000" dirty="0">
-                <a:solidFill>
-                  <a:schemeClr val="dk1"/>
-                </a:solidFill>
-              </a:rPr>
-              <a:t>.</a:t>
+              <a:t>The material presented in this poster is based upon the work supported by Rolando Carralero. I am thankful to the help that I received from my group member Matthew Thompson, mentors Kianoosh G. Boroojeni,and our instructor Masoud Sadjadi.</a:t>
             </a:r>
           </a:p>
           <a:p>
-            <a:pPr marL="0" lvl="0" indent="0" algn="l" rtl="0">
-              <a:spcBef>
-                <a:spcPts val="0"/>
-              </a:spcBef>
+            <a:pPr marL="0" marR="0" lvl="0" indent="0" algn="l" rtl="0">
+              <a:lnSpc>
+                <a:spcPct val="100000"/>
+              </a:lnSpc>
+              <a:spcBef>
+                <a:spcPts val="0"/>
+              </a:spcBef>
+              <a:spcAft>
+                <a:spcPts val="0"/>
+              </a:spcAft>
               <a:buClr>
                 <a:schemeClr val="dk1"/>
               </a:buClr>
@@ -18405,43 +18369,64 @@
               <a:buNone/>
             </a:pPr>
             <a:r>
-              <a:rPr lang="en-US" sz="3000" dirty="0">
-                <a:solidFill>
-                  <a:schemeClr val="dk1"/>
-                </a:solidFill>
+              <a:rPr lang="en-US" sz="3000" b="0" i="0" u="none" strike="noStrike" cap="none">
+                <a:solidFill>
+                  <a:schemeClr val="dk1"/>
+                </a:solidFill>
+                <a:latin typeface="Arial"/>
+                <a:ea typeface="Arial"/>
+                <a:cs typeface="Arial"/>
+                <a:sym typeface="Arial"/>
               </a:rPr>
               <a:t> .</a:t>
             </a:r>
           </a:p>
           <a:p>
-            <a:pPr lvl="0">
-              <a:spcBef>
-                <a:spcPts val="0"/>
-              </a:spcBef>
+            <a:pPr marL="0" marR="0" lvl="0" indent="0" algn="l" rtl="0">
+              <a:lnSpc>
+                <a:spcPct val="100000"/>
+              </a:lnSpc>
+              <a:spcBef>
+                <a:spcPts val="0"/>
+              </a:spcBef>
+              <a:spcAft>
+                <a:spcPts val="0"/>
+              </a:spcAft>
+              <a:buClr>
+                <a:srgbClr val="000000"/>
+              </a:buClr>
+              <a:buFont typeface="Arial"/>
               <a:buNone/>
             </a:pPr>
-            <a:endParaRPr dirty="0"/>
+            <a:endParaRPr sz="1400" b="0" i="0" u="none" strike="noStrike" cap="none">
+              <a:solidFill>
+                <a:srgbClr val="000000"/>
+              </a:solidFill>
+              <a:latin typeface="Arial"/>
+              <a:ea typeface="Arial"/>
+              <a:cs typeface="Arial"/>
+              <a:sym typeface="Arial"/>
+            </a:endParaRPr>
           </a:p>
         </p:txBody>
       </p:sp>
       <p:pic>
         <p:nvPicPr>
-          <p:cNvPr id="21" name="Shape 110" descr="120575577936_af066a94f753f6b4bdb3_512.png"/>
+          <p:cNvPr id="108" name="Shape 108" descr="120575577936_af066a94f753f6b4bdb3_512.png"/>
           <p:cNvPicPr preferRelativeResize="0"/>
           <p:nvPr/>
         </p:nvPicPr>
-        <p:blipFill>
+        <p:blipFill rotWithShape="1">
           <a:blip r:embed="rId4">
             <a:alphaModFix/>
           </a:blip>
-          <a:stretch>
-            <a:fillRect/>
-          </a:stretch>
+          <a:srcRect/>
+          <a:stretch/>
         </p:blipFill>
         <p:spPr>
           <a:xfrm>
             <a:off x="962175" y="2886900"/>
-            <a:ext cx="2051306" cy="1938575"/>
+            <a:ext cx="2051306" cy="1938574"/>
           </a:xfrm>
           <a:prstGeom prst="rect">
             <a:avLst/>
@@ -18454,22 +18439,21 @@
       </p:pic>
       <p:pic>
         <p:nvPicPr>
-          <p:cNvPr id="22" name="Shape 124" descr="unnamed.png"/>
+          <p:cNvPr id="109" name="Shape 109" descr="unnamed.png"/>
           <p:cNvPicPr preferRelativeResize="0"/>
           <p:nvPr/>
         </p:nvPicPr>
-        <p:blipFill>
+        <p:blipFill rotWithShape="1">
           <a:blip r:embed="rId5">
             <a:alphaModFix/>
           </a:blip>
-          <a:stretch>
-            <a:fillRect/>
-          </a:stretch>
+          <a:srcRect/>
+          <a:stretch/>
         </p:blipFill>
         <p:spPr>
           <a:xfrm>
-            <a:off x="1265210" y="8087"/>
-            <a:ext cx="2857500" cy="2857500"/>
+            <a:off x="1265209" y="8087"/>
+            <a:ext cx="2857499" cy="2857499"/>
           </a:xfrm>
           <a:prstGeom prst="rect">
             <a:avLst/>
@@ -18482,22 +18466,21 @@
       </p:pic>
       <p:pic>
         <p:nvPicPr>
-          <p:cNvPr id="23" name="Shape 108" descr="HJC.png"/>
+          <p:cNvPr id="110" name="Shape 110" descr="HJC.png"/>
           <p:cNvPicPr preferRelativeResize="0"/>
           <p:nvPr/>
         </p:nvPicPr>
-        <p:blipFill>
+        <p:blipFill rotWithShape="1">
           <a:blip r:embed="rId6">
             <a:alphaModFix/>
           </a:blip>
-          <a:stretch>
-            <a:fillRect/>
-          </a:stretch>
+          <a:srcRect/>
+          <a:stretch/>
         </p:blipFill>
         <p:spPr>
           <a:xfrm>
             <a:off x="25468123" y="548135"/>
-            <a:ext cx="4500600" cy="1983828"/>
+            <a:ext cx="4500600" cy="1983827"/>
           </a:xfrm>
           <a:prstGeom prst="rect">
             <a:avLst/>
@@ -18510,22 +18493,21 @@
       </p:pic>
       <p:pic>
         <p:nvPicPr>
-          <p:cNvPr id="24" name="Shape 111" descr="github-logo.jpg"/>
+          <p:cNvPr id="111" name="Shape 111" descr="github-logo.jpg"/>
           <p:cNvPicPr preferRelativeResize="0"/>
           <p:nvPr/>
         </p:nvPicPr>
-        <p:blipFill>
+        <p:blipFill rotWithShape="1">
           <a:blip r:embed="rId7">
             <a:alphaModFix/>
           </a:blip>
-          <a:stretch>
-            <a:fillRect/>
-          </a:stretch>
+          <a:srcRect/>
+          <a:stretch/>
         </p:blipFill>
         <p:spPr>
           <a:xfrm>
-            <a:off x="29066605" y="2702125"/>
-            <a:ext cx="1965476" cy="2286000"/>
+            <a:off x="29066606" y="2702125"/>
+            <a:ext cx="1965475" cy="2286000"/>
           </a:xfrm>
           <a:prstGeom prst="rect">
             <a:avLst/>
@@ -18538,41 +18520,43 @@
       </p:pic>
       <p:pic>
         <p:nvPicPr>
-          <p:cNvPr id="3" name="Picture 2"/>
-          <p:cNvPicPr>
-            <a:picLocks noChangeAspect="1"/>
-          </p:cNvPicPr>
+          <p:cNvPr id="112" name="Shape 112"/>
+          <p:cNvPicPr preferRelativeResize="0"/>
           <p:nvPr/>
         </p:nvPicPr>
-        <p:blipFill>
-          <a:blip r:embed="rId8"/>
-          <a:stretch>
-            <a:fillRect/>
-          </a:stretch>
+        <p:blipFill rotWithShape="1">
+          <a:blip r:embed="rId8">
+            <a:alphaModFix/>
+          </a:blip>
+          <a:srcRect/>
+          <a:stretch/>
         </p:blipFill>
         <p:spPr>
           <a:xfrm>
-            <a:off x="25518696" y="2365284"/>
+            <a:off x="25518695" y="2365283"/>
             <a:ext cx="3177663" cy="3177663"/>
           </a:xfrm>
           <a:prstGeom prst="rect">
             <a:avLst/>
           </a:prstGeom>
+          <a:noFill/>
+          <a:ln>
+            <a:noFill/>
+          </a:ln>
         </p:spPr>
       </p:pic>
       <p:pic>
         <p:nvPicPr>
-          <p:cNvPr id="5" name="Picture 4"/>
-          <p:cNvPicPr>
-            <a:picLocks noChangeAspect="1"/>
-          </p:cNvPicPr>
+          <p:cNvPr id="113" name="Shape 113"/>
+          <p:cNvPicPr preferRelativeResize="0"/>
           <p:nvPr/>
         </p:nvPicPr>
-        <p:blipFill>
-          <a:blip r:embed="rId9"/>
-          <a:stretch>
-            <a:fillRect/>
-          </a:stretch>
+        <p:blipFill rotWithShape="1">
+          <a:blip r:embed="rId9">
+            <a:alphaModFix/>
+          </a:blip>
+          <a:srcRect/>
+          <a:stretch/>
         </p:blipFill>
         <p:spPr>
           <a:xfrm>
@@ -18582,104 +18566,116 @@
           <a:prstGeom prst="rect">
             <a:avLst/>
           </a:prstGeom>
+          <a:noFill/>
+          <a:ln>
+            <a:noFill/>
+          </a:ln>
         </p:spPr>
       </p:pic>
       <p:pic>
         <p:nvPicPr>
-          <p:cNvPr id="7" name="Picture 6"/>
-          <p:cNvPicPr>
-            <a:picLocks noChangeAspect="1"/>
-          </p:cNvPicPr>
+          <p:cNvPr id="114" name="Shape 114"/>
+          <p:cNvPicPr preferRelativeResize="0"/>
           <p:nvPr/>
         </p:nvPicPr>
-        <p:blipFill>
-          <a:blip r:embed="rId10"/>
-          <a:stretch>
-            <a:fillRect/>
-          </a:stretch>
+        <p:blipFill rotWithShape="1">
+          <a:blip r:embed="rId10">
+            <a:alphaModFix/>
+          </a:blip>
+          <a:srcRect/>
+          <a:stretch/>
         </p:blipFill>
         <p:spPr>
           <a:xfrm>
-            <a:off x="4220783" y="3067665"/>
+            <a:off x="4220782" y="3067665"/>
             <a:ext cx="1920460" cy="1920460"/>
           </a:xfrm>
           <a:prstGeom prst="rect">
             <a:avLst/>
           </a:prstGeom>
+          <a:noFill/>
+          <a:ln>
+            <a:noFill/>
+          </a:ln>
         </p:spPr>
       </p:pic>
       <p:graphicFrame>
         <p:nvGraphicFramePr>
-          <p:cNvPr id="6" name="Table 5"/>
-          <p:cNvGraphicFramePr>
-            <a:graphicFrameLocks noGrp="1"/>
-          </p:cNvGraphicFramePr>
-          <p:nvPr>
-            <p:extLst>
-              <p:ext uri="{D42A27DB-BD31-4B8C-83A1-F6EECF244321}">
-                <p14:modId xmlns:p14="http://schemas.microsoft.com/office/powerpoint/2010/main" val="3577880109"/>
-              </p:ext>
-            </p:extLst>
-          </p:nvPr>
+          <p:cNvPr id="115" name="Shape 115"/>
+          <p:cNvGraphicFramePr/>
+          <p:nvPr/>
         </p:nvGraphicFramePr>
         <p:xfrm>
-          <a:off x="2020889" y="32210477"/>
-          <a:ext cx="8731044" cy="3755147"/>
+          <a:off x="2020889" y="32210478"/>
+          <a:ext cx="8731050" cy="3755100"/>
         </p:xfrm>
         <a:graphic>
           <a:graphicData uri="http://schemas.openxmlformats.org/drawingml/2006/table">
             <a:tbl>
-              <a:tblPr/>
+              <a:tblPr>
+                <a:noFill/>
+                <a:tableStyleId>{C842E925-5CF8-4126-9E35-5EE09F5F9F2F}</a:tableStyleId>
+              </a:tblPr>
               <a:tblGrid>
-                <a:gridCol w="8731044">
+                <a:gridCol w="8731050">
                   <a:extLst>
                     <a:ext uri="{9D8B030D-6E8A-4147-A177-3AD203B41FA5}">
-                      <a16:colId xmlns:a16="http://schemas.microsoft.com/office/drawing/2014/main" val="490078709"/>
+                      <a16:colId xmlns:a16="http://schemas.microsoft.com/office/drawing/2014/main" val="20000"/>
                     </a:ext>
                   </a:extLst>
                 </a:gridCol>
               </a:tblGrid>
-              <a:tr h="306155">
+              <a:tr h="306150">
                 <a:tc>
                   <a:txBody>
                     <a:bodyPr/>
                     <a:lstStyle/>
                     <a:p>
-                      <a:pPr rtl="0" fontAlgn="t">
+                      <a:pPr marL="0" marR="0" lvl="0" indent="0" algn="l" rtl="0">
+                        <a:lnSpc>
+                          <a:spcPct val="100000"/>
+                        </a:lnSpc>
                         <a:spcBef>
-                          <a:spcPts val="400"/>
+                          <a:spcPts val="0"/>
                         </a:spcBef>
                         <a:spcAft>
                           <a:spcPts val="0"/>
                         </a:spcAft>
+                        <a:buClr>
+                          <a:srgbClr val="000000"/>
+                        </a:buClr>
+                        <a:buSzPct val="25000"/>
+                        <a:buFont typeface="Arial"/>
+                        <a:buNone/>
                       </a:pPr>
                       <a:r>
-                        <a:rPr lang="en-US" sz="1050" b="1" i="0" u="none" strike="noStrike">
+                        <a:rPr lang="en-US" sz="1050" b="1" i="0" u="none" strike="noStrike" cap="none">
                           <a:solidFill>
                             <a:srgbClr val="000000"/>
                           </a:solidFill>
-                          <a:effectLst/>
-                          <a:latin typeface="Arial" panose="020B0604020202020204" pitchFamily="34" charset="0"/>
+                          <a:latin typeface="Arial"/>
+                          <a:ea typeface="Arial"/>
+                          <a:cs typeface="Arial"/>
+                          <a:sym typeface="Arial"/>
                         </a:rPr>
                         <a:t>Test case ID: </a:t>
                       </a:r>
                       <a:r>
-                        <a:rPr lang="en-US" sz="1050" b="0" i="0" u="none" strike="noStrike">
+                        <a:rPr lang="en-US" sz="1050" b="0" i="0" u="none" strike="noStrike" cap="none">
                           <a:solidFill>
                             <a:srgbClr val="000000"/>
                           </a:solidFill>
-                          <a:effectLst/>
-                          <a:latin typeface="Arial" panose="020B0604020202020204" pitchFamily="34" charset="0"/>
+                          <a:latin typeface="Arial"/>
+                          <a:ea typeface="Arial"/>
+                          <a:cs typeface="Arial"/>
+                          <a:sym typeface="Arial"/>
                         </a:rPr>
                         <a:t>Add_Trip_005</a:t>
                       </a:r>
-                      <a:endParaRPr lang="en-US">
-                        <a:effectLst/>
-                      </a:endParaRPr>
                     </a:p>
                   </a:txBody>
                   <a:tcPr marL="63500" marR="63500" marT="63500" marB="63500">
-                    <a:lnL w="12700" cap="flat" cmpd="sng" algn="ctr">
+                    <a:lnL w="12700" cap="flat" cmpd="sng">
                       <a:solidFill>
                         <a:srgbClr val="000000"/>
                       </a:solidFill>
@@ -18688,7 +18684,7 @@
                       <a:headEnd type="none" w="med" len="med"/>
                       <a:tailEnd type="none" w="med" len="med"/>
                     </a:lnL>
-                    <a:lnR w="12700" cap="flat" cmpd="sng" algn="ctr">
+                    <a:lnR w="12700" cap="flat" cmpd="sng">
                       <a:solidFill>
                         <a:srgbClr val="000000"/>
                       </a:solidFill>
@@ -18697,7 +18693,7 @@
                       <a:headEnd type="none" w="med" len="med"/>
                       <a:tailEnd type="none" w="med" len="med"/>
                     </a:lnR>
-                    <a:lnT w="12700" cap="flat" cmpd="sng" algn="ctr">
+                    <a:lnT w="12700" cap="flat" cmpd="sng">
                       <a:solidFill>
                         <a:srgbClr val="000000"/>
                       </a:solidFill>
@@ -18706,7 +18702,7 @@
                       <a:headEnd type="none" w="med" len="med"/>
                       <a:tailEnd type="none" w="med" len="med"/>
                     </a:lnT>
-                    <a:lnB w="12700" cap="flat" cmpd="sng" algn="ctr">
+                    <a:lnB w="12700" cap="flat" cmpd="sng">
                       <a:solidFill>
                         <a:srgbClr val="000000"/>
                       </a:solidFill>
@@ -18719,80 +18715,92 @@
                 </a:tc>
                 <a:extLst>
                   <a:ext uri="{0D108BD9-81ED-4DB2-BD59-A6C34878D82A}">
-                    <a16:rowId xmlns:a16="http://schemas.microsoft.com/office/drawing/2014/main" val="1748578979"/>
+                    <a16:rowId xmlns:a16="http://schemas.microsoft.com/office/drawing/2014/main" val="10000"/>
                   </a:ext>
                 </a:extLst>
               </a:tr>
-              <a:tr h="785710">
+              <a:tr h="785700">
                 <a:tc>
                   <a:txBody>
                     <a:bodyPr/>
                     <a:lstStyle/>
                     <a:p>
-                      <a:pPr rtl="0" fontAlgn="t">
+                      <a:pPr marL="0" marR="0" lvl="0" indent="0" algn="l" rtl="0">
+                        <a:lnSpc>
+                          <a:spcPct val="100000"/>
+                        </a:lnSpc>
+                        <a:spcBef>
+                          <a:spcPts val="0"/>
+                        </a:spcBef>
+                        <a:spcAft>
+                          <a:spcPts val="0"/>
+                        </a:spcAft>
+                        <a:buClr>
+                          <a:srgbClr val="000000"/>
+                        </a:buClr>
+                        <a:buSzPct val="25000"/>
+                        <a:buFont typeface="Arial"/>
+                        <a:buNone/>
+                      </a:pPr>
+                      <a:r>
+                        <a:rPr lang="en-US" sz="1050" b="1" i="0" u="none" strike="noStrike" cap="none">
+                          <a:solidFill>
+                            <a:srgbClr val="000000"/>
+                          </a:solidFill>
+                          <a:latin typeface="Arial"/>
+                          <a:ea typeface="Arial"/>
+                          <a:cs typeface="Arial"/>
+                          <a:sym typeface="Arial"/>
+                        </a:rPr>
+                        <a:t>Description/Summary of Test:</a:t>
+                      </a:r>
+                    </a:p>
+                    <a:p>
+                      <a:pPr marL="0" marR="0" lvl="0" indent="0" algn="l" rtl="0">
+                        <a:lnSpc>
+                          <a:spcPct val="100000"/>
+                        </a:lnSpc>
                         <a:spcBef>
                           <a:spcPts val="400"/>
                         </a:spcBef>
                         <a:spcAft>
                           <a:spcPts val="0"/>
                         </a:spcAft>
+                        <a:buClr>
+                          <a:srgbClr val="000000"/>
+                        </a:buClr>
+                        <a:buSzPct val="95454"/>
+                        <a:buFont typeface="Arial"/>
+                        <a:buChar char="•"/>
                       </a:pPr>
                       <a:r>
-                        <a:rPr lang="en-US" sz="1050" b="1" i="0" u="none" strike="noStrike">
+                        <a:rPr lang="en-US" sz="1050" b="1" i="0" u="none" strike="noStrike" cap="none">
                           <a:solidFill>
                             <a:srgbClr val="000000"/>
                           </a:solidFill>
-                          <a:effectLst/>
-                          <a:latin typeface="Arial" panose="020B0604020202020204" pitchFamily="34" charset="0"/>
-                        </a:rPr>
-                        <a:t>Description/Summary of Test:</a:t>
-                      </a:r>
-                      <a:endParaRPr lang="en-US">
-                        <a:effectLst/>
-                      </a:endParaRPr>
-                    </a:p>
-                    <a:p>
-                      <a:pPr rtl="0" fontAlgn="base">
-                        <a:spcBef>
-                          <a:spcPts val="400"/>
-                        </a:spcBef>
-                        <a:spcAft>
-                          <a:spcPts val="0"/>
-                        </a:spcAft>
-                        <a:buFont typeface="Arial" panose="020B0604020202020204" pitchFamily="34" charset="0"/>
-                        <a:buChar char="•"/>
-                      </a:pPr>
-                      <a:r>
-                        <a:rPr lang="en-US" sz="1050" b="1" i="0" u="none" strike="noStrike">
-                          <a:solidFill>
-                            <a:srgbClr val="000000"/>
-                          </a:solidFill>
-                          <a:effectLst/>
-                          <a:latin typeface="Arial" panose="020B0604020202020204" pitchFamily="34" charset="0"/>
+                          <a:latin typeface="Arial"/>
+                          <a:ea typeface="Arial"/>
+                          <a:cs typeface="Arial"/>
+                          <a:sym typeface="Arial"/>
                         </a:rPr>
                         <a:t> </a:t>
                       </a:r>
                       <a:r>
-                        <a:rPr lang="en-US" sz="1050" b="0" i="0" u="none" strike="noStrike">
+                        <a:rPr lang="en-US" sz="1050" b="0" i="0" u="none" strike="noStrike" cap="none">
                           <a:solidFill>
                             <a:srgbClr val="000000"/>
                           </a:solidFill>
-                          <a:effectLst/>
-                          <a:latin typeface="Arial" panose="020B0604020202020204" pitchFamily="34" charset="0"/>
+                          <a:latin typeface="Arial"/>
+                          <a:ea typeface="Arial"/>
+                          <a:cs typeface="Arial"/>
+                          <a:sym typeface="Arial"/>
                         </a:rPr>
                         <a:t>A user enters valid values into the three input fields and selects the add trip button</a:t>
                       </a:r>
-                      <a:endParaRPr lang="en-US" sz="1050" b="1" i="0" u="none" strike="noStrike">
-                        <a:solidFill>
-                          <a:srgbClr val="000000"/>
-                        </a:solidFill>
-                        <a:effectLst/>
-                        <a:latin typeface="Arial" panose="020B0604020202020204" pitchFamily="34" charset="0"/>
-                      </a:endParaRPr>
                     </a:p>
                   </a:txBody>
                   <a:tcPr marL="63500" marR="63500" marT="63500" marB="63500">
-                    <a:lnL w="12700" cap="flat" cmpd="sng" algn="ctr">
+                    <a:lnL w="12700" cap="flat" cmpd="sng">
                       <a:solidFill>
                         <a:srgbClr val="000000"/>
                       </a:solidFill>
@@ -18801,7 +18809,7 @@
                       <a:headEnd type="none" w="med" len="med"/>
                       <a:tailEnd type="none" w="med" len="med"/>
                     </a:lnL>
-                    <a:lnR w="12700" cap="flat" cmpd="sng" algn="ctr">
+                    <a:lnR w="12700" cap="flat" cmpd="sng">
                       <a:solidFill>
                         <a:srgbClr val="000000"/>
                       </a:solidFill>
@@ -18810,7 +18818,7 @@
                       <a:headEnd type="none" w="med" len="med"/>
                       <a:tailEnd type="none" w="med" len="med"/>
                     </a:lnR>
-                    <a:lnT w="12700" cap="flat" cmpd="sng" algn="ctr">
+                    <a:lnT w="12700" cap="flat" cmpd="sng">
                       <a:solidFill>
                         <a:srgbClr val="000000"/>
                       </a:solidFill>
@@ -18819,7 +18827,7 @@
                       <a:headEnd type="none" w="med" len="med"/>
                       <a:tailEnd type="none" w="med" len="med"/>
                     </a:lnT>
-                    <a:lnB w="12700" cap="flat" cmpd="sng" algn="ctr">
+                    <a:lnB w="12700" cap="flat" cmpd="sng">
                       <a:solidFill>
                         <a:srgbClr val="000000"/>
                       </a:solidFill>
@@ -18832,63 +18840,80 @@
                 </a:tc>
                 <a:extLst>
                   <a:ext uri="{0D108BD9-81ED-4DB2-BD59-A6C34878D82A}">
-                    <a16:rowId xmlns:a16="http://schemas.microsoft.com/office/drawing/2014/main" val="3274642293"/>
+                    <a16:rowId xmlns:a16="http://schemas.microsoft.com/office/drawing/2014/main" val="10001"/>
                   </a:ext>
                 </a:extLst>
               </a:tr>
-              <a:tr h="799255">
+              <a:tr h="799250">
                 <a:tc>
                   <a:txBody>
                     <a:bodyPr/>
                     <a:lstStyle/>
                     <a:p>
-                      <a:pPr rtl="0" fontAlgn="t">
+                      <a:pPr marL="0" marR="0" lvl="0" indent="0" algn="l" rtl="0">
+                        <a:lnSpc>
+                          <a:spcPct val="100000"/>
+                        </a:lnSpc>
+                        <a:spcBef>
+                          <a:spcPts val="0"/>
+                        </a:spcBef>
+                        <a:spcAft>
+                          <a:spcPts val="0"/>
+                        </a:spcAft>
+                        <a:buClr>
+                          <a:srgbClr val="000000"/>
+                        </a:buClr>
+                        <a:buSzPct val="25000"/>
+                        <a:buFont typeface="Arial"/>
+                        <a:buNone/>
+                      </a:pPr>
+                      <a:r>
+                        <a:rPr lang="en-US" sz="1050" b="1" i="0" u="none" strike="noStrike" cap="none">
+                          <a:solidFill>
+                            <a:srgbClr val="000000"/>
+                          </a:solidFill>
+                          <a:latin typeface="Arial"/>
+                          <a:ea typeface="Arial"/>
+                          <a:cs typeface="Arial"/>
+                          <a:sym typeface="Arial"/>
+                        </a:rPr>
+                        <a:t>Pre-condition:</a:t>
+                      </a:r>
+                    </a:p>
+                    <a:p>
+                      <a:pPr marL="0" marR="0" lvl="0" indent="0" algn="l" rtl="0">
+                        <a:lnSpc>
+                          <a:spcPct val="100000"/>
+                        </a:lnSpc>
                         <a:spcBef>
                           <a:spcPts val="400"/>
                         </a:spcBef>
                         <a:spcAft>
                           <a:spcPts val="0"/>
                         </a:spcAft>
+                        <a:buClr>
+                          <a:srgbClr val="000000"/>
+                        </a:buClr>
+                        <a:buSzPct val="95454"/>
+                        <a:buFont typeface="Arial"/>
+                        <a:buChar char="•"/>
                       </a:pPr>
                       <a:r>
-                        <a:rPr lang="en-US" sz="1050" b="1" i="0" u="none" strike="noStrike">
+                        <a:rPr lang="en-US" sz="1050" b="0" i="0" u="none" strike="noStrike" cap="none">
                           <a:solidFill>
                             <a:srgbClr val="000000"/>
                           </a:solidFill>
-                          <a:effectLst/>
-                          <a:latin typeface="Arial" panose="020B0604020202020204" pitchFamily="34" charset="0"/>
-                        </a:rPr>
-                        <a:t>Pre-condition:</a:t>
-                      </a:r>
-                      <a:endParaRPr lang="en-US">
-                        <a:effectLst/>
-                      </a:endParaRPr>
-                    </a:p>
-                    <a:p>
-                      <a:pPr rtl="0" fontAlgn="base">
-                        <a:spcBef>
-                          <a:spcPts val="400"/>
-                        </a:spcBef>
-                        <a:spcAft>
-                          <a:spcPts val="0"/>
-                        </a:spcAft>
-                        <a:buFont typeface="Arial" panose="020B0604020202020204" pitchFamily="34" charset="0"/>
-                        <a:buChar char="•"/>
-                      </a:pPr>
-                      <a:r>
-                        <a:rPr lang="en-US" sz="1050" b="0" i="0" u="none" strike="noStrike">
-                          <a:solidFill>
-                            <a:srgbClr val="000000"/>
-                          </a:solidFill>
-                          <a:effectLst/>
-                          <a:latin typeface="Arial" panose="020B0604020202020204" pitchFamily="34" charset="0"/>
+                          <a:latin typeface="Arial"/>
+                          <a:ea typeface="Arial"/>
+                          <a:cs typeface="Arial"/>
+                          <a:sym typeface="Arial"/>
                         </a:rPr>
                         <a:t> User is at Traffic Simulator home page</a:t>
                       </a:r>
                     </a:p>
                   </a:txBody>
                   <a:tcPr marL="63500" marR="63500" marT="63500" marB="63500">
-                    <a:lnL w="12700" cap="flat" cmpd="sng" algn="ctr">
+                    <a:lnL w="12700" cap="flat" cmpd="sng">
                       <a:solidFill>
                         <a:srgbClr val="000000"/>
                       </a:solidFill>
@@ -18897,7 +18922,7 @@
                       <a:headEnd type="none" w="med" len="med"/>
                       <a:tailEnd type="none" w="med" len="med"/>
                     </a:lnL>
-                    <a:lnR w="12700" cap="flat" cmpd="sng" algn="ctr">
+                    <a:lnR w="12700" cap="flat" cmpd="sng">
                       <a:solidFill>
                         <a:srgbClr val="000000"/>
                       </a:solidFill>
@@ -18906,7 +18931,7 @@
                       <a:headEnd type="none" w="med" len="med"/>
                       <a:tailEnd type="none" w="med" len="med"/>
                     </a:lnR>
-                    <a:lnT w="12700" cap="flat" cmpd="sng" algn="ctr">
+                    <a:lnT w="12700" cap="flat" cmpd="sng">
                       <a:solidFill>
                         <a:srgbClr val="000000"/>
                       </a:solidFill>
@@ -18915,7 +18940,7 @@
                       <a:headEnd type="none" w="med" len="med"/>
                       <a:tailEnd type="none" w="med" len="med"/>
                     </a:lnT>
-                    <a:lnB w="12700" cap="flat" cmpd="sng" algn="ctr">
+                    <a:lnB w="12700" cap="flat" cmpd="sng">
                       <a:solidFill>
                         <a:srgbClr val="000000"/>
                       </a:solidFill>
@@ -18928,93 +18953,92 @@
                 </a:tc>
                 <a:extLst>
                   <a:ext uri="{0D108BD9-81ED-4DB2-BD59-A6C34878D82A}">
-                    <a16:rowId xmlns:a16="http://schemas.microsoft.com/office/drawing/2014/main" val="1727584570"/>
+                    <a16:rowId xmlns:a16="http://schemas.microsoft.com/office/drawing/2014/main" val="10002"/>
                   </a:ext>
                 </a:extLst>
               </a:tr>
-              <a:tr h="785710">
+              <a:tr h="785700">
                 <a:tc>
                   <a:txBody>
                     <a:bodyPr/>
                     <a:lstStyle/>
                     <a:p>
-                      <a:pPr rtl="0" fontAlgn="t">
+                      <a:pPr marL="0" marR="0" lvl="0" indent="0" algn="l" rtl="0">
+                        <a:lnSpc>
+                          <a:spcPct val="100000"/>
+                        </a:lnSpc>
+                        <a:spcBef>
+                          <a:spcPts val="0"/>
+                        </a:spcBef>
+                        <a:spcAft>
+                          <a:spcPts val="0"/>
+                        </a:spcAft>
+                        <a:buClr>
+                          <a:srgbClr val="000000"/>
+                        </a:buClr>
+                        <a:buSzPct val="25000"/>
+                        <a:buFont typeface="Arial"/>
+                        <a:buNone/>
+                      </a:pPr>
+                      <a:r>
+                        <a:rPr lang="en-US" sz="1050" b="1" i="0" u="none" strike="noStrike" cap="none">
+                          <a:solidFill>
+                            <a:srgbClr val="000000"/>
+                          </a:solidFill>
+                          <a:latin typeface="Arial"/>
+                          <a:ea typeface="Arial"/>
+                          <a:cs typeface="Arial"/>
+                          <a:sym typeface="Arial"/>
+                        </a:rPr>
+                        <a:t>Expected Results:</a:t>
+                      </a:r>
+                    </a:p>
+                    <a:p>
+                      <a:pPr marL="0" marR="0" lvl="0" indent="0" algn="l" rtl="0">
+                        <a:lnSpc>
+                          <a:spcPct val="100000"/>
+                        </a:lnSpc>
                         <a:spcBef>
                           <a:spcPts val="400"/>
                         </a:spcBef>
                         <a:spcAft>
                           <a:spcPts val="0"/>
                         </a:spcAft>
+                        <a:buClr>
+                          <a:srgbClr val="000000"/>
+                        </a:buClr>
+                        <a:buSzPct val="95454"/>
+                        <a:buFont typeface="Arial"/>
+                        <a:buChar char="•"/>
                       </a:pPr>
                       <a:r>
-                        <a:rPr lang="en-US" sz="1050" b="1" i="0" u="none" strike="noStrike" dirty="0">
+                        <a:rPr lang="en-US" sz="1050" b="1" i="0" u="none" strike="noStrike" cap="none">
                           <a:solidFill>
                             <a:srgbClr val="000000"/>
                           </a:solidFill>
-                          <a:effectLst/>
-                          <a:latin typeface="Arial" panose="020B0604020202020204" pitchFamily="34" charset="0"/>
-                        </a:rPr>
-                        <a:t>Expected Results:</a:t>
-                      </a:r>
-                      <a:endParaRPr lang="en-US" dirty="0">
-                        <a:effectLst/>
-                      </a:endParaRPr>
-                    </a:p>
-                    <a:p>
-                      <a:pPr rtl="0" fontAlgn="base">
-                        <a:spcBef>
-                          <a:spcPts val="400"/>
-                        </a:spcBef>
-                        <a:spcAft>
-                          <a:spcPts val="0"/>
-                        </a:spcAft>
-                        <a:buFont typeface="Arial" panose="020B0604020202020204" pitchFamily="34" charset="0"/>
-                        <a:buChar char="•"/>
-                      </a:pPr>
-                      <a:r>
-                        <a:rPr lang="en-US" sz="1050" b="1" i="0" u="none" strike="noStrike" dirty="0">
-                          <a:solidFill>
-                            <a:srgbClr val="000000"/>
-                          </a:solidFill>
-                          <a:effectLst/>
-                          <a:latin typeface="Arial" panose="020B0604020202020204" pitchFamily="34" charset="0"/>
+                          <a:latin typeface="Arial"/>
+                          <a:ea typeface="Arial"/>
+                          <a:cs typeface="Arial"/>
+                          <a:sym typeface="Arial"/>
                         </a:rPr>
                         <a:t> </a:t>
                       </a:r>
                       <a:r>
-                        <a:rPr lang="en-US" sz="1050" b="0" i="0" u="none" strike="noStrike" dirty="0">
+                        <a:rPr lang="en-US" sz="1050" b="0" i="0" u="none" strike="noStrike" cap="none">
                           <a:solidFill>
                             <a:srgbClr val="000000"/>
                           </a:solidFill>
-                          <a:effectLst/>
-                          <a:latin typeface="Arial" panose="020B0604020202020204" pitchFamily="34" charset="0"/>
+                          <a:latin typeface="Arial"/>
+                          <a:ea typeface="Arial"/>
+                          <a:cs typeface="Arial"/>
+                          <a:sym typeface="Arial"/>
                         </a:rPr>
-                        <a:t>Trip created and printed on the </a:t>
-                      </a:r>
-                      <a:r>
-                        <a:rPr lang="en-US" sz="1050" b="0" i="0" u="none" strike="noStrike" dirty="0" err="1">
-                          <a:solidFill>
-                            <a:srgbClr val="000000"/>
-                          </a:solidFill>
-                          <a:effectLst/>
-                          <a:latin typeface="Arial" panose="020B0604020202020204" pitchFamily="34" charset="0"/>
-                        </a:rPr>
-                        <a:t>textarea</a:t>
-                      </a:r>
-                      <a:r>
-                        <a:rPr lang="en-US" sz="1050" b="0" i="0" u="none" strike="noStrike" dirty="0">
-                          <a:solidFill>
-                            <a:srgbClr val="000000"/>
-                          </a:solidFill>
-                          <a:effectLst/>
-                          <a:latin typeface="Arial" panose="020B0604020202020204" pitchFamily="34" charset="0"/>
-                        </a:rPr>
-                        <a:t> with the three valid values entered by the user </a:t>
+                        <a:t>Trip created and printed on the textarea with the three valid values entered by the user </a:t>
                       </a:r>
                     </a:p>
                   </a:txBody>
                   <a:tcPr marL="63500" marR="63500" marT="63500" marB="63500">
-                    <a:lnL w="12700" cap="flat" cmpd="sng" algn="ctr">
+                    <a:lnL w="12700" cap="flat" cmpd="sng">
                       <a:solidFill>
                         <a:srgbClr val="000000"/>
                       </a:solidFill>
@@ -19023,7 +19047,7 @@
                       <a:headEnd type="none" w="med" len="med"/>
                       <a:tailEnd type="none" w="med" len="med"/>
                     </a:lnL>
-                    <a:lnR w="12700" cap="flat" cmpd="sng" algn="ctr">
+                    <a:lnR w="12700" cap="flat" cmpd="sng">
                       <a:solidFill>
                         <a:srgbClr val="000000"/>
                       </a:solidFill>
@@ -19032,7 +19056,7 @@
                       <a:headEnd type="none" w="med" len="med"/>
                       <a:tailEnd type="none" w="med" len="med"/>
                     </a:lnR>
-                    <a:lnT w="12700" cap="flat" cmpd="sng" algn="ctr">
+                    <a:lnT w="12700" cap="flat" cmpd="sng">
                       <a:solidFill>
                         <a:srgbClr val="000000"/>
                       </a:solidFill>
@@ -19041,7 +19065,7 @@
                       <a:headEnd type="none" w="med" len="med"/>
                       <a:tailEnd type="none" w="med" len="med"/>
                     </a:lnT>
-                    <a:lnB w="12700" cap="flat" cmpd="sng" algn="ctr">
+                    <a:lnB w="12700" cap="flat" cmpd="sng">
                       <a:solidFill>
                         <a:srgbClr val="000000"/>
                       </a:solidFill>
@@ -19054,73 +19078,92 @@
                 </a:tc>
                 <a:extLst>
                   <a:ext uri="{0D108BD9-81ED-4DB2-BD59-A6C34878D82A}">
-                    <a16:rowId xmlns:a16="http://schemas.microsoft.com/office/drawing/2014/main" val="2544603112"/>
+                    <a16:rowId xmlns:a16="http://schemas.microsoft.com/office/drawing/2014/main" val="10003"/>
                   </a:ext>
                 </a:extLst>
               </a:tr>
-              <a:tr h="772162">
+              <a:tr h="772150">
                 <a:tc>
                   <a:txBody>
                     <a:bodyPr/>
                     <a:lstStyle/>
                     <a:p>
-                      <a:pPr rtl="0" fontAlgn="t">
+                      <a:pPr marL="0" marR="0" lvl="0" indent="0" algn="l" rtl="0">
+                        <a:lnSpc>
+                          <a:spcPct val="100000"/>
+                        </a:lnSpc>
+                        <a:spcBef>
+                          <a:spcPts val="0"/>
+                        </a:spcBef>
+                        <a:spcAft>
+                          <a:spcPts val="0"/>
+                        </a:spcAft>
+                        <a:buClr>
+                          <a:srgbClr val="000000"/>
+                        </a:buClr>
+                        <a:buSzPct val="25000"/>
+                        <a:buFont typeface="Arial"/>
+                        <a:buNone/>
+                      </a:pPr>
+                      <a:r>
+                        <a:rPr lang="en-US" sz="1050" b="1" i="0" u="none" strike="noStrike" cap="none">
+                          <a:solidFill>
+                            <a:srgbClr val="000000"/>
+                          </a:solidFill>
+                          <a:latin typeface="Arial"/>
+                          <a:ea typeface="Arial"/>
+                          <a:cs typeface="Arial"/>
+                          <a:sym typeface="Arial"/>
+                        </a:rPr>
+                        <a:t>Actual Result:</a:t>
+                      </a:r>
+                    </a:p>
+                    <a:p>
+                      <a:pPr marL="0" marR="0" lvl="0" indent="0" algn="l" rtl="0">
+                        <a:lnSpc>
+                          <a:spcPct val="100000"/>
+                        </a:lnSpc>
                         <a:spcBef>
                           <a:spcPts val="400"/>
                         </a:spcBef>
                         <a:spcAft>
                           <a:spcPts val="0"/>
                         </a:spcAft>
+                        <a:buClr>
+                          <a:srgbClr val="000000"/>
+                        </a:buClr>
+                        <a:buSzPct val="95454"/>
+                        <a:buFont typeface="Arial"/>
+                        <a:buChar char="•"/>
                       </a:pPr>
                       <a:r>
-                        <a:rPr lang="en-US" sz="1050" b="1" i="0" u="none" strike="noStrike">
+                        <a:rPr lang="en-US" sz="1050" b="1" i="0" u="none" strike="noStrike" cap="none">
                           <a:solidFill>
                             <a:srgbClr val="000000"/>
                           </a:solidFill>
-                          <a:effectLst/>
-                          <a:latin typeface="Arial" panose="020B0604020202020204" pitchFamily="34" charset="0"/>
-                        </a:rPr>
-                        <a:t>Actual Result:</a:t>
-                      </a:r>
-                      <a:endParaRPr lang="en-US">
-                        <a:effectLst/>
-                      </a:endParaRPr>
-                    </a:p>
-                    <a:p>
-                      <a:pPr rtl="0" fontAlgn="base">
-                        <a:spcBef>
-                          <a:spcPts val="400"/>
-                        </a:spcBef>
-                        <a:spcAft>
-                          <a:spcPts val="0"/>
-                        </a:spcAft>
-                        <a:buFont typeface="Arial" panose="020B0604020202020204" pitchFamily="34" charset="0"/>
-                        <a:buChar char="•"/>
-                      </a:pPr>
-                      <a:r>
-                        <a:rPr lang="en-US" sz="1050" b="1" i="0" u="none" strike="noStrike">
-                          <a:solidFill>
-                            <a:srgbClr val="000000"/>
-                          </a:solidFill>
-                          <a:effectLst/>
-                          <a:latin typeface="Arial" panose="020B0604020202020204" pitchFamily="34" charset="0"/>
+                          <a:latin typeface="Arial"/>
+                          <a:ea typeface="Arial"/>
+                          <a:cs typeface="Arial"/>
+                          <a:sym typeface="Arial"/>
                         </a:rPr>
                         <a:t>  </a:t>
                       </a:r>
                       <a:r>
-                        <a:rPr lang="en-US" sz="1050" b="0" i="0" u="none" strike="noStrike">
+                        <a:rPr lang="en-US" sz="1050" b="0" i="0" u="none" strike="noStrike" cap="none">
                           <a:solidFill>
                             <a:srgbClr val="000000"/>
                           </a:solidFill>
-                          <a:effectLst/>
-                          <a:latin typeface="Arial" panose="020B0604020202020204" pitchFamily="34" charset="0"/>
+                          <a:latin typeface="Arial"/>
+                          <a:ea typeface="Arial"/>
+                          <a:cs typeface="Arial"/>
+                          <a:sym typeface="Arial"/>
                         </a:rPr>
                         <a:t>Trip created and printed on the textarea with the three valid values entered by the user</a:t>
                       </a:r>
                     </a:p>
                   </a:txBody>
                   <a:tcPr marL="63500" marR="63500" marT="63500" marB="63500">
-                    <a:lnL w="12700" cap="flat" cmpd="sng" algn="ctr">
+                    <a:lnL w="12700" cap="flat" cmpd="sng">
                       <a:solidFill>
                         <a:srgbClr val="000000"/>
                       </a:solidFill>
@@ -19129,7 +19172,7 @@
                       <a:headEnd type="none" w="med" len="med"/>
                       <a:tailEnd type="none" w="med" len="med"/>
                     </a:lnL>
-                    <a:lnR w="12700" cap="flat" cmpd="sng" algn="ctr">
+                    <a:lnR w="12700" cap="flat" cmpd="sng">
                       <a:solidFill>
                         <a:srgbClr val="000000"/>
                       </a:solidFill>
@@ -19138,7 +19181,7 @@
                       <a:headEnd type="none" w="med" len="med"/>
                       <a:tailEnd type="none" w="med" len="med"/>
                     </a:lnR>
-                    <a:lnT w="12700" cap="flat" cmpd="sng" algn="ctr">
+                    <a:lnT w="12700" cap="flat" cmpd="sng">
                       <a:solidFill>
                         <a:srgbClr val="000000"/>
                       </a:solidFill>
@@ -19147,7 +19190,7 @@
                       <a:headEnd type="none" w="med" len="med"/>
                       <a:tailEnd type="none" w="med" len="med"/>
                     </a:lnT>
-                    <a:lnB w="12700" cap="flat" cmpd="sng" algn="ctr">
+                    <a:lnB w="12700" cap="flat" cmpd="sng">
                       <a:solidFill>
                         <a:srgbClr val="000000"/>
                       </a:solidFill>
@@ -19160,51 +19203,61 @@
                 </a:tc>
                 <a:extLst>
                   <a:ext uri="{0D108BD9-81ED-4DB2-BD59-A6C34878D82A}">
-                    <a16:rowId xmlns:a16="http://schemas.microsoft.com/office/drawing/2014/main" val="2088887974"/>
+                    <a16:rowId xmlns:a16="http://schemas.microsoft.com/office/drawing/2014/main" val="10004"/>
                   </a:ext>
                 </a:extLst>
               </a:tr>
-              <a:tr h="306155">
+              <a:tr h="306150">
                 <a:tc>
                   <a:txBody>
                     <a:bodyPr/>
                     <a:lstStyle/>
                     <a:p>
-                      <a:pPr rtl="0" fontAlgn="t">
+                      <a:pPr marL="0" marR="0" lvl="0" indent="0" algn="l" rtl="0">
+                        <a:lnSpc>
+                          <a:spcPct val="100000"/>
+                        </a:lnSpc>
                         <a:spcBef>
-                          <a:spcPts val="400"/>
+                          <a:spcPts val="0"/>
                         </a:spcBef>
                         <a:spcAft>
                           <a:spcPts val="0"/>
                         </a:spcAft>
+                        <a:buClr>
+                          <a:srgbClr val="000000"/>
+                        </a:buClr>
+                        <a:buSzPct val="25000"/>
+                        <a:buFont typeface="Arial"/>
+                        <a:buNone/>
                       </a:pPr>
                       <a:r>
-                        <a:rPr lang="en-US" sz="1050" b="1" i="0" u="none" strike="noStrike" dirty="0">
+                        <a:rPr lang="en-US" sz="1050" b="1" i="0" u="none" strike="noStrike" cap="none">
                           <a:solidFill>
                             <a:srgbClr val="000000"/>
                           </a:solidFill>
-                          <a:effectLst/>
-                          <a:latin typeface="Arial" panose="020B0604020202020204" pitchFamily="34" charset="0"/>
+                          <a:latin typeface="Arial"/>
+                          <a:ea typeface="Arial"/>
+                          <a:cs typeface="Arial"/>
+                          <a:sym typeface="Arial"/>
                         </a:rPr>
                         <a:t>Status : </a:t>
                       </a:r>
                       <a:r>
-                        <a:rPr lang="en-US" sz="1050" b="0" i="0" u="none" strike="noStrike" dirty="0">
+                        <a:rPr lang="en-US" sz="1050" b="0" i="0" u="none" strike="noStrike" cap="none">
                           <a:solidFill>
                             <a:srgbClr val="000000"/>
                           </a:solidFill>
-                          <a:effectLst/>
-                          <a:latin typeface="Arial" panose="020B0604020202020204" pitchFamily="34" charset="0"/>
+                          <a:latin typeface="Arial"/>
+                          <a:ea typeface="Arial"/>
+                          <a:cs typeface="Arial"/>
+                          <a:sym typeface="Arial"/>
                         </a:rPr>
                         <a:t>Pass</a:t>
                       </a:r>
-                      <a:endParaRPr lang="en-US" dirty="0">
-                        <a:effectLst/>
-                      </a:endParaRPr>
                     </a:p>
                   </a:txBody>
                   <a:tcPr marL="63500" marR="63500" marT="63500" marB="63500">
-                    <a:lnL w="12700" cap="flat" cmpd="sng" algn="ctr">
+                    <a:lnL w="12700" cap="flat" cmpd="sng">
                       <a:solidFill>
                         <a:srgbClr val="000000"/>
                       </a:solidFill>
@@ -19213,7 +19266,7 @@
                       <a:headEnd type="none" w="med" len="med"/>
                       <a:tailEnd type="none" w="med" len="med"/>
                     </a:lnL>
-                    <a:lnR w="12700" cap="flat" cmpd="sng" algn="ctr">
+                    <a:lnR w="12700" cap="flat" cmpd="sng">
                       <a:solidFill>
                         <a:srgbClr val="000000"/>
                       </a:solidFill>
@@ -19222,7 +19275,7 @@
                       <a:headEnd type="none" w="med" len="med"/>
                       <a:tailEnd type="none" w="med" len="med"/>
                     </a:lnR>
-                    <a:lnT w="12700" cap="flat" cmpd="sng" algn="ctr">
+                    <a:lnT w="12700" cap="flat" cmpd="sng">
                       <a:solidFill>
                         <a:srgbClr val="000000"/>
                       </a:solidFill>
@@ -19231,7 +19284,7 @@
                       <a:headEnd type="none" w="med" len="med"/>
                       <a:tailEnd type="none" w="med" len="med"/>
                     </a:lnT>
-                    <a:lnB w="12700" cap="flat" cmpd="sng" algn="ctr">
+                    <a:lnB w="12700" cap="flat" cmpd="sng">
                       <a:solidFill>
                         <a:srgbClr val="000000"/>
                       </a:solidFill>
@@ -19244,7 +19297,7 @@
                 </a:tc>
                 <a:extLst>
                   <a:ext uri="{0D108BD9-81ED-4DB2-BD59-A6C34878D82A}">
-                    <a16:rowId xmlns:a16="http://schemas.microsoft.com/office/drawing/2014/main" val="2982231219"/>
+                    <a16:rowId xmlns:a16="http://schemas.microsoft.com/office/drawing/2014/main" val="10005"/>
                   </a:ext>
                 </a:extLst>
               </a:tr>
@@ -19254,16 +19307,14 @@
       </p:graphicFrame>
       <p:sp>
         <p:nvSpPr>
-          <p:cNvPr id="8" name="Rectangle 1"/>
-          <p:cNvSpPr>
-            <a:spLocks noChangeArrowheads="1"/>
-          </p:cNvSpPr>
+          <p:cNvPr id="116" name="Shape 116"/>
+          <p:cNvSpPr/>
           <p:nvPr/>
         </p:nvSpPr>
-        <p:spPr bwMode="auto">
+        <p:spPr>
           <a:xfrm>
             <a:off x="-3383662" y="33265590"/>
-            <a:ext cx="48356552" cy="1107996"/>
+            <a:ext cx="48356552" cy="1107995"/>
           </a:xfrm>
           <a:prstGeom prst="rect">
             <a:avLst/>
@@ -19272,138 +19323,102 @@
           <a:ln>
             <a:noFill/>
           </a:ln>
-          <a:effectLst/>
-          <a:extLst>
-            <a:ext uri="{909E8E84-426E-40DD-AFC4-6F175D3DCCD1}">
-              <a14:hiddenFill xmlns:a14="http://schemas.microsoft.com/office/drawing/2010/main">
-                <a:solidFill>
-                  <a:schemeClr val="accent1"/>
-                </a:solidFill>
-              </a14:hiddenFill>
-            </a:ext>
-            <a:ext uri="{91240B29-F687-4F45-9708-019B960494DF}">
-              <a14:hiddenLine xmlns:a14="http://schemas.microsoft.com/office/drawing/2010/main" w="9525">
-                <a:solidFill>
-                  <a:schemeClr val="tx1"/>
-                </a:solidFill>
-                <a:miter lim="800000"/>
-                <a:headEnd/>
-                <a:tailEnd/>
-              </a14:hiddenLine>
-            </a:ext>
-            <a:ext uri="{AF507438-7753-43E0-B8FC-AC1667EBCBE1}">
-              <a14:hiddenEffects xmlns:a14="http://schemas.microsoft.com/office/drawing/2010/main">
-                <a:effectLst>
-                  <a:outerShdw dist="35921" dir="2700000" algn="ctr" rotWithShape="0">
-                    <a:schemeClr val="bg2"/>
-                  </a:outerShdw>
-                </a:effectLst>
-              </a14:hiddenEffects>
-            </a:ext>
-          </a:extLst>
         </p:spPr>
         <p:txBody>
-          <a:bodyPr vert="horz" wrap="square" lIns="91440" tIns="0" rIns="91440" bIns="0" numCol="1" anchor="ctr" anchorCtr="0" compatLnSpc="1">
-            <a:prstTxWarp prst="textNoShape">
-              <a:avLst/>
-            </a:prstTxWarp>
-            <a:spAutoFit/>
+          <a:bodyPr lIns="91425" tIns="0" rIns="91425" bIns="0" anchor="ctr" anchorCtr="0">
+            <a:noAutofit/>
           </a:bodyPr>
           <a:lstStyle/>
           <a:p>
-            <a:pPr marL="0" marR="0" lvl="0" indent="0" algn="l" defTabSz="914400" rtl="0" eaLnBrk="0" fontAlgn="base" latinLnBrk="0" hangingPunct="0">
-              <a:lnSpc>
-                <a:spcPct val="100000"/>
-              </a:lnSpc>
-              <a:spcBef>
-                <a:spcPct val="0"/>
-              </a:spcBef>
-              <a:spcAft>
-                <a:spcPct val="0"/>
-              </a:spcAft>
-              <a:buClrTx/>
-              <a:buSzTx/>
-              <a:buFontTx/>
-              <a:buNone/>
-              <a:tabLst/>
+            <a:pPr marL="0" marR="0" lvl="0" indent="0" algn="l" rtl="0">
+              <a:lnSpc>
+                <a:spcPct val="100000"/>
+              </a:lnSpc>
+              <a:spcBef>
+                <a:spcPts val="0"/>
+              </a:spcBef>
+              <a:spcAft>
+                <a:spcPts val="0"/>
+              </a:spcAft>
+              <a:buClr>
+                <a:schemeClr val="dk1"/>
+              </a:buClr>
+              <a:buSzPct val="25000"/>
+              <a:buFont typeface="Arial"/>
+              <a:buNone/>
             </a:pPr>
             <a:br>
-              <a:rPr kumimoji="0" lang="en-US" altLang="en-US" sz="1800" b="0" i="0" u="none" strike="noStrike" cap="none" normalizeH="0" baseline="0">
-                <a:ln>
-                  <a:noFill/>
-                </a:ln>
-                <a:solidFill>
-                  <a:schemeClr val="tx1"/>
-                </a:solidFill>
-                <a:effectLst/>
-                <a:latin typeface="Arial" panose="020B0604020202020204" pitchFamily="34" charset="0"/>
+              <a:rPr lang="en-US" sz="1800" b="0" i="0" u="none" strike="noStrike" cap="none">
+                <a:solidFill>
+                  <a:schemeClr val="dk1"/>
+                </a:solidFill>
+                <a:latin typeface="Arial"/>
+                <a:ea typeface="Arial"/>
+                <a:cs typeface="Arial"/>
+                <a:sym typeface="Arial"/>
               </a:rPr>
             </a:br>
-            <a:endParaRPr kumimoji="0" lang="en-US" altLang="en-US" sz="1800" b="0" i="0" u="none" strike="noStrike" cap="none" normalizeH="0" baseline="0">
-              <a:ln>
-                <a:noFill/>
-              </a:ln>
+            <a:endParaRPr lang="en-US" sz="1800" b="0" i="0" u="none" strike="noStrike" cap="none">
               <a:solidFill>
-                <a:schemeClr val="tx1"/>
+                <a:schemeClr val="dk1"/>
               </a:solidFill>
-              <a:effectLst/>
-              <a:latin typeface="Arial" panose="020B0604020202020204" pitchFamily="34" charset="0"/>
+              <a:latin typeface="Arial"/>
+              <a:ea typeface="Arial"/>
+              <a:cs typeface="Arial"/>
+              <a:sym typeface="Arial"/>
             </a:endParaRPr>
           </a:p>
           <a:p>
-            <a:pPr marL="0" marR="0" lvl="0" indent="0" algn="l" defTabSz="914400" rtl="0" eaLnBrk="0" fontAlgn="base" latinLnBrk="0" hangingPunct="0">
-              <a:lnSpc>
-                <a:spcPct val="100000"/>
-              </a:lnSpc>
-              <a:spcBef>
-                <a:spcPct val="0"/>
-              </a:spcBef>
-              <a:spcAft>
-                <a:spcPct val="0"/>
-              </a:spcAft>
-              <a:buClrTx/>
-              <a:buSzTx/>
-              <a:buFontTx/>
+            <a:pPr marL="0" marR="0" lvl="0" indent="0" algn="l" rtl="0">
+              <a:lnSpc>
+                <a:spcPct val="100000"/>
+              </a:lnSpc>
+              <a:spcBef>
+                <a:spcPts val="0"/>
+              </a:spcBef>
+              <a:spcAft>
+                <a:spcPts val="0"/>
+              </a:spcAft>
+              <a:buClr>
+                <a:schemeClr val="dk1"/>
+              </a:buClr>
+              <a:buSzPct val="100000"/>
+              <a:buFont typeface="Arial"/>
               <a:buChar char="•"/>
-              <a:tabLst/>
             </a:pPr>
             <a:br>
-              <a:rPr kumimoji="0" lang="en-US" altLang="en-US" sz="1800" b="0" i="0" u="none" strike="noStrike" cap="none" normalizeH="0" baseline="0">
-                <a:ln>
-                  <a:noFill/>
-                </a:ln>
-                <a:solidFill>
-                  <a:schemeClr val="tx1"/>
-                </a:solidFill>
-                <a:effectLst/>
-                <a:latin typeface="Arial" panose="020B0604020202020204" pitchFamily="34" charset="0"/>
+              <a:rPr lang="en-US" sz="1800" b="0" i="0" u="none" strike="noStrike" cap="none">
+                <a:solidFill>
+                  <a:schemeClr val="dk1"/>
+                </a:solidFill>
+                <a:latin typeface="Arial"/>
+                <a:ea typeface="Arial"/>
+                <a:cs typeface="Arial"/>
+                <a:sym typeface="Arial"/>
               </a:rPr>
             </a:br>
-            <a:endParaRPr kumimoji="0" lang="en-US" altLang="en-US" sz="1800" b="0" i="0" u="none" strike="noStrike" cap="none" normalizeH="0" baseline="0">
-              <a:ln>
-                <a:noFill/>
-              </a:ln>
+            <a:endParaRPr lang="en-US" sz="1800" b="0" i="0" u="none" strike="noStrike" cap="none">
               <a:solidFill>
-                <a:schemeClr val="tx1"/>
+                <a:schemeClr val="dk1"/>
               </a:solidFill>
-              <a:effectLst/>
-              <a:latin typeface="Arial" panose="020B0604020202020204" pitchFamily="34" charset="0"/>
+              <a:latin typeface="Arial"/>
+              <a:ea typeface="Arial"/>
+              <a:cs typeface="Arial"/>
+              <a:sym typeface="Arial"/>
             </a:endParaRPr>
           </a:p>
         </p:txBody>
       </p:sp>
       <p:sp>
         <p:nvSpPr>
-          <p:cNvPr id="10" name="Rectangle 2"/>
-          <p:cNvSpPr>
-            <a:spLocks noChangeArrowheads="1"/>
-          </p:cNvSpPr>
+          <p:cNvPr id="117" name="Shape 117"/>
+          <p:cNvSpPr/>
           <p:nvPr/>
         </p:nvSpPr>
-        <p:spPr bwMode="auto">
+        <p:spPr>
           <a:xfrm>
             <a:off x="2048721" y="35381371"/>
-            <a:ext cx="49475397" cy="830997"/>
+            <a:ext cx="49475395" cy="830996"/>
           </a:xfrm>
           <a:prstGeom prst="rect">
             <a:avLst/>
@@ -19412,126 +19427,90 @@
           <a:ln>
             <a:noFill/>
           </a:ln>
-          <a:effectLst/>
-          <a:extLst>
-            <a:ext uri="{909E8E84-426E-40DD-AFC4-6F175D3DCCD1}">
-              <a14:hiddenFill xmlns:a14="http://schemas.microsoft.com/office/drawing/2010/main">
-                <a:solidFill>
-                  <a:schemeClr val="accent1"/>
-                </a:solidFill>
-              </a14:hiddenFill>
-            </a:ext>
-            <a:ext uri="{91240B29-F687-4F45-9708-019B960494DF}">
-              <a14:hiddenLine xmlns:a14="http://schemas.microsoft.com/office/drawing/2010/main" w="9525">
-                <a:solidFill>
-                  <a:schemeClr val="tx1"/>
-                </a:solidFill>
-                <a:miter lim="800000"/>
-                <a:headEnd/>
-                <a:tailEnd/>
-              </a14:hiddenLine>
-            </a:ext>
-            <a:ext uri="{AF507438-7753-43E0-B8FC-AC1667EBCBE1}">
-              <a14:hiddenEffects xmlns:a14="http://schemas.microsoft.com/office/drawing/2010/main">
-                <a:effectLst>
-                  <a:outerShdw dist="35921" dir="2700000" algn="ctr" rotWithShape="0">
-                    <a:schemeClr val="bg2"/>
-                  </a:outerShdw>
-                </a:effectLst>
-              </a14:hiddenEffects>
-            </a:ext>
-          </a:extLst>
         </p:spPr>
         <p:txBody>
-          <a:bodyPr vert="horz" wrap="square" lIns="91440" tIns="0" rIns="91440" bIns="0" numCol="1" anchor="ctr" anchorCtr="0" compatLnSpc="1">
-            <a:prstTxWarp prst="textNoShape">
-              <a:avLst/>
-            </a:prstTxWarp>
-            <a:spAutoFit/>
+          <a:bodyPr lIns="91425" tIns="0" rIns="91425" bIns="0" anchor="ctr" anchorCtr="0">
+            <a:noAutofit/>
           </a:bodyPr>
           <a:lstStyle/>
           <a:p>
-            <a:pPr marL="0" marR="0" lvl="0" indent="0" algn="l" defTabSz="914400" rtl="0" eaLnBrk="0" fontAlgn="base" latinLnBrk="0" hangingPunct="0">
-              <a:lnSpc>
-                <a:spcPct val="100000"/>
-              </a:lnSpc>
-              <a:spcBef>
-                <a:spcPct val="0"/>
-              </a:spcBef>
-              <a:spcAft>
-                <a:spcPct val="0"/>
-              </a:spcAft>
-              <a:buClrTx/>
-              <a:buSzTx/>
-              <a:buFontTx/>
-              <a:buNone/>
-              <a:tabLst/>
+            <a:pPr marL="0" marR="0" lvl="0" indent="0" algn="l" rtl="0">
+              <a:lnSpc>
+                <a:spcPct val="100000"/>
+              </a:lnSpc>
+              <a:spcBef>
+                <a:spcPts val="0"/>
+              </a:spcBef>
+              <a:spcAft>
+                <a:spcPts val="0"/>
+              </a:spcAft>
+              <a:buClr>
+                <a:schemeClr val="dk1"/>
+              </a:buClr>
+              <a:buSzPct val="25000"/>
+              <a:buFont typeface="Arial"/>
+              <a:buNone/>
             </a:pPr>
             <a:br>
-              <a:rPr kumimoji="0" lang="en-US" altLang="en-US" sz="1800" b="0" i="0" u="none" strike="noStrike" cap="none" normalizeH="0" baseline="0">
-                <a:ln>
-                  <a:noFill/>
-                </a:ln>
-                <a:solidFill>
-                  <a:schemeClr val="tx1"/>
-                </a:solidFill>
-                <a:effectLst/>
-                <a:latin typeface="Arial" panose="020B0604020202020204" pitchFamily="34" charset="0"/>
+              <a:rPr lang="en-US" sz="1800" b="0" i="0" u="none" strike="noStrike" cap="none">
+                <a:solidFill>
+                  <a:schemeClr val="dk1"/>
+                </a:solidFill>
+                <a:latin typeface="Arial"/>
+                <a:ea typeface="Arial"/>
+                <a:cs typeface="Arial"/>
+                <a:sym typeface="Arial"/>
               </a:rPr>
             </a:br>
-            <a:endParaRPr kumimoji="0" lang="en-US" altLang="en-US" sz="1800" b="0" i="0" u="none" strike="noStrike" cap="none" normalizeH="0" baseline="0">
-              <a:ln>
-                <a:noFill/>
-              </a:ln>
+            <a:endParaRPr lang="en-US" sz="1800" b="0" i="0" u="none" strike="noStrike" cap="none">
               <a:solidFill>
-                <a:schemeClr val="tx1"/>
+                <a:schemeClr val="dk1"/>
               </a:solidFill>
-              <a:effectLst/>
-              <a:latin typeface="Arial" panose="020B0604020202020204" pitchFamily="34" charset="0"/>
+              <a:latin typeface="Arial"/>
+              <a:ea typeface="Arial"/>
+              <a:cs typeface="Arial"/>
+              <a:sym typeface="Arial"/>
             </a:endParaRPr>
           </a:p>
           <a:p>
-            <a:pPr marL="0" marR="0" lvl="0" indent="0" algn="l" defTabSz="914400" rtl="0" eaLnBrk="0" fontAlgn="base" latinLnBrk="0" hangingPunct="0">
-              <a:lnSpc>
-                <a:spcPct val="100000"/>
-              </a:lnSpc>
-              <a:spcBef>
-                <a:spcPct val="0"/>
-              </a:spcBef>
-              <a:spcAft>
-                <a:spcPct val="0"/>
-              </a:spcAft>
-              <a:buClrTx/>
-              <a:buSzTx/>
-              <a:buFontTx/>
-              <a:buNone/>
-              <a:tabLst/>
+            <a:pPr marL="0" marR="0" lvl="0" indent="0" algn="l" rtl="0">
+              <a:lnSpc>
+                <a:spcPct val="100000"/>
+              </a:lnSpc>
+              <a:spcBef>
+                <a:spcPts val="0"/>
+              </a:spcBef>
+              <a:spcAft>
+                <a:spcPts val="0"/>
+              </a:spcAft>
+              <a:buClr>
+                <a:srgbClr val="000000"/>
+              </a:buClr>
+              <a:buFont typeface="Arial"/>
+              <a:buNone/>
             </a:pPr>
-            <a:endParaRPr kumimoji="0" lang="en-US" altLang="en-US" sz="1800" b="0" i="0" u="none" strike="noStrike" cap="none" normalizeH="0" baseline="0">
-              <a:ln>
-                <a:noFill/>
-              </a:ln>
+            <a:endParaRPr sz="1800" b="0" i="0" u="none" strike="noStrike" cap="none">
               <a:solidFill>
-                <a:schemeClr val="tx1"/>
+                <a:schemeClr val="dk1"/>
               </a:solidFill>
-              <a:effectLst/>
-              <a:latin typeface="Arial" panose="020B0604020202020204" pitchFamily="34" charset="0"/>
+              <a:latin typeface="Arial"/>
+              <a:ea typeface="Arial"/>
+              <a:cs typeface="Arial"/>
+              <a:sym typeface="Arial"/>
             </a:endParaRPr>
           </a:p>
         </p:txBody>
       </p:sp>
       <p:sp>
         <p:nvSpPr>
-          <p:cNvPr id="12" name="Rectangle 3"/>
-          <p:cNvSpPr>
-            <a:spLocks noChangeArrowheads="1"/>
-          </p:cNvSpPr>
+          <p:cNvPr id="118" name="Shape 118"/>
+          <p:cNvSpPr/>
           <p:nvPr/>
         </p:nvSpPr>
-        <p:spPr bwMode="auto">
+        <p:spPr>
           <a:xfrm>
-            <a:off x="2049514" y="35411627"/>
-            <a:ext cx="49470889" cy="830997"/>
+            <a:off x="2049514" y="35411628"/>
+            <a:ext cx="49470886" cy="830996"/>
           </a:xfrm>
           <a:prstGeom prst="rect">
             <a:avLst/>
@@ -19540,186 +19519,157 @@
           <a:ln>
             <a:noFill/>
           </a:ln>
-          <a:effectLst/>
-          <a:extLst>
-            <a:ext uri="{909E8E84-426E-40DD-AFC4-6F175D3DCCD1}">
-              <a14:hiddenFill xmlns:a14="http://schemas.microsoft.com/office/drawing/2010/main">
-                <a:solidFill>
-                  <a:schemeClr val="accent1"/>
-                </a:solidFill>
-              </a14:hiddenFill>
-            </a:ext>
-            <a:ext uri="{91240B29-F687-4F45-9708-019B960494DF}">
-              <a14:hiddenLine xmlns:a14="http://schemas.microsoft.com/office/drawing/2010/main" w="9525">
-                <a:solidFill>
-                  <a:schemeClr val="tx1"/>
-                </a:solidFill>
-                <a:miter lim="800000"/>
-                <a:headEnd/>
-                <a:tailEnd/>
-              </a14:hiddenLine>
-            </a:ext>
-            <a:ext uri="{AF507438-7753-43E0-B8FC-AC1667EBCBE1}">
-              <a14:hiddenEffects xmlns:a14="http://schemas.microsoft.com/office/drawing/2010/main">
-                <a:effectLst>
-                  <a:outerShdw dist="35921" dir="2700000" algn="ctr" rotWithShape="0">
-                    <a:schemeClr val="bg2"/>
-                  </a:outerShdw>
-                </a:effectLst>
-              </a14:hiddenEffects>
-            </a:ext>
-          </a:extLst>
         </p:spPr>
         <p:txBody>
-          <a:bodyPr vert="horz" wrap="square" lIns="91440" tIns="0" rIns="91440" bIns="0" numCol="1" anchor="ctr" anchorCtr="0" compatLnSpc="1">
-            <a:prstTxWarp prst="textNoShape">
-              <a:avLst/>
-            </a:prstTxWarp>
-            <a:spAutoFit/>
+          <a:bodyPr lIns="91425" tIns="0" rIns="91425" bIns="0" anchor="ctr" anchorCtr="0">
+            <a:noAutofit/>
           </a:bodyPr>
           <a:lstStyle/>
           <a:p>
-            <a:pPr marL="0" marR="0" lvl="0" indent="0" algn="l" defTabSz="914400" rtl="0" eaLnBrk="0" fontAlgn="base" latinLnBrk="0" hangingPunct="0">
-              <a:lnSpc>
-                <a:spcPct val="100000"/>
-              </a:lnSpc>
-              <a:spcBef>
-                <a:spcPct val="0"/>
-              </a:spcBef>
-              <a:spcAft>
-                <a:spcPct val="0"/>
-              </a:spcAft>
-              <a:buClrTx/>
-              <a:buSzTx/>
-              <a:buFontTx/>
-              <a:buNone/>
-              <a:tabLst/>
+            <a:pPr marL="0" marR="0" lvl="0" indent="0" algn="l" rtl="0">
+              <a:lnSpc>
+                <a:spcPct val="100000"/>
+              </a:lnSpc>
+              <a:spcBef>
+                <a:spcPts val="0"/>
+              </a:spcBef>
+              <a:spcAft>
+                <a:spcPts val="0"/>
+              </a:spcAft>
+              <a:buClr>
+                <a:schemeClr val="dk1"/>
+              </a:buClr>
+              <a:buSzPct val="25000"/>
+              <a:buFont typeface="Arial"/>
+              <a:buNone/>
             </a:pPr>
             <a:br>
-              <a:rPr kumimoji="0" lang="en-US" altLang="en-US" sz="1800" b="0" i="0" u="none" strike="noStrike" cap="none" normalizeH="0" baseline="0">
-                <a:ln>
-                  <a:noFill/>
-                </a:ln>
-                <a:solidFill>
-                  <a:schemeClr val="tx1"/>
-                </a:solidFill>
-                <a:effectLst/>
-                <a:latin typeface="Arial" panose="020B0604020202020204" pitchFamily="34" charset="0"/>
+              <a:rPr lang="en-US" sz="1800" b="0" i="0" u="none" strike="noStrike" cap="none">
+                <a:solidFill>
+                  <a:schemeClr val="dk1"/>
+                </a:solidFill>
+                <a:latin typeface="Arial"/>
+                <a:ea typeface="Arial"/>
+                <a:cs typeface="Arial"/>
+                <a:sym typeface="Arial"/>
               </a:rPr>
             </a:br>
-            <a:endParaRPr kumimoji="0" lang="en-US" altLang="en-US" sz="1800" b="0" i="0" u="none" strike="noStrike" cap="none" normalizeH="0" baseline="0">
-              <a:ln>
-                <a:noFill/>
-              </a:ln>
+            <a:endParaRPr lang="en-US" sz="1800" b="0" i="0" u="none" strike="noStrike" cap="none">
               <a:solidFill>
-                <a:schemeClr val="tx1"/>
+                <a:schemeClr val="dk1"/>
               </a:solidFill>
-              <a:effectLst/>
-              <a:latin typeface="Arial" panose="020B0604020202020204" pitchFamily="34" charset="0"/>
+              <a:latin typeface="Arial"/>
+              <a:ea typeface="Arial"/>
+              <a:cs typeface="Arial"/>
+              <a:sym typeface="Arial"/>
             </a:endParaRPr>
           </a:p>
           <a:p>
-            <a:pPr marL="0" marR="0" lvl="0" indent="0" algn="l" defTabSz="914400" rtl="0" eaLnBrk="0" fontAlgn="base" latinLnBrk="0" hangingPunct="0">
-              <a:lnSpc>
-                <a:spcPct val="100000"/>
-              </a:lnSpc>
-              <a:spcBef>
-                <a:spcPct val="0"/>
-              </a:spcBef>
-              <a:spcAft>
-                <a:spcPct val="0"/>
-              </a:spcAft>
-              <a:buClrTx/>
-              <a:buSzTx/>
-              <a:buFontTx/>
-              <a:buNone/>
-              <a:tabLst/>
+            <a:pPr marL="0" marR="0" lvl="0" indent="0" algn="l" rtl="0">
+              <a:lnSpc>
+                <a:spcPct val="100000"/>
+              </a:lnSpc>
+              <a:spcBef>
+                <a:spcPts val="0"/>
+              </a:spcBef>
+              <a:spcAft>
+                <a:spcPts val="0"/>
+              </a:spcAft>
+              <a:buClr>
+                <a:srgbClr val="000000"/>
+              </a:buClr>
+              <a:buFont typeface="Arial"/>
+              <a:buNone/>
             </a:pPr>
-            <a:endParaRPr kumimoji="0" lang="en-US" altLang="en-US" sz="1800" b="0" i="0" u="none" strike="noStrike" cap="none" normalizeH="0" baseline="0">
-              <a:ln>
-                <a:noFill/>
-              </a:ln>
+            <a:endParaRPr sz="1800" b="0" i="0" u="none" strike="noStrike" cap="none">
               <a:solidFill>
-                <a:schemeClr val="tx1"/>
+                <a:schemeClr val="dk1"/>
               </a:solidFill>
-              <a:effectLst/>
-              <a:latin typeface="Arial" panose="020B0604020202020204" pitchFamily="34" charset="0"/>
+              <a:latin typeface="Arial"/>
+              <a:ea typeface="Arial"/>
+              <a:cs typeface="Arial"/>
+              <a:sym typeface="Arial"/>
             </a:endParaRPr>
           </a:p>
         </p:txBody>
       </p:sp>
       <p:graphicFrame>
         <p:nvGraphicFramePr>
-          <p:cNvPr id="13" name="Table 12"/>
-          <p:cNvGraphicFramePr>
-            <a:graphicFrameLocks noGrp="1"/>
-          </p:cNvGraphicFramePr>
-          <p:nvPr>
-            <p:extLst>
-              <p:ext uri="{D42A27DB-BD31-4B8C-83A1-F6EECF244321}">
-                <p14:modId xmlns:p14="http://schemas.microsoft.com/office/powerpoint/2010/main" val="984551606"/>
-              </p:ext>
-            </p:extLst>
-          </p:nvPr>
+          <p:cNvPr id="119" name="Shape 119"/>
+          <p:cNvGraphicFramePr/>
+          <p:nvPr/>
         </p:nvGraphicFramePr>
         <p:xfrm>
           <a:off x="2045799" y="36221037"/>
-          <a:ext cx="8706134" cy="4071559"/>
+          <a:ext cx="8706125" cy="4071600"/>
         </p:xfrm>
         <a:graphic>
           <a:graphicData uri="http://schemas.openxmlformats.org/drawingml/2006/table">
             <a:tbl>
-              <a:tblPr/>
+              <a:tblPr>
+                <a:noFill/>
+                <a:tableStyleId>{C842E925-5CF8-4126-9E35-5EE09F5F9F2F}</a:tableStyleId>
+              </a:tblPr>
               <a:tblGrid>
-                <a:gridCol w="8706134">
+                <a:gridCol w="8706125">
                   <a:extLst>
                     <a:ext uri="{9D8B030D-6E8A-4147-A177-3AD203B41FA5}">
-                      <a16:colId xmlns:a16="http://schemas.microsoft.com/office/drawing/2014/main" val="3484275513"/>
+                      <a16:colId xmlns:a16="http://schemas.microsoft.com/office/drawing/2014/main" val="20000"/>
                     </a:ext>
                   </a:extLst>
                 </a:gridCol>
               </a:tblGrid>
-              <a:tr h="453541">
+              <a:tr h="453550">
                 <a:tc>
                   <a:txBody>
                     <a:bodyPr/>
                     <a:lstStyle/>
                     <a:p>
-                      <a:pPr rtl="0" fontAlgn="t">
+                      <a:pPr marL="0" marR="0" lvl="0" indent="0" algn="l" rtl="0">
+                        <a:lnSpc>
+                          <a:spcPct val="100000"/>
+                        </a:lnSpc>
                         <a:spcBef>
-                          <a:spcPts val="400"/>
+                          <a:spcPts val="0"/>
                         </a:spcBef>
                         <a:spcAft>
                           <a:spcPts val="0"/>
                         </a:spcAft>
+                        <a:buClr>
+                          <a:srgbClr val="000000"/>
+                        </a:buClr>
+                        <a:buSzPct val="25000"/>
+                        <a:buFont typeface="Arial"/>
+                        <a:buNone/>
                       </a:pPr>
                       <a:r>
-                        <a:rPr lang="en-US" sz="1050" b="1" i="0" u="none" strike="noStrike">
+                        <a:rPr lang="en-US" sz="1050" b="1" i="0" u="none" strike="noStrike" cap="none">
                           <a:solidFill>
                             <a:srgbClr val="000000"/>
                           </a:solidFill>
-                          <a:effectLst/>
-                          <a:latin typeface="Arial" panose="020B0604020202020204" pitchFamily="34" charset="0"/>
+                          <a:latin typeface="Arial"/>
+                          <a:ea typeface="Arial"/>
+                          <a:cs typeface="Arial"/>
+                          <a:sym typeface="Arial"/>
                         </a:rPr>
                         <a:t>Test case ID</a:t>
                       </a:r>
                       <a:r>
-                        <a:rPr lang="en-US" sz="1050" b="0" i="0" u="none" strike="noStrike">
+                        <a:rPr lang="en-US" sz="1050" b="0" i="0" u="none" strike="noStrike" cap="none">
                           <a:solidFill>
                             <a:srgbClr val="000000"/>
                           </a:solidFill>
-                          <a:effectLst/>
-                          <a:latin typeface="Arial" panose="020B0604020202020204" pitchFamily="34" charset="0"/>
+                          <a:latin typeface="Arial"/>
+                          <a:ea typeface="Arial"/>
+                          <a:cs typeface="Arial"/>
+                          <a:sym typeface="Arial"/>
                         </a:rPr>
                         <a:t>: Select_Algorithm_001</a:t>
                       </a:r>
-                      <a:endParaRPr lang="en-US">
-                        <a:effectLst/>
-                      </a:endParaRPr>
                     </a:p>
                   </a:txBody>
                   <a:tcPr marL="63500" marR="63500" marT="63500" marB="63500">
-                    <a:lnL w="14288" cap="flat" cmpd="sng" algn="ctr">
+                    <a:lnL w="14275" cap="flat" cmpd="sng">
                       <a:solidFill>
                         <a:srgbClr val="000000"/>
                       </a:solidFill>
@@ -19728,7 +19678,7 @@
                       <a:headEnd type="none" w="med" len="med"/>
                       <a:tailEnd type="none" w="med" len="med"/>
                     </a:lnL>
-                    <a:lnR w="14288" cap="flat" cmpd="sng" algn="ctr">
+                    <a:lnR w="14275" cap="flat" cmpd="sng">
                       <a:solidFill>
                         <a:srgbClr val="000000"/>
                       </a:solidFill>
@@ -19737,7 +19687,7 @@
                       <a:headEnd type="none" w="med" len="med"/>
                       <a:tailEnd type="none" w="med" len="med"/>
                     </a:lnR>
-                    <a:lnT w="14288" cap="flat" cmpd="sng" algn="ctr">
+                    <a:lnT w="14275" cap="flat" cmpd="sng">
                       <a:solidFill>
                         <a:srgbClr val="000000"/>
                       </a:solidFill>
@@ -19746,7 +19696,7 @@
                       <a:headEnd type="none" w="med" len="med"/>
                       <a:tailEnd type="none" w="med" len="med"/>
                     </a:lnT>
-                    <a:lnB w="14288" cap="flat" cmpd="sng" algn="ctr">
+                    <a:lnB w="14275" cap="flat" cmpd="sng">
                       <a:solidFill>
                         <a:srgbClr val="000000"/>
                       </a:solidFill>
@@ -19759,63 +19709,80 @@
                 </a:tc>
                 <a:extLst>
                   <a:ext uri="{0D108BD9-81ED-4DB2-BD59-A6C34878D82A}">
-                    <a16:rowId xmlns:a16="http://schemas.microsoft.com/office/drawing/2014/main" val="3617901796"/>
+                    <a16:rowId xmlns:a16="http://schemas.microsoft.com/office/drawing/2014/main" val="10000"/>
                   </a:ext>
                 </a:extLst>
               </a:tr>
-              <a:tr h="793696">
+              <a:tr h="793700">
                 <a:tc>
                   <a:txBody>
                     <a:bodyPr/>
                     <a:lstStyle/>
                     <a:p>
-                      <a:pPr rtl="0" fontAlgn="t">
+                      <a:pPr marL="0" marR="0" lvl="0" indent="0" algn="l" rtl="0">
+                        <a:lnSpc>
+                          <a:spcPct val="100000"/>
+                        </a:lnSpc>
+                        <a:spcBef>
+                          <a:spcPts val="0"/>
+                        </a:spcBef>
+                        <a:spcAft>
+                          <a:spcPts val="0"/>
+                        </a:spcAft>
+                        <a:buClr>
+                          <a:srgbClr val="000000"/>
+                        </a:buClr>
+                        <a:buSzPct val="25000"/>
+                        <a:buFont typeface="Arial"/>
+                        <a:buNone/>
+                      </a:pPr>
+                      <a:r>
+                        <a:rPr lang="en-US" sz="1050" b="1" i="0" u="none" strike="noStrike" cap="none">
+                          <a:solidFill>
+                            <a:srgbClr val="000000"/>
+                          </a:solidFill>
+                          <a:latin typeface="Arial"/>
+                          <a:ea typeface="Arial"/>
+                          <a:cs typeface="Arial"/>
+                          <a:sym typeface="Arial"/>
+                        </a:rPr>
+                        <a:t>Description/Summary of Test:</a:t>
+                      </a:r>
+                    </a:p>
+                    <a:p>
+                      <a:pPr marL="0" marR="0" lvl="0" indent="0" algn="l" rtl="0">
+                        <a:lnSpc>
+                          <a:spcPct val="100000"/>
+                        </a:lnSpc>
                         <a:spcBef>
                           <a:spcPts val="400"/>
                         </a:spcBef>
                         <a:spcAft>
                           <a:spcPts val="0"/>
                         </a:spcAft>
+                        <a:buClr>
+                          <a:srgbClr val="000000"/>
+                        </a:buClr>
+                        <a:buSzPct val="95454"/>
+                        <a:buFont typeface="Arial"/>
+                        <a:buChar char="•"/>
                       </a:pPr>
                       <a:r>
-                        <a:rPr lang="en-US" sz="1050" b="1" i="0" u="none" strike="noStrike">
+                        <a:rPr lang="en-US" sz="1050" b="0" i="0" u="none" strike="noStrike" cap="none">
                           <a:solidFill>
                             <a:srgbClr val="000000"/>
                           </a:solidFill>
-                          <a:effectLst/>
-                          <a:latin typeface="Arial" panose="020B0604020202020204" pitchFamily="34" charset="0"/>
-                        </a:rPr>
-                        <a:t>Description/Summary of Test:</a:t>
-                      </a:r>
-                      <a:endParaRPr lang="en-US">
-                        <a:effectLst/>
-                      </a:endParaRPr>
-                    </a:p>
-                    <a:p>
-                      <a:pPr rtl="0" fontAlgn="base">
-                        <a:spcBef>
-                          <a:spcPts val="400"/>
-                        </a:spcBef>
-                        <a:spcAft>
-                          <a:spcPts val="0"/>
-                        </a:spcAft>
-                        <a:buFont typeface="Arial" panose="020B0604020202020204" pitchFamily="34" charset="0"/>
-                        <a:buChar char="•"/>
-                      </a:pPr>
-                      <a:r>
-                        <a:rPr lang="en-US" sz="1050" b="0" i="0" u="none" strike="noStrike">
-                          <a:solidFill>
-                            <a:srgbClr val="000000"/>
-                          </a:solidFill>
-                          <a:effectLst/>
-                          <a:latin typeface="Arial" panose="020B0604020202020204" pitchFamily="34" charset="0"/>
+                          <a:latin typeface="Arial"/>
+                          <a:ea typeface="Arial"/>
+                          <a:cs typeface="Arial"/>
+                          <a:sym typeface="Arial"/>
                         </a:rPr>
                         <a:t>User creates a trip or some trips filling out the required fields. User selects Dijkstra algorithm to determine car paths. Then user selects Submit button</a:t>
                       </a:r>
                     </a:p>
                   </a:txBody>
                   <a:tcPr marL="63500" marR="63500" marT="63500" marB="63500">
-                    <a:lnL w="14288" cap="flat" cmpd="sng" algn="ctr">
+                    <a:lnL w="14275" cap="flat" cmpd="sng">
                       <a:solidFill>
                         <a:srgbClr val="000000"/>
                       </a:solidFill>
@@ -19824,7 +19791,7 @@
                       <a:headEnd type="none" w="med" len="med"/>
                       <a:tailEnd type="none" w="med" len="med"/>
                     </a:lnL>
-                    <a:lnR w="14288" cap="flat" cmpd="sng" algn="ctr">
+                    <a:lnR w="14275" cap="flat" cmpd="sng">
                       <a:solidFill>
                         <a:srgbClr val="000000"/>
                       </a:solidFill>
@@ -19833,7 +19800,7 @@
                       <a:headEnd type="none" w="med" len="med"/>
                       <a:tailEnd type="none" w="med" len="med"/>
                     </a:lnR>
-                    <a:lnT w="14288" cap="flat" cmpd="sng" algn="ctr">
+                    <a:lnT w="14275" cap="flat" cmpd="sng">
                       <a:solidFill>
                         <a:srgbClr val="000000"/>
                       </a:solidFill>
@@ -19842,7 +19809,7 @@
                       <a:headEnd type="none" w="med" len="med"/>
                       <a:tailEnd type="none" w="med" len="med"/>
                     </a:lnT>
-                    <a:lnB w="14288" cap="flat" cmpd="sng" algn="ctr">
+                    <a:lnB w="14275" cap="flat" cmpd="sng">
                       <a:solidFill>
                         <a:srgbClr val="000000"/>
                       </a:solidFill>
@@ -19855,85 +19822,111 @@
                 </a:tc>
                 <a:extLst>
                   <a:ext uri="{0D108BD9-81ED-4DB2-BD59-A6C34878D82A}">
-                    <a16:rowId xmlns:a16="http://schemas.microsoft.com/office/drawing/2014/main" val="2769940634"/>
+                    <a16:rowId xmlns:a16="http://schemas.microsoft.com/office/drawing/2014/main" val="10001"/>
                   </a:ext>
                 </a:extLst>
               </a:tr>
-              <a:tr h="793696">
+              <a:tr h="793700">
                 <a:tc>
                   <a:txBody>
                     <a:bodyPr/>
                     <a:lstStyle/>
                     <a:p>
-                      <a:pPr rtl="0" fontAlgn="t">
+                      <a:pPr marL="0" marR="0" lvl="0" indent="0" algn="l" rtl="0">
+                        <a:lnSpc>
+                          <a:spcPct val="100000"/>
+                        </a:lnSpc>
+                        <a:spcBef>
+                          <a:spcPts val="0"/>
+                        </a:spcBef>
+                        <a:spcAft>
+                          <a:spcPts val="0"/>
+                        </a:spcAft>
+                        <a:buClr>
+                          <a:srgbClr val="000000"/>
+                        </a:buClr>
+                        <a:buSzPct val="25000"/>
+                        <a:buFont typeface="Arial"/>
+                        <a:buNone/>
+                      </a:pPr>
+                      <a:r>
+                        <a:rPr lang="en-US" sz="1050" b="1" i="0" u="none" strike="noStrike" cap="none">
+                          <a:solidFill>
+                            <a:srgbClr val="000000"/>
+                          </a:solidFill>
+                          <a:latin typeface="Arial"/>
+                          <a:ea typeface="Arial"/>
+                          <a:cs typeface="Arial"/>
+                          <a:sym typeface="Arial"/>
+                        </a:rPr>
+                        <a:t>Pre-condition:</a:t>
+                      </a:r>
+                    </a:p>
+                    <a:p>
+                      <a:pPr marL="0" marR="0" lvl="0" indent="0" algn="l" rtl="0">
+                        <a:lnSpc>
+                          <a:spcPct val="100000"/>
+                        </a:lnSpc>
                         <a:spcBef>
                           <a:spcPts val="400"/>
                         </a:spcBef>
                         <a:spcAft>
                           <a:spcPts val="0"/>
                         </a:spcAft>
+                        <a:buClr>
+                          <a:srgbClr val="000000"/>
+                        </a:buClr>
+                        <a:buSzPct val="95454"/>
+                        <a:buFont typeface="Arial"/>
+                        <a:buChar char="•"/>
                       </a:pPr>
                       <a:r>
-                        <a:rPr lang="en-US" sz="1050" b="1" i="0" u="none" strike="noStrike" dirty="0">
+                        <a:rPr lang="en-US" sz="1050" b="0" i="0" u="none" strike="noStrike" cap="none">
                           <a:solidFill>
                             <a:srgbClr val="000000"/>
                           </a:solidFill>
-                          <a:effectLst/>
-                          <a:latin typeface="Arial" panose="020B0604020202020204" pitchFamily="34" charset="0"/>
-                        </a:rPr>
-                        <a:t>Pre-condition:</a:t>
-                      </a:r>
-                      <a:endParaRPr lang="en-US" dirty="0">
-                        <a:effectLst/>
-                      </a:endParaRPr>
-                    </a:p>
-                    <a:p>
-                      <a:pPr rtl="0" fontAlgn="base">
-                        <a:spcBef>
-                          <a:spcPts val="400"/>
-                        </a:spcBef>
-                        <a:spcAft>
-                          <a:spcPts val="0"/>
-                        </a:spcAft>
-                        <a:buFont typeface="Arial" panose="020B0604020202020204" pitchFamily="34" charset="0"/>
-                        <a:buChar char="•"/>
-                      </a:pPr>
-                      <a:r>
-                        <a:rPr lang="en-US" sz="1050" b="0" i="0" u="none" strike="noStrike" dirty="0">
-                          <a:solidFill>
-                            <a:srgbClr val="000000"/>
-                          </a:solidFill>
-                          <a:effectLst/>
-                          <a:latin typeface="Arial" panose="020B0604020202020204" pitchFamily="34" charset="0"/>
+                          <a:latin typeface="Arial"/>
+                          <a:ea typeface="Arial"/>
+                          <a:cs typeface="Arial"/>
+                          <a:sym typeface="Arial"/>
                         </a:rPr>
                         <a:t>User is at Traffic Simulator home page</a:t>
                       </a:r>
                     </a:p>
                     <a:p>
-                      <a:pPr rtl="0" fontAlgn="base">
+                      <a:pPr marL="0" marR="0" lvl="0" indent="0" algn="l" rtl="0">
+                        <a:lnSpc>
+                          <a:spcPct val="100000"/>
+                        </a:lnSpc>
                         <a:spcBef>
                           <a:spcPts val="0"/>
                         </a:spcBef>
                         <a:spcAft>
                           <a:spcPts val="0"/>
                         </a:spcAft>
-                        <a:buFont typeface="Arial" panose="020B0604020202020204" pitchFamily="34" charset="0"/>
+                        <a:buClr>
+                          <a:srgbClr val="000000"/>
+                        </a:buClr>
+                        <a:buSzPct val="95454"/>
+                        <a:buFont typeface="Arial"/>
                         <a:buChar char="•"/>
                       </a:pPr>
                       <a:r>
-                        <a:rPr lang="en-US" sz="1050" b="0" i="0" u="none" strike="noStrike" dirty="0">
+                        <a:rPr lang="en-US" sz="1050" b="0" i="0" u="none" strike="noStrike" cap="none">
                           <a:solidFill>
                             <a:srgbClr val="000000"/>
                           </a:solidFill>
-                          <a:effectLst/>
-                          <a:latin typeface="Arial" panose="020B0604020202020204" pitchFamily="34" charset="0"/>
+                          <a:latin typeface="Arial"/>
+                          <a:ea typeface="Arial"/>
+                          <a:cs typeface="Arial"/>
+                          <a:sym typeface="Arial"/>
                         </a:rPr>
                         <a:t>User created at least one trip </a:t>
                       </a:r>
                     </a:p>
                   </a:txBody>
                   <a:tcPr marL="63500" marR="63500" marT="63500" marB="63500">
-                    <a:lnL w="14288" cap="flat" cmpd="sng" algn="ctr">
+                    <a:lnL w="14275" cap="flat" cmpd="sng">
                       <a:solidFill>
                         <a:srgbClr val="000000"/>
                       </a:solidFill>
@@ -19942,7 +19935,7 @@
                       <a:headEnd type="none" w="med" len="med"/>
                       <a:tailEnd type="none" w="med" len="med"/>
                     </a:lnL>
-                    <a:lnR w="14288" cap="flat" cmpd="sng" algn="ctr">
+                    <a:lnR w="14275" cap="flat" cmpd="sng">
                       <a:solidFill>
                         <a:srgbClr val="000000"/>
                       </a:solidFill>
@@ -19951,7 +19944,7 @@
                       <a:headEnd type="none" w="med" len="med"/>
                       <a:tailEnd type="none" w="med" len="med"/>
                     </a:lnR>
-                    <a:lnT w="14288" cap="flat" cmpd="sng" algn="ctr">
+                    <a:lnT w="14275" cap="flat" cmpd="sng">
                       <a:solidFill>
                         <a:srgbClr val="000000"/>
                       </a:solidFill>
@@ -19960,7 +19953,7 @@
                       <a:headEnd type="none" w="med" len="med"/>
                       <a:tailEnd type="none" w="med" len="med"/>
                     </a:lnT>
-                    <a:lnB w="14288" cap="flat" cmpd="sng" algn="ctr">
+                    <a:lnB w="14275" cap="flat" cmpd="sng">
                       <a:solidFill>
                         <a:srgbClr val="000000"/>
                       </a:solidFill>
@@ -19973,63 +19966,80 @@
                 </a:tc>
                 <a:extLst>
                   <a:ext uri="{0D108BD9-81ED-4DB2-BD59-A6C34878D82A}">
-                    <a16:rowId xmlns:a16="http://schemas.microsoft.com/office/drawing/2014/main" val="3549127809"/>
+                    <a16:rowId xmlns:a16="http://schemas.microsoft.com/office/drawing/2014/main" val="10002"/>
                   </a:ext>
                 </a:extLst>
               </a:tr>
-              <a:tr h="793696">
+              <a:tr h="793700">
                 <a:tc>
                   <a:txBody>
                     <a:bodyPr/>
                     <a:lstStyle/>
                     <a:p>
-                      <a:pPr rtl="0" fontAlgn="t">
+                      <a:pPr marL="0" marR="0" lvl="0" indent="0" algn="l" rtl="0">
+                        <a:lnSpc>
+                          <a:spcPct val="100000"/>
+                        </a:lnSpc>
+                        <a:spcBef>
+                          <a:spcPts val="0"/>
+                        </a:spcBef>
+                        <a:spcAft>
+                          <a:spcPts val="0"/>
+                        </a:spcAft>
+                        <a:buClr>
+                          <a:srgbClr val="000000"/>
+                        </a:buClr>
+                        <a:buSzPct val="25000"/>
+                        <a:buFont typeface="Arial"/>
+                        <a:buNone/>
+                      </a:pPr>
+                      <a:r>
+                        <a:rPr lang="en-US" sz="1050" b="1" i="0" u="none" strike="noStrike" cap="none">
+                          <a:solidFill>
+                            <a:srgbClr val="000000"/>
+                          </a:solidFill>
+                          <a:latin typeface="Arial"/>
+                          <a:ea typeface="Arial"/>
+                          <a:cs typeface="Arial"/>
+                          <a:sym typeface="Arial"/>
+                        </a:rPr>
+                        <a:t>Expected Results:</a:t>
+                      </a:r>
+                    </a:p>
+                    <a:p>
+                      <a:pPr marL="0" marR="0" lvl="0" indent="0" algn="l" rtl="0">
+                        <a:lnSpc>
+                          <a:spcPct val="100000"/>
+                        </a:lnSpc>
                         <a:spcBef>
                           <a:spcPts val="400"/>
                         </a:spcBef>
                         <a:spcAft>
                           <a:spcPts val="0"/>
                         </a:spcAft>
+                        <a:buClr>
+                          <a:srgbClr val="000000"/>
+                        </a:buClr>
+                        <a:buSzPct val="95454"/>
+                        <a:buFont typeface="Arial"/>
+                        <a:buChar char="•"/>
                       </a:pPr>
                       <a:r>
-                        <a:rPr lang="en-US" sz="1050" b="1" i="0" u="none" strike="noStrike" dirty="0">
+                        <a:rPr lang="en-US" sz="1050" b="0" i="0" u="none" strike="noStrike" cap="none">
                           <a:solidFill>
                             <a:srgbClr val="000000"/>
                           </a:solidFill>
-                          <a:effectLst/>
-                          <a:latin typeface="Arial" panose="020B0604020202020204" pitchFamily="34" charset="0"/>
-                        </a:rPr>
-                        <a:t>Expected Results:</a:t>
-                      </a:r>
-                      <a:endParaRPr lang="en-US" dirty="0">
-                        <a:effectLst/>
-                      </a:endParaRPr>
-                    </a:p>
-                    <a:p>
-                      <a:pPr rtl="0" fontAlgn="base">
-                        <a:spcBef>
-                          <a:spcPts val="400"/>
-                        </a:spcBef>
-                        <a:spcAft>
-                          <a:spcPts val="0"/>
-                        </a:spcAft>
-                        <a:buFont typeface="Arial" panose="020B0604020202020204" pitchFamily="34" charset="0"/>
-                        <a:buChar char="•"/>
-                      </a:pPr>
-                      <a:r>
-                        <a:rPr lang="en-US" sz="1050" b="0" i="0" u="none" strike="noStrike" dirty="0">
-                          <a:solidFill>
-                            <a:srgbClr val="000000"/>
-                          </a:solidFill>
-                          <a:effectLst/>
-                          <a:latin typeface="Arial" panose="020B0604020202020204" pitchFamily="34" charset="0"/>
+                          <a:latin typeface="Arial"/>
+                          <a:ea typeface="Arial"/>
+                          <a:cs typeface="Arial"/>
+                          <a:sym typeface="Arial"/>
                         </a:rPr>
                         <a:t>Car paths are determined by Dijkstra algorithm and displayed on the oblivious map navigation.</a:t>
                       </a:r>
                     </a:p>
                   </a:txBody>
                   <a:tcPr marL="63500" marR="63500" marT="63500" marB="63500">
-                    <a:lnL w="14288" cap="flat" cmpd="sng" algn="ctr">
+                    <a:lnL w="14275" cap="flat" cmpd="sng">
                       <a:solidFill>
                         <a:srgbClr val="000000"/>
                       </a:solidFill>
@@ -20038,7 +20048,7 @@
                       <a:headEnd type="none" w="med" len="med"/>
                       <a:tailEnd type="none" w="med" len="med"/>
                     </a:lnL>
-                    <a:lnR w="14288" cap="flat" cmpd="sng" algn="ctr">
+                    <a:lnR w="14275" cap="flat" cmpd="sng">
                       <a:solidFill>
                         <a:srgbClr val="000000"/>
                       </a:solidFill>
@@ -20047,7 +20057,7 @@
                       <a:headEnd type="none" w="med" len="med"/>
                       <a:tailEnd type="none" w="med" len="med"/>
                     </a:lnR>
-                    <a:lnT w="14288" cap="flat" cmpd="sng" algn="ctr">
+                    <a:lnT w="14275" cap="flat" cmpd="sng">
                       <a:solidFill>
                         <a:srgbClr val="000000"/>
                       </a:solidFill>
@@ -20056,7 +20066,7 @@
                       <a:headEnd type="none" w="med" len="med"/>
                       <a:tailEnd type="none" w="med" len="med"/>
                     </a:lnT>
-                    <a:lnB w="14288" cap="flat" cmpd="sng" algn="ctr">
+                    <a:lnB w="14275" cap="flat" cmpd="sng">
                       <a:solidFill>
                         <a:srgbClr val="000000"/>
                       </a:solidFill>
@@ -20069,63 +20079,80 @@
                 </a:tc>
                 <a:extLst>
                   <a:ext uri="{0D108BD9-81ED-4DB2-BD59-A6C34878D82A}">
-                    <a16:rowId xmlns:a16="http://schemas.microsoft.com/office/drawing/2014/main" val="732159752"/>
+                    <a16:rowId xmlns:a16="http://schemas.microsoft.com/office/drawing/2014/main" val="10003"/>
                   </a:ext>
                 </a:extLst>
               </a:tr>
-              <a:tr h="783389">
+              <a:tr h="783400">
                 <a:tc>
                   <a:txBody>
                     <a:bodyPr/>
                     <a:lstStyle/>
                     <a:p>
-                      <a:pPr rtl="0" fontAlgn="t">
+                      <a:pPr marL="0" marR="0" lvl="0" indent="0" algn="l" rtl="0">
+                        <a:lnSpc>
+                          <a:spcPct val="100000"/>
+                        </a:lnSpc>
+                        <a:spcBef>
+                          <a:spcPts val="0"/>
+                        </a:spcBef>
+                        <a:spcAft>
+                          <a:spcPts val="0"/>
+                        </a:spcAft>
+                        <a:buClr>
+                          <a:srgbClr val="000000"/>
+                        </a:buClr>
+                        <a:buSzPct val="25000"/>
+                        <a:buFont typeface="Arial"/>
+                        <a:buNone/>
+                      </a:pPr>
+                      <a:r>
+                        <a:rPr lang="en-US" sz="1050" b="1" i="0" u="none" strike="noStrike" cap="none">
+                          <a:solidFill>
+                            <a:srgbClr val="000000"/>
+                          </a:solidFill>
+                          <a:latin typeface="Arial"/>
+                          <a:ea typeface="Arial"/>
+                          <a:cs typeface="Arial"/>
+                          <a:sym typeface="Arial"/>
+                        </a:rPr>
+                        <a:t>Actual Result:</a:t>
+                      </a:r>
+                    </a:p>
+                    <a:p>
+                      <a:pPr marL="0" marR="0" lvl="0" indent="0" algn="l" rtl="0">
+                        <a:lnSpc>
+                          <a:spcPct val="100000"/>
+                        </a:lnSpc>
                         <a:spcBef>
                           <a:spcPts val="400"/>
                         </a:spcBef>
                         <a:spcAft>
                           <a:spcPts val="0"/>
                         </a:spcAft>
+                        <a:buClr>
+                          <a:srgbClr val="000000"/>
+                        </a:buClr>
+                        <a:buSzPct val="95454"/>
+                        <a:buFont typeface="Arial"/>
+                        <a:buChar char="•"/>
                       </a:pPr>
                       <a:r>
-                        <a:rPr lang="en-US" sz="1050" b="1" i="0" u="none" strike="noStrike">
+                        <a:rPr lang="en-US" sz="1050" b="0" i="0" u="none" strike="noStrike" cap="none">
                           <a:solidFill>
                             <a:srgbClr val="000000"/>
                           </a:solidFill>
-                          <a:effectLst/>
-                          <a:latin typeface="Arial" panose="020B0604020202020204" pitchFamily="34" charset="0"/>
-                        </a:rPr>
-                        <a:t>Actual Result:</a:t>
-                      </a:r>
-                      <a:endParaRPr lang="en-US">
-                        <a:effectLst/>
-                      </a:endParaRPr>
-                    </a:p>
-                    <a:p>
-                      <a:pPr rtl="0" fontAlgn="base">
-                        <a:spcBef>
-                          <a:spcPts val="400"/>
-                        </a:spcBef>
-                        <a:spcAft>
-                          <a:spcPts val="0"/>
-                        </a:spcAft>
-                        <a:buFont typeface="Arial" panose="020B0604020202020204" pitchFamily="34" charset="0"/>
-                        <a:buChar char="•"/>
-                      </a:pPr>
-                      <a:r>
-                        <a:rPr lang="en-US" sz="1050" b="0" i="0" u="none" strike="noStrike">
-                          <a:solidFill>
-                            <a:srgbClr val="000000"/>
-                          </a:solidFill>
-                          <a:effectLst/>
-                          <a:latin typeface="Arial" panose="020B0604020202020204" pitchFamily="34" charset="0"/>
+                          <a:latin typeface="Arial"/>
+                          <a:ea typeface="Arial"/>
+                          <a:cs typeface="Arial"/>
+                          <a:sym typeface="Arial"/>
                         </a:rPr>
                         <a:t>Car paths are determined by Dijkstra algorithm and displayed on the oblivious map navigation.</a:t>
                       </a:r>
                     </a:p>
                   </a:txBody>
                   <a:tcPr marL="63500" marR="63500" marT="63500" marB="63500">
-                    <a:lnL w="14288" cap="flat" cmpd="sng" algn="ctr">
+                    <a:lnL w="14275" cap="flat" cmpd="sng">
                       <a:solidFill>
                         <a:srgbClr val="000000"/>
                       </a:solidFill>
@@ -20134,7 +20161,7 @@
                       <a:headEnd type="none" w="med" len="med"/>
                       <a:tailEnd type="none" w="med" len="med"/>
                     </a:lnL>
-                    <a:lnR w="14288" cap="flat" cmpd="sng" algn="ctr">
+                    <a:lnR w="14275" cap="flat" cmpd="sng">
                       <a:solidFill>
                         <a:srgbClr val="000000"/>
                       </a:solidFill>
@@ -20143,7 +20170,7 @@
                       <a:headEnd type="none" w="med" len="med"/>
                       <a:tailEnd type="none" w="med" len="med"/>
                     </a:lnR>
-                    <a:lnT w="14288" cap="flat" cmpd="sng" algn="ctr">
+                    <a:lnT w="14275" cap="flat" cmpd="sng">
                       <a:solidFill>
                         <a:srgbClr val="000000"/>
                       </a:solidFill>
@@ -20152,7 +20179,7 @@
                       <a:headEnd type="none" w="med" len="med"/>
                       <a:tailEnd type="none" w="med" len="med"/>
                     </a:lnT>
-                    <a:lnB w="14288" cap="flat" cmpd="sng" algn="ctr">
+                    <a:lnB w="14275" cap="flat" cmpd="sng">
                       <a:solidFill>
                         <a:srgbClr val="000000"/>
                       </a:solidFill>
@@ -20165,51 +20192,61 @@
                 </a:tc>
                 <a:extLst>
                   <a:ext uri="{0D108BD9-81ED-4DB2-BD59-A6C34878D82A}">
-                    <a16:rowId xmlns:a16="http://schemas.microsoft.com/office/drawing/2014/main" val="1952576360"/>
+                    <a16:rowId xmlns:a16="http://schemas.microsoft.com/office/drawing/2014/main" val="10004"/>
                   </a:ext>
                 </a:extLst>
               </a:tr>
-              <a:tr h="453541">
+              <a:tr h="453550">
                 <a:tc>
                   <a:txBody>
                     <a:bodyPr/>
                     <a:lstStyle/>
                     <a:p>
-                      <a:pPr rtl="0" fontAlgn="t">
+                      <a:pPr marL="0" marR="0" lvl="0" indent="0" algn="l" rtl="0">
+                        <a:lnSpc>
+                          <a:spcPct val="100000"/>
+                        </a:lnSpc>
                         <a:spcBef>
-                          <a:spcPts val="400"/>
+                          <a:spcPts val="0"/>
                         </a:spcBef>
                         <a:spcAft>
                           <a:spcPts val="0"/>
                         </a:spcAft>
+                        <a:buClr>
+                          <a:srgbClr val="000000"/>
+                        </a:buClr>
+                        <a:buSzPct val="25000"/>
+                        <a:buFont typeface="Arial"/>
+                        <a:buNone/>
                       </a:pPr>
                       <a:r>
-                        <a:rPr lang="en-US" sz="1050" b="1" i="0" u="none" strike="noStrike" dirty="0">
+                        <a:rPr lang="en-US" sz="1050" b="1" i="0" u="none" strike="noStrike" cap="none">
                           <a:solidFill>
                             <a:srgbClr val="000000"/>
                           </a:solidFill>
-                          <a:effectLst/>
-                          <a:latin typeface="Arial" panose="020B0604020202020204" pitchFamily="34" charset="0"/>
+                          <a:latin typeface="Arial"/>
+                          <a:ea typeface="Arial"/>
+                          <a:cs typeface="Arial"/>
+                          <a:sym typeface="Arial"/>
                         </a:rPr>
                         <a:t>Status</a:t>
                       </a:r>
                       <a:r>
-                        <a:rPr lang="en-US" sz="1050" b="0" i="0" u="none" strike="noStrike" dirty="0">
+                        <a:rPr lang="en-US" sz="1050" b="0" i="0" u="none" strike="noStrike" cap="none">
                           <a:solidFill>
                             <a:srgbClr val="000000"/>
                           </a:solidFill>
-                          <a:effectLst/>
-                          <a:latin typeface="Arial" panose="020B0604020202020204" pitchFamily="34" charset="0"/>
+                          <a:latin typeface="Arial"/>
+                          <a:ea typeface="Arial"/>
+                          <a:cs typeface="Arial"/>
+                          <a:sym typeface="Arial"/>
                         </a:rPr>
                         <a:t> : Pass</a:t>
                       </a:r>
-                      <a:endParaRPr lang="en-US" dirty="0">
-                        <a:effectLst/>
-                      </a:endParaRPr>
                     </a:p>
                   </a:txBody>
                   <a:tcPr marL="63500" marR="63500" marT="63500" marB="63500">
-                    <a:lnL w="14288" cap="flat" cmpd="sng" algn="ctr">
+                    <a:lnL w="14275" cap="flat" cmpd="sng">
                       <a:solidFill>
                         <a:srgbClr val="000000"/>
                       </a:solidFill>
@@ -20218,7 +20255,7 @@
                       <a:headEnd type="none" w="med" len="med"/>
                       <a:tailEnd type="none" w="med" len="med"/>
                     </a:lnL>
-                    <a:lnR w="14288" cap="flat" cmpd="sng" algn="ctr">
+                    <a:lnR w="14275" cap="flat" cmpd="sng">
                       <a:solidFill>
                         <a:srgbClr val="000000"/>
                       </a:solidFill>
@@ -20227,7 +20264,7 @@
                       <a:headEnd type="none" w="med" len="med"/>
                       <a:tailEnd type="none" w="med" len="med"/>
                     </a:lnR>
-                    <a:lnT w="14288" cap="flat" cmpd="sng" algn="ctr">
+                    <a:lnT w="14275" cap="flat" cmpd="sng">
                       <a:solidFill>
                         <a:srgbClr val="000000"/>
                       </a:solidFill>
@@ -20236,7 +20273,7 @@
                       <a:headEnd type="none" w="med" len="med"/>
                       <a:tailEnd type="none" w="med" len="med"/>
                     </a:lnT>
-                    <a:lnB w="14288" cap="flat" cmpd="sng" algn="ctr">
+                    <a:lnB w="14275" cap="flat" cmpd="sng">
                       <a:solidFill>
                         <a:srgbClr val="000000"/>
                       </a:solidFill>
@@ -20249,7 +20286,7 @@
                 </a:tc>
                 <a:extLst>
                   <a:ext uri="{0D108BD9-81ED-4DB2-BD59-A6C34878D82A}">
-                    <a16:rowId xmlns:a16="http://schemas.microsoft.com/office/drawing/2014/main" val="96279376"/>
+                    <a16:rowId xmlns:a16="http://schemas.microsoft.com/office/drawing/2014/main" val="10005"/>
                   </a:ext>
                 </a:extLst>
               </a:tr>
@@ -20259,16 +20296,14 @@
       </p:graphicFrame>
       <p:sp>
         <p:nvSpPr>
-          <p:cNvPr id="14" name="Rectangle 4"/>
-          <p:cNvSpPr>
-            <a:spLocks noChangeArrowheads="1"/>
-          </p:cNvSpPr>
+          <p:cNvPr id="120" name="Shape 120"/>
+          <p:cNvSpPr/>
           <p:nvPr/>
         </p:nvSpPr>
-        <p:spPr bwMode="auto">
+        <p:spPr>
           <a:xfrm>
-            <a:off x="2046592" y="35390040"/>
-            <a:ext cx="49487499" cy="1107996"/>
+            <a:off x="2046591" y="35390040"/>
+            <a:ext cx="49487497" cy="1107995"/>
           </a:xfrm>
           <a:prstGeom prst="rect">
             <a:avLst/>
@@ -20277,218 +20312,188 @@
           <a:ln>
             <a:noFill/>
           </a:ln>
-          <a:effectLst/>
-          <a:extLst>
-            <a:ext uri="{909E8E84-426E-40DD-AFC4-6F175D3DCCD1}">
-              <a14:hiddenFill xmlns:a14="http://schemas.microsoft.com/office/drawing/2010/main">
-                <a:solidFill>
-                  <a:schemeClr val="accent1"/>
-                </a:solidFill>
-              </a14:hiddenFill>
-            </a:ext>
-            <a:ext uri="{91240B29-F687-4F45-9708-019B960494DF}">
-              <a14:hiddenLine xmlns:a14="http://schemas.microsoft.com/office/drawing/2010/main" w="9525">
-                <a:solidFill>
-                  <a:schemeClr val="tx1"/>
-                </a:solidFill>
-                <a:miter lim="800000"/>
-                <a:headEnd/>
-                <a:tailEnd/>
-              </a14:hiddenLine>
-            </a:ext>
-            <a:ext uri="{AF507438-7753-43E0-B8FC-AC1667EBCBE1}">
-              <a14:hiddenEffects xmlns:a14="http://schemas.microsoft.com/office/drawing/2010/main">
-                <a:effectLst>
-                  <a:outerShdw dist="35921" dir="2700000" algn="ctr" rotWithShape="0">
-                    <a:schemeClr val="bg2"/>
-                  </a:outerShdw>
-                </a:effectLst>
-              </a14:hiddenEffects>
-            </a:ext>
-          </a:extLst>
         </p:spPr>
         <p:txBody>
-          <a:bodyPr vert="horz" wrap="square" lIns="91440" tIns="0" rIns="91440" bIns="0" numCol="1" anchor="ctr" anchorCtr="0" compatLnSpc="1">
-            <a:prstTxWarp prst="textNoShape">
-              <a:avLst/>
-            </a:prstTxWarp>
-            <a:spAutoFit/>
+          <a:bodyPr lIns="91425" tIns="0" rIns="91425" bIns="0" anchor="ctr" anchorCtr="0">
+            <a:noAutofit/>
           </a:bodyPr>
           <a:lstStyle/>
           <a:p>
-            <a:pPr marL="0" marR="0" lvl="0" indent="0" algn="l" defTabSz="914400" rtl="0" eaLnBrk="0" fontAlgn="base" latinLnBrk="0" hangingPunct="0">
-              <a:lnSpc>
-                <a:spcPct val="100000"/>
-              </a:lnSpc>
-              <a:spcBef>
-                <a:spcPct val="0"/>
-              </a:spcBef>
-              <a:spcAft>
-                <a:spcPct val="0"/>
-              </a:spcAft>
-              <a:buClrTx/>
-              <a:buSzTx/>
-              <a:buFontTx/>
-              <a:buNone/>
-              <a:tabLst/>
+            <a:pPr marL="0" marR="0" lvl="0" indent="0" algn="l" rtl="0">
+              <a:lnSpc>
+                <a:spcPct val="100000"/>
+              </a:lnSpc>
+              <a:spcBef>
+                <a:spcPts val="0"/>
+              </a:spcBef>
+              <a:spcAft>
+                <a:spcPts val="0"/>
+              </a:spcAft>
+              <a:buClr>
+                <a:schemeClr val="dk1"/>
+              </a:buClr>
+              <a:buSzPct val="25000"/>
+              <a:buFont typeface="Arial"/>
+              <a:buNone/>
             </a:pPr>
             <a:br>
-              <a:rPr kumimoji="0" lang="en-US" altLang="en-US" sz="1800" b="0" i="0" u="none" strike="noStrike" cap="none" normalizeH="0" baseline="0">
-                <a:ln>
-                  <a:noFill/>
-                </a:ln>
-                <a:solidFill>
-                  <a:schemeClr val="tx1"/>
-                </a:solidFill>
-                <a:effectLst/>
-                <a:latin typeface="Arial" panose="020B0604020202020204" pitchFamily="34" charset="0"/>
+              <a:rPr lang="en-US" sz="1800" b="0" i="0" u="none" strike="noStrike" cap="none">
+                <a:solidFill>
+                  <a:schemeClr val="dk1"/>
+                </a:solidFill>
+                <a:latin typeface="Arial"/>
+                <a:ea typeface="Arial"/>
+                <a:cs typeface="Arial"/>
+                <a:sym typeface="Arial"/>
               </a:rPr>
             </a:br>
-            <a:endParaRPr kumimoji="0" lang="en-US" altLang="en-US" sz="1800" b="0" i="0" u="none" strike="noStrike" cap="none" normalizeH="0" baseline="0">
-              <a:ln>
-                <a:noFill/>
-              </a:ln>
+            <a:endParaRPr lang="en-US" sz="1800" b="0" i="0" u="none" strike="noStrike" cap="none">
               <a:solidFill>
-                <a:schemeClr val="tx1"/>
+                <a:schemeClr val="dk1"/>
               </a:solidFill>
-              <a:effectLst/>
-              <a:latin typeface="Arial" panose="020B0604020202020204" pitchFamily="34" charset="0"/>
+              <a:latin typeface="Arial"/>
+              <a:ea typeface="Arial"/>
+              <a:cs typeface="Arial"/>
+              <a:sym typeface="Arial"/>
             </a:endParaRPr>
           </a:p>
           <a:p>
-            <a:pPr marL="0" marR="0" lvl="0" indent="0" algn="l" defTabSz="914400" rtl="0" eaLnBrk="0" fontAlgn="base" latinLnBrk="0" hangingPunct="0">
-              <a:lnSpc>
-                <a:spcPct val="100000"/>
-              </a:lnSpc>
-              <a:spcBef>
-                <a:spcPct val="0"/>
-              </a:spcBef>
-              <a:spcAft>
-                <a:spcPct val="0"/>
-              </a:spcAft>
-              <a:buClrTx/>
-              <a:buSzTx/>
-              <a:buFontTx/>
+            <a:pPr marL="0" marR="0" lvl="0" indent="0" algn="l" rtl="0">
+              <a:lnSpc>
+                <a:spcPct val="100000"/>
+              </a:lnSpc>
+              <a:spcBef>
+                <a:spcPts val="0"/>
+              </a:spcBef>
+              <a:spcAft>
+                <a:spcPts val="0"/>
+              </a:spcAft>
+              <a:buClr>
+                <a:schemeClr val="dk1"/>
+              </a:buClr>
+              <a:buSzPct val="100000"/>
+              <a:buFont typeface="Arial"/>
               <a:buChar char="•"/>
-              <a:tabLst/>
             </a:pPr>
             <a:br>
-              <a:rPr kumimoji="0" lang="en-US" altLang="en-US" sz="1800" b="0" i="0" u="none" strike="noStrike" cap="none" normalizeH="0" baseline="0">
-                <a:ln>
-                  <a:noFill/>
-                </a:ln>
-                <a:solidFill>
-                  <a:schemeClr val="tx1"/>
-                </a:solidFill>
-                <a:effectLst/>
-                <a:latin typeface="Arial" panose="020B0604020202020204" pitchFamily="34" charset="0"/>
+              <a:rPr lang="en-US" sz="1800" b="0" i="0" u="none" strike="noStrike" cap="none">
+                <a:solidFill>
+                  <a:schemeClr val="dk1"/>
+                </a:solidFill>
+                <a:latin typeface="Arial"/>
+                <a:ea typeface="Arial"/>
+                <a:cs typeface="Arial"/>
+                <a:sym typeface="Arial"/>
               </a:rPr>
             </a:br>
-            <a:endParaRPr kumimoji="0" lang="en-US" altLang="en-US" sz="1800" b="0" i="0" u="none" strike="noStrike" cap="none" normalizeH="0" baseline="0">
-              <a:ln>
-                <a:noFill/>
-              </a:ln>
+            <a:endParaRPr lang="en-US" sz="1800" b="0" i="0" u="none" strike="noStrike" cap="none">
               <a:solidFill>
-                <a:schemeClr val="tx1"/>
+                <a:schemeClr val="dk1"/>
               </a:solidFill>
-              <a:effectLst/>
-              <a:latin typeface="Arial" panose="020B0604020202020204" pitchFamily="34" charset="0"/>
+              <a:latin typeface="Arial"/>
+              <a:ea typeface="Arial"/>
+              <a:cs typeface="Arial"/>
+              <a:sym typeface="Arial"/>
             </a:endParaRPr>
           </a:p>
         </p:txBody>
       </p:sp>
       <p:pic>
         <p:nvPicPr>
-          <p:cNvPr id="18" name="Picture 17"/>
-          <p:cNvPicPr>
-            <a:picLocks noChangeAspect="1"/>
-          </p:cNvPicPr>
+          <p:cNvPr id="121" name="Shape 121"/>
+          <p:cNvPicPr preferRelativeResize="0"/>
           <p:nvPr/>
         </p:nvPicPr>
-        <p:blipFill>
-          <a:blip r:embed="rId11"/>
-          <a:stretch>
-            <a:fillRect/>
-          </a:stretch>
+        <p:blipFill rotWithShape="1">
+          <a:blip r:embed="rId11">
+            <a:alphaModFix/>
+          </a:blip>
+          <a:srcRect/>
+          <a:stretch/>
         </p:blipFill>
         <p:spPr>
           <a:xfrm>
-            <a:off x="1636400" y="13568516"/>
+            <a:off x="1636400" y="13568515"/>
             <a:ext cx="6858957" cy="8977696"/>
           </a:xfrm>
           <a:prstGeom prst="rect">
             <a:avLst/>
           </a:prstGeom>
+          <a:noFill/>
+          <a:ln>
+            <a:noFill/>
+          </a:ln>
         </p:spPr>
       </p:pic>
       <p:sp>
         <p:nvSpPr>
-          <p:cNvPr id="19" name="TextBox 18"/>
+          <p:cNvPr id="122" name="Shape 122"/>
           <p:cNvSpPr txBox="1"/>
           <p:nvPr/>
         </p:nvSpPr>
         <p:spPr>
           <a:xfrm>
             <a:off x="2045799" y="13090010"/>
-            <a:ext cx="6154304" cy="400110"/>
+            <a:ext cx="6154304" cy="400109"/>
           </a:xfrm>
           <a:prstGeom prst="rect">
             <a:avLst/>
           </a:prstGeom>
           <a:noFill/>
+          <a:ln>
+            <a:noFill/>
+          </a:ln>
         </p:spPr>
         <p:txBody>
-          <a:bodyPr wrap="square" rtlCol="0">
-            <a:spAutoFit/>
+          <a:bodyPr lIns="91425" tIns="45700" rIns="91425" bIns="45700" anchor="t" anchorCtr="0">
+            <a:noAutofit/>
           </a:bodyPr>
           <a:lstStyle/>
           <a:p>
+            <a:pPr marL="0" marR="0" lvl="0" indent="0" algn="l" rtl="0">
+              <a:lnSpc>
+                <a:spcPct val="100000"/>
+              </a:lnSpc>
+              <a:spcBef>
+                <a:spcPts val="0"/>
+              </a:spcBef>
+              <a:spcAft>
+                <a:spcPts val="0"/>
+              </a:spcAft>
+              <a:buClr>
+                <a:srgbClr val="262672"/>
+              </a:buClr>
+              <a:buSzPct val="25000"/>
+              <a:buFont typeface="Arial"/>
+              <a:buNone/>
+            </a:pPr>
             <a:r>
-              <a:rPr lang="en-US" sz="2000" dirty="0">
-                <a:solidFill>
-                  <a:schemeClr val="accent2">
-                    <a:lumMod val="75000"/>
-                  </a:schemeClr>
-                </a:solidFill>
+              <a:rPr lang="en-US" sz="2000" b="0" i="0" u="none" strike="noStrike" cap="none">
+                <a:solidFill>
+                  <a:srgbClr val="262672"/>
+                </a:solidFill>
+                <a:latin typeface="Arial"/>
+                <a:ea typeface="Arial"/>
+                <a:cs typeface="Arial"/>
+                <a:sym typeface="Arial"/>
               </a:rPr>
-              <a:t>Car paths with animation (google map </a:t>
-            </a:r>
-            <a:r>
-              <a:rPr lang="en-US" sz="2000" dirty="0" err="1">
-                <a:solidFill>
-                  <a:schemeClr val="accent2">
-                    <a:lumMod val="75000"/>
-                  </a:schemeClr>
-                </a:solidFill>
-              </a:rPr>
-              <a:t>nav</a:t>
-            </a:r>
-            <a:r>
-              <a:rPr lang="en-US" sz="2000" dirty="0">
-                <a:solidFill>
-                  <a:schemeClr val="accent2">
-                    <a:lumMod val="75000"/>
-                  </a:schemeClr>
-                </a:solidFill>
-              </a:rPr>
-              <a:t>)</a:t>
+              <a:t>Car paths with animation (google map nav)</a:t>
             </a:r>
           </a:p>
         </p:txBody>
       </p:sp>
       <p:pic>
         <p:nvPicPr>
-          <p:cNvPr id="25" name="Picture 24"/>
-          <p:cNvPicPr>
-            <a:picLocks noChangeAspect="1"/>
-          </p:cNvPicPr>
+          <p:cNvPr id="123" name="Shape 123"/>
+          <p:cNvPicPr preferRelativeResize="0"/>
           <p:nvPr/>
         </p:nvPicPr>
-        <p:blipFill>
-          <a:blip r:embed="rId12"/>
-          <a:stretch>
-            <a:fillRect/>
-          </a:stretch>
+        <p:blipFill rotWithShape="1">
+          <a:blip r:embed="rId12">
+            <a:alphaModFix/>
+          </a:blip>
+          <a:srcRect/>
+          <a:stretch/>
         </p:blipFill>
         <p:spPr>
           <a:xfrm>
@@ -20498,116 +20503,147 @@
           <a:prstGeom prst="rect">
             <a:avLst/>
           </a:prstGeom>
+          <a:noFill/>
+          <a:ln>
+            <a:noFill/>
+          </a:ln>
         </p:spPr>
       </p:pic>
       <p:sp>
         <p:nvSpPr>
-          <p:cNvPr id="26" name="TextBox 25"/>
+          <p:cNvPr id="124" name="Shape 124"/>
           <p:cNvSpPr txBox="1"/>
           <p:nvPr/>
         </p:nvSpPr>
         <p:spPr>
           <a:xfrm flipH="1">
-            <a:off x="9269005" y="13669903"/>
-            <a:ext cx="6157808" cy="400110"/>
+            <a:off x="9269004" y="13669903"/>
+            <a:ext cx="6157808" cy="400109"/>
           </a:xfrm>
           <a:prstGeom prst="rect">
             <a:avLst/>
           </a:prstGeom>
           <a:noFill/>
+          <a:ln>
+            <a:noFill/>
+          </a:ln>
         </p:spPr>
         <p:txBody>
-          <a:bodyPr wrap="square" rtlCol="0">
-            <a:spAutoFit/>
+          <a:bodyPr lIns="91425" tIns="45700" rIns="91425" bIns="45700" anchor="t" anchorCtr="0">
+            <a:noAutofit/>
           </a:bodyPr>
           <a:lstStyle/>
           <a:p>
+            <a:pPr marL="0" marR="0" lvl="0" indent="0" algn="l" rtl="0">
+              <a:lnSpc>
+                <a:spcPct val="100000"/>
+              </a:lnSpc>
+              <a:spcBef>
+                <a:spcPts val="0"/>
+              </a:spcBef>
+              <a:spcAft>
+                <a:spcPts val="0"/>
+              </a:spcAft>
+              <a:buClr>
+                <a:srgbClr val="002060"/>
+              </a:buClr>
+              <a:buSzPct val="25000"/>
+              <a:buFont typeface="Arial"/>
+              <a:buNone/>
+            </a:pPr>
             <a:r>
-              <a:rPr lang="en-US" sz="2000" dirty="0" err="1">
+              <a:rPr lang="en-US" sz="2000" b="0" i="0" u="none" strike="noStrike" cap="none">
                 <a:solidFill>
                   <a:srgbClr val="002060"/>
                 </a:solidFill>
+                <a:latin typeface="Arial"/>
+                <a:ea typeface="Arial"/>
+                <a:cs typeface="Arial"/>
+                <a:sym typeface="Arial"/>
               </a:rPr>
-              <a:t>Dijsktra</a:t>
-            </a:r>
-            <a:r>
-              <a:rPr lang="en-US" sz="2000" dirty="0">
-                <a:solidFill>
-                  <a:srgbClr val="002060"/>
-                </a:solidFill>
-              </a:rPr>
-              <a:t> Algorithm animation(Oblivious map </a:t>
-            </a:r>
-            <a:r>
-              <a:rPr lang="en-US" sz="2000" dirty="0" err="1">
-                <a:solidFill>
-                  <a:srgbClr val="002060"/>
-                </a:solidFill>
-              </a:rPr>
-              <a:t>nav</a:t>
-            </a:r>
-            <a:r>
-              <a:rPr lang="en-US" sz="2000" dirty="0">
-                <a:solidFill>
-                  <a:srgbClr val="002060"/>
-                </a:solidFill>
-              </a:rPr>
-              <a:t>)</a:t>
+              <a:t>Dijsktra Algorithm animation(Oblivious map nav)</a:t>
             </a:r>
           </a:p>
         </p:txBody>
       </p:sp>
       <p:pic>
         <p:nvPicPr>
-          <p:cNvPr id="28" name="Picture 27"/>
-          <p:cNvPicPr>
-            <a:picLocks noChangeAspect="1"/>
-          </p:cNvPicPr>
+          <p:cNvPr id="125" name="Shape 125"/>
+          <p:cNvPicPr preferRelativeResize="0"/>
           <p:nvPr/>
         </p:nvPicPr>
-        <p:blipFill>
-          <a:blip r:embed="rId13"/>
-          <a:stretch>
-            <a:fillRect/>
-          </a:stretch>
+        <p:blipFill rotWithShape="1">
+          <a:blip r:embed="rId13">
+            <a:alphaModFix/>
+          </a:blip>
+          <a:srcRect/>
+          <a:stretch/>
         </p:blipFill>
         <p:spPr>
           <a:xfrm>
             <a:off x="16195475" y="14311195"/>
-            <a:ext cx="4591691" cy="8154538"/>
+            <a:ext cx="4591691" cy="8154537"/>
           </a:xfrm>
           <a:prstGeom prst="rect">
             <a:avLst/>
           </a:prstGeom>
+          <a:noFill/>
+          <a:ln>
+            <a:noFill/>
+          </a:ln>
         </p:spPr>
       </p:pic>
       <p:sp>
         <p:nvSpPr>
-          <p:cNvPr id="29" name="TextBox 28"/>
+          <p:cNvPr id="126" name="Shape 126"/>
           <p:cNvSpPr txBox="1"/>
           <p:nvPr/>
         </p:nvSpPr>
         <p:spPr>
           <a:xfrm>
-            <a:off x="16586647" y="13734231"/>
-            <a:ext cx="3854617" cy="400110"/>
+            <a:off x="16586646" y="13734231"/>
+            <a:ext cx="3854616" cy="400109"/>
           </a:xfrm>
           <a:prstGeom prst="rect">
             <a:avLst/>
           </a:prstGeom>
           <a:noFill/>
+          <a:ln>
+            <a:noFill/>
+          </a:ln>
         </p:spPr>
         <p:txBody>
-          <a:bodyPr wrap="square" rtlCol="0">
-            <a:spAutoFit/>
+          <a:bodyPr lIns="91425" tIns="45700" rIns="91425" bIns="45700" anchor="t" anchorCtr="0">
+            <a:noAutofit/>
           </a:bodyPr>
           <a:lstStyle/>
           <a:p>
+            <a:pPr marL="0" marR="0" lvl="0" indent="0" algn="l" rtl="0">
+              <a:lnSpc>
+                <a:spcPct val="100000"/>
+              </a:lnSpc>
+              <a:spcBef>
+                <a:spcPts val="0"/>
+              </a:spcBef>
+              <a:spcAft>
+                <a:spcPts val="0"/>
+              </a:spcAft>
+              <a:buClr>
+                <a:srgbClr val="002060"/>
+              </a:buClr>
+              <a:buSzPct val="25000"/>
+              <a:buFont typeface="Arial"/>
+              <a:buNone/>
+            </a:pPr>
             <a:r>
-              <a:rPr lang="en-US" sz="2000" dirty="0">
+              <a:rPr lang="en-US" sz="2000" b="0" i="0" u="none" strike="noStrike" cap="none">
                 <a:solidFill>
                   <a:srgbClr val="002060"/>
                 </a:solidFill>
+                <a:latin typeface="Arial"/>
+                <a:ea typeface="Arial"/>
+                <a:cs typeface="Arial"/>
+                <a:sym typeface="Arial"/>
               </a:rPr>
               <a:t>               Input panel </a:t>
             </a:r>
@@ -20616,17 +20652,16 @@
       </p:sp>
       <p:pic>
         <p:nvPicPr>
-          <p:cNvPr id="31" name="Picture 30"/>
-          <p:cNvPicPr>
-            <a:picLocks noChangeAspect="1"/>
-          </p:cNvPicPr>
+          <p:cNvPr id="127" name="Shape 127"/>
+          <p:cNvPicPr preferRelativeResize="0"/>
           <p:nvPr/>
         </p:nvPicPr>
-        <p:blipFill>
-          <a:blip r:embed="rId14"/>
-          <a:stretch>
-            <a:fillRect/>
-          </a:stretch>
+        <p:blipFill rotWithShape="1">
+          <a:blip r:embed="rId14">
+            <a:alphaModFix/>
+          </a:blip>
+          <a:srcRect/>
+          <a:stretch/>
         </p:blipFill>
         <p:spPr>
           <a:xfrm>
@@ -20636,157 +20671,99 @@
           <a:prstGeom prst="rect">
             <a:avLst/>
           </a:prstGeom>
-        </p:spPr>
-      </p:pic>
-      <mc:AlternateContent xmlns:mc="http://schemas.openxmlformats.org/markup-compatibility/2006" xmlns:pslz="http://schemas.microsoft.com/office/powerpoint/2016/slidezoom">
-        <mc:Choice Requires="pslz">
-          <p:graphicFrame>
-            <p:nvGraphicFramePr>
-              <p:cNvPr id="9" name="Slide Zoom 8"/>
-              <p:cNvGraphicFramePr>
-                <a:graphicFrameLocks noChangeAspect="1"/>
-              </p:cNvGraphicFramePr>
-              <p:nvPr>
-                <p:extLst>
-                  <p:ext uri="{D42A27DB-BD31-4B8C-83A1-F6EECF244321}">
-                    <p14:modId xmlns:p14="http://schemas.microsoft.com/office/powerpoint/2010/main" val="4160712468"/>
-                  </p:ext>
-                </p:extLst>
-              </p:nvPr>
-            </p:nvGraphicFramePr>
-            <p:xfrm>
-              <a:off x="-28803600" y="5486400"/>
-              <a:ext cx="8229600" cy="10972800"/>
-            </p:xfrm>
-            <a:graphic>
-              <a:graphicData uri="http://schemas.microsoft.com/office/powerpoint/2016/slidezoom">
-                <pslz:sldZm>
-                  <pslz:sldZmObj sldId="256" cId="0">
-                    <pslz:zmPr id="{00B3F78D-D087-43DD-B577-3BF23B1279C1}" returnToParent="0" transitionDur="1000">
-                      <p166:blipFill xmlns:p166="http://schemas.microsoft.com/office/powerpoint/2016/6/main">
-                        <a:blip r:embed="rId15"/>
-                        <a:stretch>
-                          <a:fillRect/>
-                        </a:stretch>
-                      </p166:blipFill>
-                      <p166:spPr xmlns:p166="http://schemas.microsoft.com/office/powerpoint/2016/6/main">
-                        <a:xfrm>
-                          <a:off x="0" y="0"/>
-                          <a:ext cx="8229600" cy="10972800"/>
-                        </a:xfrm>
-                        <a:prstGeom prst="rect">
-                          <a:avLst/>
-                        </a:prstGeom>
-                        <a:ln w="3175">
-                          <a:solidFill>
-                            <a:prstClr val="ltGray"/>
-                          </a:solidFill>
-                        </a:ln>
-                      </p166:spPr>
-                    </pslz:zmPr>
-                  </pslz:sldZmObj>
-                </pslz:sldZm>
-              </a:graphicData>
-            </a:graphic>
-          </p:graphicFrame>
-        </mc:Choice>
-        <mc:Fallback xmlns="">
-          <p:pic>
-            <p:nvPicPr>
-              <p:cNvPr id="9" name="Slide Zoom 8">
-                <a:hlinkClick r:id="rId17" action="ppaction://hlinksldjump"/>
-              </p:cNvPr>
-              <p:cNvPicPr>
-                <a:picLocks noGrp="1" noRot="1" noChangeAspect="1" noMove="1" noResize="1" noEditPoints="1" noAdjustHandles="1" noChangeArrowheads="1" noChangeShapeType="1"/>
-              </p:cNvPicPr>
-              <p:nvPr/>
-            </p:nvPicPr>
-            <p:blipFill>
-              <a:blip r:embed="rId16"/>
-              <a:stretch>
-                <a:fillRect/>
-              </a:stretch>
-            </p:blipFill>
-            <p:spPr>
-              <a:xfrm>
-                <a:off x="-28803600" y="5486400"/>
-                <a:ext cx="8229600" cy="10972800"/>
-              </a:xfrm>
-              <a:prstGeom prst="rect">
-                <a:avLst/>
-              </a:prstGeom>
-              <a:ln w="3175">
-                <a:solidFill>
-                  <a:prstClr val="ltGray"/>
-                </a:solidFill>
-              </a:ln>
-            </p:spPr>
-          </p:pic>
-        </mc:Fallback>
-      </mc:AlternateContent>
-      <p:pic>
-        <p:nvPicPr>
-          <p:cNvPr id="4" name="Picture 3"/>
-          <p:cNvPicPr>
-            <a:picLocks noChangeAspect="1"/>
-          </p:cNvPicPr>
-          <p:nvPr/>
-        </p:nvPicPr>
-        <p:blipFill>
-          <a:blip r:embed="rId18"/>
-          <a:stretch>
-            <a:fillRect/>
-          </a:stretch>
-        </p:blipFill>
-        <p:spPr>
-          <a:xfrm>
-            <a:off x="12093677" y="31502555"/>
-            <a:ext cx="12536129" cy="8790041"/>
-          </a:xfrm>
-          <a:prstGeom prst="rect">
-            <a:avLst/>
-          </a:prstGeom>
+          <a:noFill/>
+          <a:ln>
+            <a:noFill/>
+          </a:ln>
         </p:spPr>
       </p:pic>
       <p:pic>
         <p:nvPicPr>
-          <p:cNvPr id="1026" name="Picture 2" descr="https://lh5.googleusercontent.com/mpVG-EVeKB00B1JN8LLS-kukFVyFw5Y5m4SjmL5LKsGwaUGP8e4odRUedKcZvYri1MvTP2GkBypifyJhCUAjhA67JrcvhlawpaG8bUXNOl1DT5EH8gCmbKpgjAbSj3mgqbi9OOVS"/>
-          <p:cNvPicPr>
-            <a:picLocks noChangeAspect="1" noChangeArrowheads="1"/>
-          </p:cNvPicPr>
+          <p:cNvPr id="128" name="Shape 128">
+            <a:hlinkClick r:id="rId15"/>
+          </p:cNvPr>
+          <p:cNvPicPr preferRelativeResize="0"/>
           <p:nvPr/>
         </p:nvPicPr>
-        <p:blipFill>
-          <a:blip r:embed="rId19">
-            <a:extLst>
-              <a:ext uri="{28A0092B-C50C-407E-A947-70E740481C1C}">
-                <a14:useLocalDpi xmlns:a14="http://schemas.microsoft.com/office/drawing/2010/main" val="0"/>
-              </a:ext>
-            </a:extLst>
+        <p:blipFill rotWithShape="1">
+          <a:blip r:embed="rId16">
+            <a:alphaModFix/>
           </a:blip>
           <a:srcRect/>
-          <a:stretch>
-            <a:fillRect/>
-          </a:stretch>
+          <a:stretch/>
         </p:blipFill>
-        <p:spPr bwMode="auto">
+        <p:spPr>
           <a:xfrm>
-            <a:off x="15087600" y="23999873"/>
-            <a:ext cx="5811306" cy="5964229"/>
+            <a:off x="-28803600" y="5486400"/>
+            <a:ext cx="8229600" cy="10972799"/>
           </a:xfrm>
           <a:prstGeom prst="rect">
             <a:avLst/>
           </a:prstGeom>
           <a:noFill/>
-          <a:extLst>
-            <a:ext uri="{909E8E84-426E-40DD-AFC4-6F175D3DCCD1}">
-              <a14:hiddenFill xmlns:a14="http://schemas.microsoft.com/office/drawing/2010/main">
-                <a:solidFill>
-                  <a:srgbClr val="FFFFFF"/>
-                </a:solidFill>
-              </a14:hiddenFill>
-            </a:ext>
-          </a:extLst>
+          <a:ln w="9525" cap="flat" cmpd="sng">
+            <a:solidFill>
+              <a:srgbClr val="D3D3D3"/>
+            </a:solidFill>
+            <a:prstDash val="solid"/>
+            <a:round/>
+            <a:headEnd type="none" w="med" len="med"/>
+            <a:tailEnd type="none" w="med" len="med"/>
+          </a:ln>
+        </p:spPr>
+      </p:pic>
+      <p:pic>
+        <p:nvPicPr>
+          <p:cNvPr id="129" name="Shape 129"/>
+          <p:cNvPicPr preferRelativeResize="0"/>
+          <p:nvPr/>
+        </p:nvPicPr>
+        <p:blipFill rotWithShape="1">
+          <a:blip r:embed="rId17">
+            <a:alphaModFix/>
+          </a:blip>
+          <a:srcRect/>
+          <a:stretch/>
+        </p:blipFill>
+        <p:spPr>
+          <a:xfrm>
+            <a:off x="12093677" y="31502556"/>
+            <a:ext cx="12536128" cy="8790040"/>
+          </a:xfrm>
+          <a:prstGeom prst="rect">
+            <a:avLst/>
+          </a:prstGeom>
+          <a:noFill/>
+          <a:ln>
+            <a:noFill/>
+          </a:ln>
+        </p:spPr>
+      </p:pic>
+      <p:pic>
+        <p:nvPicPr>
+          <p:cNvPr id="130" name="Shape 130" descr="https://lh5.googleusercontent.com/mpVG-EVeKB00B1JN8LLS-kukFVyFw5Y5m4SjmL5LKsGwaUGP8e4odRUedKcZvYri1MvTP2GkBypifyJhCUAjhA67JrcvhlawpaG8bUXNOl1DT5EH8gCmbKpgjAbSj3mgqbi9OOVS"/>
+          <p:cNvPicPr preferRelativeResize="0"/>
+          <p:nvPr/>
+        </p:nvPicPr>
+        <p:blipFill rotWithShape="1">
+          <a:blip r:embed="rId18">
+            <a:alphaModFix/>
+          </a:blip>
+          <a:srcRect/>
+          <a:stretch/>
+        </p:blipFill>
+        <p:spPr>
+          <a:xfrm>
+            <a:off x="15087600" y="23999873"/>
+            <a:ext cx="5811305" cy="5964228"/>
+          </a:xfrm>
+          <a:prstGeom prst="rect">
+            <a:avLst/>
+          </a:prstGeom>
+          <a:noFill/>
+          <a:ln>
+            <a:noFill/>
+          </a:ln>
         </p:spPr>
       </p:pic>
     </p:spTree>
